--- a/Apresentacao WPEIF-2023.pptx
+++ b/Apresentacao WPEIF-2023.pptx
@@ -5,7 +5,7 @@
     <p:sldMasterId id="2147483648" r:id="rId1"/>
   </p:sldMasterIdLst>
   <p:notesMasterIdLst>
-    <p:notesMasterId r:id="rId22"/>
+    <p:notesMasterId r:id="rId20"/>
   </p:notesMasterIdLst>
   <p:sldIdLst>
     <p:sldId id="273" r:id="rId2"/>
@@ -22,12 +22,10 @@
     <p:sldId id="283" r:id="rId13"/>
     <p:sldId id="290" r:id="rId14"/>
     <p:sldId id="284" r:id="rId15"/>
-    <p:sldId id="289" r:id="rId16"/>
-    <p:sldId id="285" r:id="rId17"/>
-    <p:sldId id="286" r:id="rId18"/>
-    <p:sldId id="288" r:id="rId19"/>
-    <p:sldId id="287" r:id="rId20"/>
-    <p:sldId id="274" r:id="rId21"/>
+    <p:sldId id="285" r:id="rId16"/>
+    <p:sldId id="286" r:id="rId17"/>
+    <p:sldId id="287" r:id="rId18"/>
+    <p:sldId id="274" r:id="rId19"/>
   </p:sldIdLst>
   <p:sldSz cx="10080625" cy="5670550"/>
   <p:notesSz cx="7104063" cy="10234613"/>
@@ -4713,7 +4711,7 @@
     </p:spTree>
     <p:extLst>
       <p:ext uri="{BB962C8B-B14F-4D97-AF65-F5344CB8AC3E}">
-        <p14:creationId xmlns:p14="http://schemas.microsoft.com/office/powerpoint/2010/main" val="2697894520"/>
+        <p14:creationId xmlns:p14="http://schemas.microsoft.com/office/powerpoint/2010/main" val="1543746785"/>
       </p:ext>
     </p:extLst>
   </p:cSld>
@@ -5341,7 +5339,7 @@
     </p:spTree>
     <p:extLst>
       <p:ext uri="{BB962C8B-B14F-4D97-AF65-F5344CB8AC3E}">
-        <p14:creationId xmlns:p14="http://schemas.microsoft.com/office/powerpoint/2010/main" val="1543746785"/>
+        <p14:creationId xmlns:p14="http://schemas.microsoft.com/office/powerpoint/2010/main" val="3452494625"/>
       </p:ext>
     </p:extLst>
   </p:cSld>
@@ -5836,1262 +5834,6 @@
                 <a:buNone/>
               </a:pPr>
               <a:t>17</a:t>
-            </a:fld>
-            <a:endParaRPr lang="pt-BR" altLang="pt-BR">
-              <a:solidFill>
-                <a:srgbClr val="000000"/>
-              </a:solidFill>
-              <a:latin typeface="Times New Roman" panose="02020603050405020304" pitchFamily="18" charset="0"/>
-            </a:endParaRPr>
-          </a:p>
-        </p:txBody>
-      </p:sp>
-      <p:sp>
-        <p:nvSpPr>
-          <p:cNvPr id="8195" name="Rectangle 1">
-            <a:extLst>
-              <a:ext uri="{FF2B5EF4-FFF2-40B4-BE49-F238E27FC236}">
-                <a16:creationId xmlns:a16="http://schemas.microsoft.com/office/drawing/2014/main" id="{9B33F9EE-5B7E-2A03-D7A6-AD0C1A64E452}"/>
-              </a:ext>
-            </a:extLst>
-          </p:cNvPr>
-          <p:cNvSpPr txBox="1">
-            <a:spLocks noGrp="1" noRot="1" noChangeAspect="1" noChangeArrowheads="1" noTextEdit="1"/>
-          </p:cNvSpPr>
-          <p:nvPr>
-            <p:ph type="sldImg"/>
-          </p:nvPr>
-        </p:nvSpPr>
-        <p:spPr>
-          <a:xfrm>
-            <a:off x="141288" y="777875"/>
-            <a:ext cx="6819900" cy="3836988"/>
-          </a:xfrm>
-          <a:solidFill>
-            <a:srgbClr val="FFFFFF"/>
-          </a:solidFill>
-          <a:ln>
-            <a:solidFill>
-              <a:srgbClr val="000000"/>
-            </a:solidFill>
-            <a:miter lim="800000"/>
-            <a:headEnd/>
-            <a:tailEnd/>
-          </a:ln>
-          <a:extLst>
-            <a:ext uri="{AF507438-7753-43E0-B8FC-AC1667EBCBE1}">
-              <a14:hiddenEffects xmlns:a14="http://schemas.microsoft.com/office/drawing/2010/main">
-                <a:effectLst>
-                  <a:outerShdw dist="35921" dir="2700000" algn="ctr" rotWithShape="0">
-                    <a:srgbClr val="808080"/>
-                  </a:outerShdw>
-                </a:effectLst>
-              </a14:hiddenEffects>
-            </a:ext>
-          </a:extLst>
-        </p:spPr>
-      </p:sp>
-      <p:sp>
-        <p:nvSpPr>
-          <p:cNvPr id="8196" name="Text Box 2">
-            <a:extLst>
-              <a:ext uri="{FF2B5EF4-FFF2-40B4-BE49-F238E27FC236}">
-                <a16:creationId xmlns:a16="http://schemas.microsoft.com/office/drawing/2014/main" id="{3F73C248-A319-45F5-AEAE-471DD73E4D60}"/>
-              </a:ext>
-            </a:extLst>
-          </p:cNvPr>
-          <p:cNvSpPr txBox="1">
-            <a:spLocks noChangeArrowheads="1"/>
-          </p:cNvSpPr>
-          <p:nvPr/>
-        </p:nvSpPr>
-        <p:spPr bwMode="auto">
-          <a:xfrm>
-            <a:off x="709613" y="4860925"/>
-            <a:ext cx="5684837" cy="4606925"/>
-          </a:xfrm>
-          <a:prstGeom prst="rect">
-            <a:avLst/>
-          </a:prstGeom>
-          <a:noFill/>
-          <a:ln>
-            <a:noFill/>
-          </a:ln>
-          <a:effectLst/>
-          <a:extLst>
-            <a:ext uri="{909E8E84-426E-40DD-AFC4-6F175D3DCCD1}">
-              <a14:hiddenFill xmlns:a14="http://schemas.microsoft.com/office/drawing/2010/main">
-                <a:solidFill>
-                  <a:srgbClr val="FFFFFF"/>
-                </a:solidFill>
-              </a14:hiddenFill>
-            </a:ext>
-            <a:ext uri="{91240B29-F687-4F45-9708-019B960494DF}">
-              <a14:hiddenLine xmlns:a14="http://schemas.microsoft.com/office/drawing/2010/main" w="9525">
-                <a:solidFill>
-                  <a:srgbClr val="3465A4"/>
-                </a:solidFill>
-                <a:round/>
-                <a:headEnd/>
-                <a:tailEnd/>
-              </a14:hiddenLine>
-            </a:ext>
-            <a:ext uri="{AF507438-7753-43E0-B8FC-AC1667EBCBE1}">
-              <a14:hiddenEffects xmlns:a14="http://schemas.microsoft.com/office/drawing/2010/main">
-                <a:effectLst>
-                  <a:outerShdw dist="35921" dir="2700000" algn="ctr" rotWithShape="0">
-                    <a:srgbClr val="808080"/>
-                  </a:outerShdw>
-                </a:effectLst>
-              </a14:hiddenEffects>
-            </a:ext>
-          </a:extLst>
-        </p:spPr>
-        <p:txBody>
-          <a:bodyPr wrap="none" lIns="86859" tIns="43429" rIns="86859" bIns="43429" anchor="ctr"/>
-          <a:lstStyle/>
-          <a:p>
-            <a:pPr eaLnBrk="1">
-              <a:lnSpc>
-                <a:spcPct val="93000"/>
-              </a:lnSpc>
-              <a:buClr>
-                <a:srgbClr val="000000"/>
-              </a:buClr>
-              <a:buSzPct val="100000"/>
-              <a:buFont typeface="Times New Roman" panose="02020603050405020304" pitchFamily="18" charset="0"/>
-              <a:buNone/>
-            </a:pPr>
-            <a:endParaRPr lang="pt-BR" altLang="pt-BR"/>
-          </a:p>
-        </p:txBody>
-      </p:sp>
-    </p:spTree>
-    <p:extLst>
-      <p:ext uri="{BB962C8B-B14F-4D97-AF65-F5344CB8AC3E}">
-        <p14:creationId xmlns:p14="http://schemas.microsoft.com/office/powerpoint/2010/main" val="3452494625"/>
-      </p:ext>
-    </p:extLst>
-  </p:cSld>
-  <p:clrMapOvr>
-    <a:masterClrMapping/>
-  </p:clrMapOvr>
-</p:notes>
-</file>
-
-<file path=ppt/notesSlides/notesSlide17.xml><?xml version="1.0" encoding="utf-8"?>
-<p:notes xmlns:a="http://schemas.openxmlformats.org/drawingml/2006/main" xmlns:r="http://schemas.openxmlformats.org/officeDocument/2006/relationships" xmlns:p="http://schemas.openxmlformats.org/presentationml/2006/main">
-  <p:cSld>
-    <p:bg>
-      <p:bgPr>
-        <a:solidFill>
-          <a:srgbClr val="FFFFFF"/>
-        </a:solidFill>
-        <a:effectLst/>
-      </p:bgPr>
-    </p:bg>
-    <p:spTree>
-      <p:nvGrpSpPr>
-        <p:cNvPr id="1" name=""/>
-        <p:cNvGrpSpPr/>
-        <p:nvPr/>
-      </p:nvGrpSpPr>
-      <p:grpSpPr>
-        <a:xfrm>
-          <a:off x="0" y="0"/>
-          <a:ext cx="0" cy="0"/>
-          <a:chOff x="0" y="0"/>
-          <a:chExt cx="0" cy="0"/>
-        </a:xfrm>
-      </p:grpSpPr>
-      <p:sp>
-        <p:nvSpPr>
-          <p:cNvPr id="8194" name="Rectangle 8">
-            <a:extLst>
-              <a:ext uri="{FF2B5EF4-FFF2-40B4-BE49-F238E27FC236}">
-                <a16:creationId xmlns:a16="http://schemas.microsoft.com/office/drawing/2014/main" id="{F2BCDE0A-6100-4D35-762F-E2EB47A8C194}"/>
-              </a:ext>
-            </a:extLst>
-          </p:cNvPr>
-          <p:cNvSpPr>
-            <a:spLocks noGrp="1" noChangeArrowheads="1"/>
-          </p:cNvSpPr>
-          <p:nvPr>
-            <p:ph type="sldNum" sz="quarter"/>
-          </p:nvPr>
-        </p:nvSpPr>
-        <p:spPr>
-          <a:noFill/>
-          <a:extLst>
-            <a:ext uri="{909E8E84-426E-40DD-AFC4-6F175D3DCCD1}">
-              <a14:hiddenFill xmlns:a14="http://schemas.microsoft.com/office/drawing/2010/main">
-                <a:solidFill>
-                  <a:srgbClr val="FFFFFF"/>
-                </a:solidFill>
-              </a14:hiddenFill>
-            </a:ext>
-            <a:ext uri="{91240B29-F687-4F45-9708-019B960494DF}">
-              <a14:hiddenLine xmlns:a14="http://schemas.microsoft.com/office/drawing/2010/main" w="9525">
-                <a:solidFill>
-                  <a:srgbClr val="3465A4"/>
-                </a:solidFill>
-                <a:round/>
-                <a:headEnd/>
-                <a:tailEnd/>
-              </a14:hiddenLine>
-            </a:ext>
-            <a:ext uri="{AF507438-7753-43E0-B8FC-AC1667EBCBE1}">
-              <a14:hiddenEffects xmlns:a14="http://schemas.microsoft.com/office/drawing/2010/main">
-                <a:effectLst>
-                  <a:outerShdw dist="35921" dir="2700000" algn="ctr" rotWithShape="0">
-                    <a:schemeClr val="bg2"/>
-                  </a:outerShdw>
-                </a:effectLst>
-              </a14:hiddenEffects>
-            </a:ext>
-          </a:extLst>
-        </p:spPr>
-        <p:txBody>
-          <a:bodyPr/>
-          <a:lstStyle>
-            <a:lvl1pPr>
-              <a:lnSpc>
-                <a:spcPct val="93000"/>
-              </a:lnSpc>
-              <a:buClr>
-                <a:srgbClr val="000000"/>
-              </a:buClr>
-              <a:buSzPct val="100000"/>
-              <a:buFont typeface="Times New Roman" panose="02020603050405020304" pitchFamily="18" charset="0"/>
-              <a:tabLst>
-                <a:tab pos="0" algn="l"/>
-                <a:tab pos="423863" algn="l"/>
-                <a:tab pos="850900" algn="l"/>
-                <a:tab pos="1277938" algn="l"/>
-                <a:tab pos="1704975" algn="l"/>
-                <a:tab pos="2132013" algn="l"/>
-                <a:tab pos="2557463" algn="l"/>
-                <a:tab pos="2984500" algn="l"/>
-                <a:tab pos="3411538" algn="l"/>
-                <a:tab pos="3838575" algn="l"/>
-                <a:tab pos="4265613" algn="l"/>
-                <a:tab pos="4692650" algn="l"/>
-                <a:tab pos="5118100" algn="l"/>
-                <a:tab pos="5545138" algn="l"/>
-                <a:tab pos="5972175" algn="l"/>
-                <a:tab pos="6399213" algn="l"/>
-                <a:tab pos="6826250" algn="l"/>
-                <a:tab pos="7253288" algn="l"/>
-                <a:tab pos="7678738" algn="l"/>
-                <a:tab pos="8105775" algn="l"/>
-                <a:tab pos="8532813" algn="l"/>
-              </a:tabLst>
-              <a:defRPr>
-                <a:solidFill>
-                  <a:schemeClr val="bg1"/>
-                </a:solidFill>
-                <a:latin typeface="Arial" panose="020B0604020202020204" pitchFamily="34" charset="0"/>
-                <a:ea typeface="Microsoft YaHei" panose="020B0503020204020204" pitchFamily="34" charset="-122"/>
-              </a:defRPr>
-            </a:lvl1pPr>
-            <a:lvl2pPr>
-              <a:lnSpc>
-                <a:spcPct val="93000"/>
-              </a:lnSpc>
-              <a:buClr>
-                <a:srgbClr val="000000"/>
-              </a:buClr>
-              <a:buSzPct val="100000"/>
-              <a:buFont typeface="Times New Roman" panose="02020603050405020304" pitchFamily="18" charset="0"/>
-              <a:tabLst>
-                <a:tab pos="0" algn="l"/>
-                <a:tab pos="423863" algn="l"/>
-                <a:tab pos="850900" algn="l"/>
-                <a:tab pos="1277938" algn="l"/>
-                <a:tab pos="1704975" algn="l"/>
-                <a:tab pos="2132013" algn="l"/>
-                <a:tab pos="2557463" algn="l"/>
-                <a:tab pos="2984500" algn="l"/>
-                <a:tab pos="3411538" algn="l"/>
-                <a:tab pos="3838575" algn="l"/>
-                <a:tab pos="4265613" algn="l"/>
-                <a:tab pos="4692650" algn="l"/>
-                <a:tab pos="5118100" algn="l"/>
-                <a:tab pos="5545138" algn="l"/>
-                <a:tab pos="5972175" algn="l"/>
-                <a:tab pos="6399213" algn="l"/>
-                <a:tab pos="6826250" algn="l"/>
-                <a:tab pos="7253288" algn="l"/>
-                <a:tab pos="7678738" algn="l"/>
-                <a:tab pos="8105775" algn="l"/>
-                <a:tab pos="8532813" algn="l"/>
-              </a:tabLst>
-              <a:defRPr>
-                <a:solidFill>
-                  <a:schemeClr val="bg1"/>
-                </a:solidFill>
-                <a:latin typeface="Arial" panose="020B0604020202020204" pitchFamily="34" charset="0"/>
-                <a:ea typeface="Microsoft YaHei" panose="020B0503020204020204" pitchFamily="34" charset="-122"/>
-              </a:defRPr>
-            </a:lvl2pPr>
-            <a:lvl3pPr>
-              <a:lnSpc>
-                <a:spcPct val="93000"/>
-              </a:lnSpc>
-              <a:buClr>
-                <a:srgbClr val="000000"/>
-              </a:buClr>
-              <a:buSzPct val="100000"/>
-              <a:buFont typeface="Times New Roman" panose="02020603050405020304" pitchFamily="18" charset="0"/>
-              <a:tabLst>
-                <a:tab pos="0" algn="l"/>
-                <a:tab pos="423863" algn="l"/>
-                <a:tab pos="850900" algn="l"/>
-                <a:tab pos="1277938" algn="l"/>
-                <a:tab pos="1704975" algn="l"/>
-                <a:tab pos="2132013" algn="l"/>
-                <a:tab pos="2557463" algn="l"/>
-                <a:tab pos="2984500" algn="l"/>
-                <a:tab pos="3411538" algn="l"/>
-                <a:tab pos="3838575" algn="l"/>
-                <a:tab pos="4265613" algn="l"/>
-                <a:tab pos="4692650" algn="l"/>
-                <a:tab pos="5118100" algn="l"/>
-                <a:tab pos="5545138" algn="l"/>
-                <a:tab pos="5972175" algn="l"/>
-                <a:tab pos="6399213" algn="l"/>
-                <a:tab pos="6826250" algn="l"/>
-                <a:tab pos="7253288" algn="l"/>
-                <a:tab pos="7678738" algn="l"/>
-                <a:tab pos="8105775" algn="l"/>
-                <a:tab pos="8532813" algn="l"/>
-              </a:tabLst>
-              <a:defRPr>
-                <a:solidFill>
-                  <a:schemeClr val="bg1"/>
-                </a:solidFill>
-                <a:latin typeface="Arial" panose="020B0604020202020204" pitchFamily="34" charset="0"/>
-                <a:ea typeface="Microsoft YaHei" panose="020B0503020204020204" pitchFamily="34" charset="-122"/>
-              </a:defRPr>
-            </a:lvl3pPr>
-            <a:lvl4pPr>
-              <a:lnSpc>
-                <a:spcPct val="93000"/>
-              </a:lnSpc>
-              <a:buClr>
-                <a:srgbClr val="000000"/>
-              </a:buClr>
-              <a:buSzPct val="100000"/>
-              <a:buFont typeface="Times New Roman" panose="02020603050405020304" pitchFamily="18" charset="0"/>
-              <a:tabLst>
-                <a:tab pos="0" algn="l"/>
-                <a:tab pos="423863" algn="l"/>
-                <a:tab pos="850900" algn="l"/>
-                <a:tab pos="1277938" algn="l"/>
-                <a:tab pos="1704975" algn="l"/>
-                <a:tab pos="2132013" algn="l"/>
-                <a:tab pos="2557463" algn="l"/>
-                <a:tab pos="2984500" algn="l"/>
-                <a:tab pos="3411538" algn="l"/>
-                <a:tab pos="3838575" algn="l"/>
-                <a:tab pos="4265613" algn="l"/>
-                <a:tab pos="4692650" algn="l"/>
-                <a:tab pos="5118100" algn="l"/>
-                <a:tab pos="5545138" algn="l"/>
-                <a:tab pos="5972175" algn="l"/>
-                <a:tab pos="6399213" algn="l"/>
-                <a:tab pos="6826250" algn="l"/>
-                <a:tab pos="7253288" algn="l"/>
-                <a:tab pos="7678738" algn="l"/>
-                <a:tab pos="8105775" algn="l"/>
-                <a:tab pos="8532813" algn="l"/>
-              </a:tabLst>
-              <a:defRPr>
-                <a:solidFill>
-                  <a:schemeClr val="bg1"/>
-                </a:solidFill>
-                <a:latin typeface="Arial" panose="020B0604020202020204" pitchFamily="34" charset="0"/>
-                <a:ea typeface="Microsoft YaHei" panose="020B0503020204020204" pitchFamily="34" charset="-122"/>
-              </a:defRPr>
-            </a:lvl4pPr>
-            <a:lvl5pPr>
-              <a:lnSpc>
-                <a:spcPct val="93000"/>
-              </a:lnSpc>
-              <a:buClr>
-                <a:srgbClr val="000000"/>
-              </a:buClr>
-              <a:buSzPct val="100000"/>
-              <a:buFont typeface="Times New Roman" panose="02020603050405020304" pitchFamily="18" charset="0"/>
-              <a:tabLst>
-                <a:tab pos="0" algn="l"/>
-                <a:tab pos="423863" algn="l"/>
-                <a:tab pos="850900" algn="l"/>
-                <a:tab pos="1277938" algn="l"/>
-                <a:tab pos="1704975" algn="l"/>
-                <a:tab pos="2132013" algn="l"/>
-                <a:tab pos="2557463" algn="l"/>
-                <a:tab pos="2984500" algn="l"/>
-                <a:tab pos="3411538" algn="l"/>
-                <a:tab pos="3838575" algn="l"/>
-                <a:tab pos="4265613" algn="l"/>
-                <a:tab pos="4692650" algn="l"/>
-                <a:tab pos="5118100" algn="l"/>
-                <a:tab pos="5545138" algn="l"/>
-                <a:tab pos="5972175" algn="l"/>
-                <a:tab pos="6399213" algn="l"/>
-                <a:tab pos="6826250" algn="l"/>
-                <a:tab pos="7253288" algn="l"/>
-                <a:tab pos="7678738" algn="l"/>
-                <a:tab pos="8105775" algn="l"/>
-                <a:tab pos="8532813" algn="l"/>
-              </a:tabLst>
-              <a:defRPr>
-                <a:solidFill>
-                  <a:schemeClr val="bg1"/>
-                </a:solidFill>
-                <a:latin typeface="Arial" panose="020B0604020202020204" pitchFamily="34" charset="0"/>
-                <a:ea typeface="Microsoft YaHei" panose="020B0503020204020204" pitchFamily="34" charset="-122"/>
-              </a:defRPr>
-            </a:lvl5pPr>
-            <a:lvl6pPr marL="2514600" indent="-228600" defTabSz="449263" eaLnBrk="0" fontAlgn="base" hangingPunct="0">
-              <a:lnSpc>
-                <a:spcPct val="93000"/>
-              </a:lnSpc>
-              <a:spcBef>
-                <a:spcPct val="0"/>
-              </a:spcBef>
-              <a:spcAft>
-                <a:spcPct val="0"/>
-              </a:spcAft>
-              <a:buClr>
-                <a:srgbClr val="000000"/>
-              </a:buClr>
-              <a:buSzPct val="100000"/>
-              <a:buFont typeface="Times New Roman" panose="02020603050405020304" pitchFamily="18" charset="0"/>
-              <a:tabLst>
-                <a:tab pos="0" algn="l"/>
-                <a:tab pos="423863" algn="l"/>
-                <a:tab pos="850900" algn="l"/>
-                <a:tab pos="1277938" algn="l"/>
-                <a:tab pos="1704975" algn="l"/>
-                <a:tab pos="2132013" algn="l"/>
-                <a:tab pos="2557463" algn="l"/>
-                <a:tab pos="2984500" algn="l"/>
-                <a:tab pos="3411538" algn="l"/>
-                <a:tab pos="3838575" algn="l"/>
-                <a:tab pos="4265613" algn="l"/>
-                <a:tab pos="4692650" algn="l"/>
-                <a:tab pos="5118100" algn="l"/>
-                <a:tab pos="5545138" algn="l"/>
-                <a:tab pos="5972175" algn="l"/>
-                <a:tab pos="6399213" algn="l"/>
-                <a:tab pos="6826250" algn="l"/>
-                <a:tab pos="7253288" algn="l"/>
-                <a:tab pos="7678738" algn="l"/>
-                <a:tab pos="8105775" algn="l"/>
-                <a:tab pos="8532813" algn="l"/>
-              </a:tabLst>
-              <a:defRPr>
-                <a:solidFill>
-                  <a:schemeClr val="bg1"/>
-                </a:solidFill>
-                <a:latin typeface="Arial" panose="020B0604020202020204" pitchFamily="34" charset="0"/>
-                <a:ea typeface="Microsoft YaHei" panose="020B0503020204020204" pitchFamily="34" charset="-122"/>
-              </a:defRPr>
-            </a:lvl6pPr>
-            <a:lvl7pPr marL="2971800" indent="-228600" defTabSz="449263" eaLnBrk="0" fontAlgn="base" hangingPunct="0">
-              <a:lnSpc>
-                <a:spcPct val="93000"/>
-              </a:lnSpc>
-              <a:spcBef>
-                <a:spcPct val="0"/>
-              </a:spcBef>
-              <a:spcAft>
-                <a:spcPct val="0"/>
-              </a:spcAft>
-              <a:buClr>
-                <a:srgbClr val="000000"/>
-              </a:buClr>
-              <a:buSzPct val="100000"/>
-              <a:buFont typeface="Times New Roman" panose="02020603050405020304" pitchFamily="18" charset="0"/>
-              <a:tabLst>
-                <a:tab pos="0" algn="l"/>
-                <a:tab pos="423863" algn="l"/>
-                <a:tab pos="850900" algn="l"/>
-                <a:tab pos="1277938" algn="l"/>
-                <a:tab pos="1704975" algn="l"/>
-                <a:tab pos="2132013" algn="l"/>
-                <a:tab pos="2557463" algn="l"/>
-                <a:tab pos="2984500" algn="l"/>
-                <a:tab pos="3411538" algn="l"/>
-                <a:tab pos="3838575" algn="l"/>
-                <a:tab pos="4265613" algn="l"/>
-                <a:tab pos="4692650" algn="l"/>
-                <a:tab pos="5118100" algn="l"/>
-                <a:tab pos="5545138" algn="l"/>
-                <a:tab pos="5972175" algn="l"/>
-                <a:tab pos="6399213" algn="l"/>
-                <a:tab pos="6826250" algn="l"/>
-                <a:tab pos="7253288" algn="l"/>
-                <a:tab pos="7678738" algn="l"/>
-                <a:tab pos="8105775" algn="l"/>
-                <a:tab pos="8532813" algn="l"/>
-              </a:tabLst>
-              <a:defRPr>
-                <a:solidFill>
-                  <a:schemeClr val="bg1"/>
-                </a:solidFill>
-                <a:latin typeface="Arial" panose="020B0604020202020204" pitchFamily="34" charset="0"/>
-                <a:ea typeface="Microsoft YaHei" panose="020B0503020204020204" pitchFamily="34" charset="-122"/>
-              </a:defRPr>
-            </a:lvl7pPr>
-            <a:lvl8pPr marL="3429000" indent="-228600" defTabSz="449263" eaLnBrk="0" fontAlgn="base" hangingPunct="0">
-              <a:lnSpc>
-                <a:spcPct val="93000"/>
-              </a:lnSpc>
-              <a:spcBef>
-                <a:spcPct val="0"/>
-              </a:spcBef>
-              <a:spcAft>
-                <a:spcPct val="0"/>
-              </a:spcAft>
-              <a:buClr>
-                <a:srgbClr val="000000"/>
-              </a:buClr>
-              <a:buSzPct val="100000"/>
-              <a:buFont typeface="Times New Roman" panose="02020603050405020304" pitchFamily="18" charset="0"/>
-              <a:tabLst>
-                <a:tab pos="0" algn="l"/>
-                <a:tab pos="423863" algn="l"/>
-                <a:tab pos="850900" algn="l"/>
-                <a:tab pos="1277938" algn="l"/>
-                <a:tab pos="1704975" algn="l"/>
-                <a:tab pos="2132013" algn="l"/>
-                <a:tab pos="2557463" algn="l"/>
-                <a:tab pos="2984500" algn="l"/>
-                <a:tab pos="3411538" algn="l"/>
-                <a:tab pos="3838575" algn="l"/>
-                <a:tab pos="4265613" algn="l"/>
-                <a:tab pos="4692650" algn="l"/>
-                <a:tab pos="5118100" algn="l"/>
-                <a:tab pos="5545138" algn="l"/>
-                <a:tab pos="5972175" algn="l"/>
-                <a:tab pos="6399213" algn="l"/>
-                <a:tab pos="6826250" algn="l"/>
-                <a:tab pos="7253288" algn="l"/>
-                <a:tab pos="7678738" algn="l"/>
-                <a:tab pos="8105775" algn="l"/>
-                <a:tab pos="8532813" algn="l"/>
-              </a:tabLst>
-              <a:defRPr>
-                <a:solidFill>
-                  <a:schemeClr val="bg1"/>
-                </a:solidFill>
-                <a:latin typeface="Arial" panose="020B0604020202020204" pitchFamily="34" charset="0"/>
-                <a:ea typeface="Microsoft YaHei" panose="020B0503020204020204" pitchFamily="34" charset="-122"/>
-              </a:defRPr>
-            </a:lvl8pPr>
-            <a:lvl9pPr marL="3886200" indent="-228600" defTabSz="449263" eaLnBrk="0" fontAlgn="base" hangingPunct="0">
-              <a:lnSpc>
-                <a:spcPct val="93000"/>
-              </a:lnSpc>
-              <a:spcBef>
-                <a:spcPct val="0"/>
-              </a:spcBef>
-              <a:spcAft>
-                <a:spcPct val="0"/>
-              </a:spcAft>
-              <a:buClr>
-                <a:srgbClr val="000000"/>
-              </a:buClr>
-              <a:buSzPct val="100000"/>
-              <a:buFont typeface="Times New Roman" panose="02020603050405020304" pitchFamily="18" charset="0"/>
-              <a:tabLst>
-                <a:tab pos="0" algn="l"/>
-                <a:tab pos="423863" algn="l"/>
-                <a:tab pos="850900" algn="l"/>
-                <a:tab pos="1277938" algn="l"/>
-                <a:tab pos="1704975" algn="l"/>
-                <a:tab pos="2132013" algn="l"/>
-                <a:tab pos="2557463" algn="l"/>
-                <a:tab pos="2984500" algn="l"/>
-                <a:tab pos="3411538" algn="l"/>
-                <a:tab pos="3838575" algn="l"/>
-                <a:tab pos="4265613" algn="l"/>
-                <a:tab pos="4692650" algn="l"/>
-                <a:tab pos="5118100" algn="l"/>
-                <a:tab pos="5545138" algn="l"/>
-                <a:tab pos="5972175" algn="l"/>
-                <a:tab pos="6399213" algn="l"/>
-                <a:tab pos="6826250" algn="l"/>
-                <a:tab pos="7253288" algn="l"/>
-                <a:tab pos="7678738" algn="l"/>
-                <a:tab pos="8105775" algn="l"/>
-                <a:tab pos="8532813" algn="l"/>
-              </a:tabLst>
-              <a:defRPr>
-                <a:solidFill>
-                  <a:schemeClr val="bg1"/>
-                </a:solidFill>
-                <a:latin typeface="Arial" panose="020B0604020202020204" pitchFamily="34" charset="0"/>
-                <a:ea typeface="Microsoft YaHei" panose="020B0503020204020204" pitchFamily="34" charset="-122"/>
-              </a:defRPr>
-            </a:lvl9pPr>
-          </a:lstStyle>
-          <a:p>
-            <a:pPr>
-              <a:lnSpc>
-                <a:spcPct val="95000"/>
-              </a:lnSpc>
-              <a:buClrTx/>
-              <a:buFontTx/>
-              <a:buNone/>
-            </a:pPr>
-            <a:fld id="{85F01A14-31E8-434B-9F1F-47ED87363F2A}" type="slidenum">
-              <a:rPr lang="pt-BR" altLang="pt-BR">
-                <a:solidFill>
-                  <a:srgbClr val="000000"/>
-                </a:solidFill>
-                <a:latin typeface="Times New Roman" panose="02020603050405020304" pitchFamily="18" charset="0"/>
-              </a:rPr>
-              <a:pPr>
-                <a:lnSpc>
-                  <a:spcPct val="95000"/>
-                </a:lnSpc>
-                <a:buClrTx/>
-                <a:buFontTx/>
-                <a:buNone/>
-              </a:pPr>
-              <a:t>18</a:t>
-            </a:fld>
-            <a:endParaRPr lang="pt-BR" altLang="pt-BR">
-              <a:solidFill>
-                <a:srgbClr val="000000"/>
-              </a:solidFill>
-              <a:latin typeface="Times New Roman" panose="02020603050405020304" pitchFamily="18" charset="0"/>
-            </a:endParaRPr>
-          </a:p>
-        </p:txBody>
-      </p:sp>
-      <p:sp>
-        <p:nvSpPr>
-          <p:cNvPr id="8195" name="Rectangle 1">
-            <a:extLst>
-              <a:ext uri="{FF2B5EF4-FFF2-40B4-BE49-F238E27FC236}">
-                <a16:creationId xmlns:a16="http://schemas.microsoft.com/office/drawing/2014/main" id="{9B33F9EE-5B7E-2A03-D7A6-AD0C1A64E452}"/>
-              </a:ext>
-            </a:extLst>
-          </p:cNvPr>
-          <p:cNvSpPr txBox="1">
-            <a:spLocks noGrp="1" noRot="1" noChangeAspect="1" noChangeArrowheads="1" noTextEdit="1"/>
-          </p:cNvSpPr>
-          <p:nvPr>
-            <p:ph type="sldImg"/>
-          </p:nvPr>
-        </p:nvSpPr>
-        <p:spPr>
-          <a:xfrm>
-            <a:off x="141288" y="777875"/>
-            <a:ext cx="6819900" cy="3836988"/>
-          </a:xfrm>
-          <a:solidFill>
-            <a:srgbClr val="FFFFFF"/>
-          </a:solidFill>
-          <a:ln>
-            <a:solidFill>
-              <a:srgbClr val="000000"/>
-            </a:solidFill>
-            <a:miter lim="800000"/>
-            <a:headEnd/>
-            <a:tailEnd/>
-          </a:ln>
-          <a:extLst>
-            <a:ext uri="{AF507438-7753-43E0-B8FC-AC1667EBCBE1}">
-              <a14:hiddenEffects xmlns:a14="http://schemas.microsoft.com/office/drawing/2010/main">
-                <a:effectLst>
-                  <a:outerShdw dist="35921" dir="2700000" algn="ctr" rotWithShape="0">
-                    <a:srgbClr val="808080"/>
-                  </a:outerShdw>
-                </a:effectLst>
-              </a14:hiddenEffects>
-            </a:ext>
-          </a:extLst>
-        </p:spPr>
-      </p:sp>
-      <p:sp>
-        <p:nvSpPr>
-          <p:cNvPr id="8196" name="Text Box 2">
-            <a:extLst>
-              <a:ext uri="{FF2B5EF4-FFF2-40B4-BE49-F238E27FC236}">
-                <a16:creationId xmlns:a16="http://schemas.microsoft.com/office/drawing/2014/main" id="{3F73C248-A319-45F5-AEAE-471DD73E4D60}"/>
-              </a:ext>
-            </a:extLst>
-          </p:cNvPr>
-          <p:cNvSpPr txBox="1">
-            <a:spLocks noChangeArrowheads="1"/>
-          </p:cNvSpPr>
-          <p:nvPr/>
-        </p:nvSpPr>
-        <p:spPr bwMode="auto">
-          <a:xfrm>
-            <a:off x="709613" y="4860925"/>
-            <a:ext cx="5684837" cy="4606925"/>
-          </a:xfrm>
-          <a:prstGeom prst="rect">
-            <a:avLst/>
-          </a:prstGeom>
-          <a:noFill/>
-          <a:ln>
-            <a:noFill/>
-          </a:ln>
-          <a:effectLst/>
-          <a:extLst>
-            <a:ext uri="{909E8E84-426E-40DD-AFC4-6F175D3DCCD1}">
-              <a14:hiddenFill xmlns:a14="http://schemas.microsoft.com/office/drawing/2010/main">
-                <a:solidFill>
-                  <a:srgbClr val="FFFFFF"/>
-                </a:solidFill>
-              </a14:hiddenFill>
-            </a:ext>
-            <a:ext uri="{91240B29-F687-4F45-9708-019B960494DF}">
-              <a14:hiddenLine xmlns:a14="http://schemas.microsoft.com/office/drawing/2010/main" w="9525">
-                <a:solidFill>
-                  <a:srgbClr val="3465A4"/>
-                </a:solidFill>
-                <a:round/>
-                <a:headEnd/>
-                <a:tailEnd/>
-              </a14:hiddenLine>
-            </a:ext>
-            <a:ext uri="{AF507438-7753-43E0-B8FC-AC1667EBCBE1}">
-              <a14:hiddenEffects xmlns:a14="http://schemas.microsoft.com/office/drawing/2010/main">
-                <a:effectLst>
-                  <a:outerShdw dist="35921" dir="2700000" algn="ctr" rotWithShape="0">
-                    <a:srgbClr val="808080"/>
-                  </a:outerShdw>
-                </a:effectLst>
-              </a14:hiddenEffects>
-            </a:ext>
-          </a:extLst>
-        </p:spPr>
-        <p:txBody>
-          <a:bodyPr wrap="none" lIns="86859" tIns="43429" rIns="86859" bIns="43429" anchor="ctr"/>
-          <a:lstStyle/>
-          <a:p>
-            <a:pPr eaLnBrk="1">
-              <a:lnSpc>
-                <a:spcPct val="93000"/>
-              </a:lnSpc>
-              <a:buClr>
-                <a:srgbClr val="000000"/>
-              </a:buClr>
-              <a:buSzPct val="100000"/>
-              <a:buFont typeface="Times New Roman" panose="02020603050405020304" pitchFamily="18" charset="0"/>
-              <a:buNone/>
-            </a:pPr>
-            <a:endParaRPr lang="pt-BR" altLang="pt-BR"/>
-          </a:p>
-        </p:txBody>
-      </p:sp>
-    </p:spTree>
-    <p:extLst>
-      <p:ext uri="{BB962C8B-B14F-4D97-AF65-F5344CB8AC3E}">
-        <p14:creationId xmlns:p14="http://schemas.microsoft.com/office/powerpoint/2010/main" val="2247920103"/>
-      </p:ext>
-    </p:extLst>
-  </p:cSld>
-  <p:clrMapOvr>
-    <a:masterClrMapping/>
-  </p:clrMapOvr>
-</p:notes>
-</file>
-
-<file path=ppt/notesSlides/notesSlide18.xml><?xml version="1.0" encoding="utf-8"?>
-<p:notes xmlns:a="http://schemas.openxmlformats.org/drawingml/2006/main" xmlns:r="http://schemas.openxmlformats.org/officeDocument/2006/relationships" xmlns:p="http://schemas.openxmlformats.org/presentationml/2006/main">
-  <p:cSld>
-    <p:bg>
-      <p:bgPr>
-        <a:solidFill>
-          <a:srgbClr val="FFFFFF"/>
-        </a:solidFill>
-        <a:effectLst/>
-      </p:bgPr>
-    </p:bg>
-    <p:spTree>
-      <p:nvGrpSpPr>
-        <p:cNvPr id="1" name=""/>
-        <p:cNvGrpSpPr/>
-        <p:nvPr/>
-      </p:nvGrpSpPr>
-      <p:grpSpPr>
-        <a:xfrm>
-          <a:off x="0" y="0"/>
-          <a:ext cx="0" cy="0"/>
-          <a:chOff x="0" y="0"/>
-          <a:chExt cx="0" cy="0"/>
-        </a:xfrm>
-      </p:grpSpPr>
-      <p:sp>
-        <p:nvSpPr>
-          <p:cNvPr id="8194" name="Rectangle 8">
-            <a:extLst>
-              <a:ext uri="{FF2B5EF4-FFF2-40B4-BE49-F238E27FC236}">
-                <a16:creationId xmlns:a16="http://schemas.microsoft.com/office/drawing/2014/main" id="{F2BCDE0A-6100-4D35-762F-E2EB47A8C194}"/>
-              </a:ext>
-            </a:extLst>
-          </p:cNvPr>
-          <p:cNvSpPr>
-            <a:spLocks noGrp="1" noChangeArrowheads="1"/>
-          </p:cNvSpPr>
-          <p:nvPr>
-            <p:ph type="sldNum" sz="quarter"/>
-          </p:nvPr>
-        </p:nvSpPr>
-        <p:spPr>
-          <a:noFill/>
-          <a:extLst>
-            <a:ext uri="{909E8E84-426E-40DD-AFC4-6F175D3DCCD1}">
-              <a14:hiddenFill xmlns:a14="http://schemas.microsoft.com/office/drawing/2010/main">
-                <a:solidFill>
-                  <a:srgbClr val="FFFFFF"/>
-                </a:solidFill>
-              </a14:hiddenFill>
-            </a:ext>
-            <a:ext uri="{91240B29-F687-4F45-9708-019B960494DF}">
-              <a14:hiddenLine xmlns:a14="http://schemas.microsoft.com/office/drawing/2010/main" w="9525">
-                <a:solidFill>
-                  <a:srgbClr val="3465A4"/>
-                </a:solidFill>
-                <a:round/>
-                <a:headEnd/>
-                <a:tailEnd/>
-              </a14:hiddenLine>
-            </a:ext>
-            <a:ext uri="{AF507438-7753-43E0-B8FC-AC1667EBCBE1}">
-              <a14:hiddenEffects xmlns:a14="http://schemas.microsoft.com/office/drawing/2010/main">
-                <a:effectLst>
-                  <a:outerShdw dist="35921" dir="2700000" algn="ctr" rotWithShape="0">
-                    <a:schemeClr val="bg2"/>
-                  </a:outerShdw>
-                </a:effectLst>
-              </a14:hiddenEffects>
-            </a:ext>
-          </a:extLst>
-        </p:spPr>
-        <p:txBody>
-          <a:bodyPr/>
-          <a:lstStyle>
-            <a:lvl1pPr>
-              <a:lnSpc>
-                <a:spcPct val="93000"/>
-              </a:lnSpc>
-              <a:buClr>
-                <a:srgbClr val="000000"/>
-              </a:buClr>
-              <a:buSzPct val="100000"/>
-              <a:buFont typeface="Times New Roman" panose="02020603050405020304" pitchFamily="18" charset="0"/>
-              <a:tabLst>
-                <a:tab pos="0" algn="l"/>
-                <a:tab pos="423863" algn="l"/>
-                <a:tab pos="850900" algn="l"/>
-                <a:tab pos="1277938" algn="l"/>
-                <a:tab pos="1704975" algn="l"/>
-                <a:tab pos="2132013" algn="l"/>
-                <a:tab pos="2557463" algn="l"/>
-                <a:tab pos="2984500" algn="l"/>
-                <a:tab pos="3411538" algn="l"/>
-                <a:tab pos="3838575" algn="l"/>
-                <a:tab pos="4265613" algn="l"/>
-                <a:tab pos="4692650" algn="l"/>
-                <a:tab pos="5118100" algn="l"/>
-                <a:tab pos="5545138" algn="l"/>
-                <a:tab pos="5972175" algn="l"/>
-                <a:tab pos="6399213" algn="l"/>
-                <a:tab pos="6826250" algn="l"/>
-                <a:tab pos="7253288" algn="l"/>
-                <a:tab pos="7678738" algn="l"/>
-                <a:tab pos="8105775" algn="l"/>
-                <a:tab pos="8532813" algn="l"/>
-              </a:tabLst>
-              <a:defRPr>
-                <a:solidFill>
-                  <a:schemeClr val="bg1"/>
-                </a:solidFill>
-                <a:latin typeface="Arial" panose="020B0604020202020204" pitchFamily="34" charset="0"/>
-                <a:ea typeface="Microsoft YaHei" panose="020B0503020204020204" pitchFamily="34" charset="-122"/>
-              </a:defRPr>
-            </a:lvl1pPr>
-            <a:lvl2pPr>
-              <a:lnSpc>
-                <a:spcPct val="93000"/>
-              </a:lnSpc>
-              <a:buClr>
-                <a:srgbClr val="000000"/>
-              </a:buClr>
-              <a:buSzPct val="100000"/>
-              <a:buFont typeface="Times New Roman" panose="02020603050405020304" pitchFamily="18" charset="0"/>
-              <a:tabLst>
-                <a:tab pos="0" algn="l"/>
-                <a:tab pos="423863" algn="l"/>
-                <a:tab pos="850900" algn="l"/>
-                <a:tab pos="1277938" algn="l"/>
-                <a:tab pos="1704975" algn="l"/>
-                <a:tab pos="2132013" algn="l"/>
-                <a:tab pos="2557463" algn="l"/>
-                <a:tab pos="2984500" algn="l"/>
-                <a:tab pos="3411538" algn="l"/>
-                <a:tab pos="3838575" algn="l"/>
-                <a:tab pos="4265613" algn="l"/>
-                <a:tab pos="4692650" algn="l"/>
-                <a:tab pos="5118100" algn="l"/>
-                <a:tab pos="5545138" algn="l"/>
-                <a:tab pos="5972175" algn="l"/>
-                <a:tab pos="6399213" algn="l"/>
-                <a:tab pos="6826250" algn="l"/>
-                <a:tab pos="7253288" algn="l"/>
-                <a:tab pos="7678738" algn="l"/>
-                <a:tab pos="8105775" algn="l"/>
-                <a:tab pos="8532813" algn="l"/>
-              </a:tabLst>
-              <a:defRPr>
-                <a:solidFill>
-                  <a:schemeClr val="bg1"/>
-                </a:solidFill>
-                <a:latin typeface="Arial" panose="020B0604020202020204" pitchFamily="34" charset="0"/>
-                <a:ea typeface="Microsoft YaHei" panose="020B0503020204020204" pitchFamily="34" charset="-122"/>
-              </a:defRPr>
-            </a:lvl2pPr>
-            <a:lvl3pPr>
-              <a:lnSpc>
-                <a:spcPct val="93000"/>
-              </a:lnSpc>
-              <a:buClr>
-                <a:srgbClr val="000000"/>
-              </a:buClr>
-              <a:buSzPct val="100000"/>
-              <a:buFont typeface="Times New Roman" panose="02020603050405020304" pitchFamily="18" charset="0"/>
-              <a:tabLst>
-                <a:tab pos="0" algn="l"/>
-                <a:tab pos="423863" algn="l"/>
-                <a:tab pos="850900" algn="l"/>
-                <a:tab pos="1277938" algn="l"/>
-                <a:tab pos="1704975" algn="l"/>
-                <a:tab pos="2132013" algn="l"/>
-                <a:tab pos="2557463" algn="l"/>
-                <a:tab pos="2984500" algn="l"/>
-                <a:tab pos="3411538" algn="l"/>
-                <a:tab pos="3838575" algn="l"/>
-                <a:tab pos="4265613" algn="l"/>
-                <a:tab pos="4692650" algn="l"/>
-                <a:tab pos="5118100" algn="l"/>
-                <a:tab pos="5545138" algn="l"/>
-                <a:tab pos="5972175" algn="l"/>
-                <a:tab pos="6399213" algn="l"/>
-                <a:tab pos="6826250" algn="l"/>
-                <a:tab pos="7253288" algn="l"/>
-                <a:tab pos="7678738" algn="l"/>
-                <a:tab pos="8105775" algn="l"/>
-                <a:tab pos="8532813" algn="l"/>
-              </a:tabLst>
-              <a:defRPr>
-                <a:solidFill>
-                  <a:schemeClr val="bg1"/>
-                </a:solidFill>
-                <a:latin typeface="Arial" panose="020B0604020202020204" pitchFamily="34" charset="0"/>
-                <a:ea typeface="Microsoft YaHei" panose="020B0503020204020204" pitchFamily="34" charset="-122"/>
-              </a:defRPr>
-            </a:lvl3pPr>
-            <a:lvl4pPr>
-              <a:lnSpc>
-                <a:spcPct val="93000"/>
-              </a:lnSpc>
-              <a:buClr>
-                <a:srgbClr val="000000"/>
-              </a:buClr>
-              <a:buSzPct val="100000"/>
-              <a:buFont typeface="Times New Roman" panose="02020603050405020304" pitchFamily="18" charset="0"/>
-              <a:tabLst>
-                <a:tab pos="0" algn="l"/>
-                <a:tab pos="423863" algn="l"/>
-                <a:tab pos="850900" algn="l"/>
-                <a:tab pos="1277938" algn="l"/>
-                <a:tab pos="1704975" algn="l"/>
-                <a:tab pos="2132013" algn="l"/>
-                <a:tab pos="2557463" algn="l"/>
-                <a:tab pos="2984500" algn="l"/>
-                <a:tab pos="3411538" algn="l"/>
-                <a:tab pos="3838575" algn="l"/>
-                <a:tab pos="4265613" algn="l"/>
-                <a:tab pos="4692650" algn="l"/>
-                <a:tab pos="5118100" algn="l"/>
-                <a:tab pos="5545138" algn="l"/>
-                <a:tab pos="5972175" algn="l"/>
-                <a:tab pos="6399213" algn="l"/>
-                <a:tab pos="6826250" algn="l"/>
-                <a:tab pos="7253288" algn="l"/>
-                <a:tab pos="7678738" algn="l"/>
-                <a:tab pos="8105775" algn="l"/>
-                <a:tab pos="8532813" algn="l"/>
-              </a:tabLst>
-              <a:defRPr>
-                <a:solidFill>
-                  <a:schemeClr val="bg1"/>
-                </a:solidFill>
-                <a:latin typeface="Arial" panose="020B0604020202020204" pitchFamily="34" charset="0"/>
-                <a:ea typeface="Microsoft YaHei" panose="020B0503020204020204" pitchFamily="34" charset="-122"/>
-              </a:defRPr>
-            </a:lvl4pPr>
-            <a:lvl5pPr>
-              <a:lnSpc>
-                <a:spcPct val="93000"/>
-              </a:lnSpc>
-              <a:buClr>
-                <a:srgbClr val="000000"/>
-              </a:buClr>
-              <a:buSzPct val="100000"/>
-              <a:buFont typeface="Times New Roman" panose="02020603050405020304" pitchFamily="18" charset="0"/>
-              <a:tabLst>
-                <a:tab pos="0" algn="l"/>
-                <a:tab pos="423863" algn="l"/>
-                <a:tab pos="850900" algn="l"/>
-                <a:tab pos="1277938" algn="l"/>
-                <a:tab pos="1704975" algn="l"/>
-                <a:tab pos="2132013" algn="l"/>
-                <a:tab pos="2557463" algn="l"/>
-                <a:tab pos="2984500" algn="l"/>
-                <a:tab pos="3411538" algn="l"/>
-                <a:tab pos="3838575" algn="l"/>
-                <a:tab pos="4265613" algn="l"/>
-                <a:tab pos="4692650" algn="l"/>
-                <a:tab pos="5118100" algn="l"/>
-                <a:tab pos="5545138" algn="l"/>
-                <a:tab pos="5972175" algn="l"/>
-                <a:tab pos="6399213" algn="l"/>
-                <a:tab pos="6826250" algn="l"/>
-                <a:tab pos="7253288" algn="l"/>
-                <a:tab pos="7678738" algn="l"/>
-                <a:tab pos="8105775" algn="l"/>
-                <a:tab pos="8532813" algn="l"/>
-              </a:tabLst>
-              <a:defRPr>
-                <a:solidFill>
-                  <a:schemeClr val="bg1"/>
-                </a:solidFill>
-                <a:latin typeface="Arial" panose="020B0604020202020204" pitchFamily="34" charset="0"/>
-                <a:ea typeface="Microsoft YaHei" panose="020B0503020204020204" pitchFamily="34" charset="-122"/>
-              </a:defRPr>
-            </a:lvl5pPr>
-            <a:lvl6pPr marL="2514600" indent="-228600" defTabSz="449263" eaLnBrk="0" fontAlgn="base" hangingPunct="0">
-              <a:lnSpc>
-                <a:spcPct val="93000"/>
-              </a:lnSpc>
-              <a:spcBef>
-                <a:spcPct val="0"/>
-              </a:spcBef>
-              <a:spcAft>
-                <a:spcPct val="0"/>
-              </a:spcAft>
-              <a:buClr>
-                <a:srgbClr val="000000"/>
-              </a:buClr>
-              <a:buSzPct val="100000"/>
-              <a:buFont typeface="Times New Roman" panose="02020603050405020304" pitchFamily="18" charset="0"/>
-              <a:tabLst>
-                <a:tab pos="0" algn="l"/>
-                <a:tab pos="423863" algn="l"/>
-                <a:tab pos="850900" algn="l"/>
-                <a:tab pos="1277938" algn="l"/>
-                <a:tab pos="1704975" algn="l"/>
-                <a:tab pos="2132013" algn="l"/>
-                <a:tab pos="2557463" algn="l"/>
-                <a:tab pos="2984500" algn="l"/>
-                <a:tab pos="3411538" algn="l"/>
-                <a:tab pos="3838575" algn="l"/>
-                <a:tab pos="4265613" algn="l"/>
-                <a:tab pos="4692650" algn="l"/>
-                <a:tab pos="5118100" algn="l"/>
-                <a:tab pos="5545138" algn="l"/>
-                <a:tab pos="5972175" algn="l"/>
-                <a:tab pos="6399213" algn="l"/>
-                <a:tab pos="6826250" algn="l"/>
-                <a:tab pos="7253288" algn="l"/>
-                <a:tab pos="7678738" algn="l"/>
-                <a:tab pos="8105775" algn="l"/>
-                <a:tab pos="8532813" algn="l"/>
-              </a:tabLst>
-              <a:defRPr>
-                <a:solidFill>
-                  <a:schemeClr val="bg1"/>
-                </a:solidFill>
-                <a:latin typeface="Arial" panose="020B0604020202020204" pitchFamily="34" charset="0"/>
-                <a:ea typeface="Microsoft YaHei" panose="020B0503020204020204" pitchFamily="34" charset="-122"/>
-              </a:defRPr>
-            </a:lvl6pPr>
-            <a:lvl7pPr marL="2971800" indent="-228600" defTabSz="449263" eaLnBrk="0" fontAlgn="base" hangingPunct="0">
-              <a:lnSpc>
-                <a:spcPct val="93000"/>
-              </a:lnSpc>
-              <a:spcBef>
-                <a:spcPct val="0"/>
-              </a:spcBef>
-              <a:spcAft>
-                <a:spcPct val="0"/>
-              </a:spcAft>
-              <a:buClr>
-                <a:srgbClr val="000000"/>
-              </a:buClr>
-              <a:buSzPct val="100000"/>
-              <a:buFont typeface="Times New Roman" panose="02020603050405020304" pitchFamily="18" charset="0"/>
-              <a:tabLst>
-                <a:tab pos="0" algn="l"/>
-                <a:tab pos="423863" algn="l"/>
-                <a:tab pos="850900" algn="l"/>
-                <a:tab pos="1277938" algn="l"/>
-                <a:tab pos="1704975" algn="l"/>
-                <a:tab pos="2132013" algn="l"/>
-                <a:tab pos="2557463" algn="l"/>
-                <a:tab pos="2984500" algn="l"/>
-                <a:tab pos="3411538" algn="l"/>
-                <a:tab pos="3838575" algn="l"/>
-                <a:tab pos="4265613" algn="l"/>
-                <a:tab pos="4692650" algn="l"/>
-                <a:tab pos="5118100" algn="l"/>
-                <a:tab pos="5545138" algn="l"/>
-                <a:tab pos="5972175" algn="l"/>
-                <a:tab pos="6399213" algn="l"/>
-                <a:tab pos="6826250" algn="l"/>
-                <a:tab pos="7253288" algn="l"/>
-                <a:tab pos="7678738" algn="l"/>
-                <a:tab pos="8105775" algn="l"/>
-                <a:tab pos="8532813" algn="l"/>
-              </a:tabLst>
-              <a:defRPr>
-                <a:solidFill>
-                  <a:schemeClr val="bg1"/>
-                </a:solidFill>
-                <a:latin typeface="Arial" panose="020B0604020202020204" pitchFamily="34" charset="0"/>
-                <a:ea typeface="Microsoft YaHei" panose="020B0503020204020204" pitchFamily="34" charset="-122"/>
-              </a:defRPr>
-            </a:lvl7pPr>
-            <a:lvl8pPr marL="3429000" indent="-228600" defTabSz="449263" eaLnBrk="0" fontAlgn="base" hangingPunct="0">
-              <a:lnSpc>
-                <a:spcPct val="93000"/>
-              </a:lnSpc>
-              <a:spcBef>
-                <a:spcPct val="0"/>
-              </a:spcBef>
-              <a:spcAft>
-                <a:spcPct val="0"/>
-              </a:spcAft>
-              <a:buClr>
-                <a:srgbClr val="000000"/>
-              </a:buClr>
-              <a:buSzPct val="100000"/>
-              <a:buFont typeface="Times New Roman" panose="02020603050405020304" pitchFamily="18" charset="0"/>
-              <a:tabLst>
-                <a:tab pos="0" algn="l"/>
-                <a:tab pos="423863" algn="l"/>
-                <a:tab pos="850900" algn="l"/>
-                <a:tab pos="1277938" algn="l"/>
-                <a:tab pos="1704975" algn="l"/>
-                <a:tab pos="2132013" algn="l"/>
-                <a:tab pos="2557463" algn="l"/>
-                <a:tab pos="2984500" algn="l"/>
-                <a:tab pos="3411538" algn="l"/>
-                <a:tab pos="3838575" algn="l"/>
-                <a:tab pos="4265613" algn="l"/>
-                <a:tab pos="4692650" algn="l"/>
-                <a:tab pos="5118100" algn="l"/>
-                <a:tab pos="5545138" algn="l"/>
-                <a:tab pos="5972175" algn="l"/>
-                <a:tab pos="6399213" algn="l"/>
-                <a:tab pos="6826250" algn="l"/>
-                <a:tab pos="7253288" algn="l"/>
-                <a:tab pos="7678738" algn="l"/>
-                <a:tab pos="8105775" algn="l"/>
-                <a:tab pos="8532813" algn="l"/>
-              </a:tabLst>
-              <a:defRPr>
-                <a:solidFill>
-                  <a:schemeClr val="bg1"/>
-                </a:solidFill>
-                <a:latin typeface="Arial" panose="020B0604020202020204" pitchFamily="34" charset="0"/>
-                <a:ea typeface="Microsoft YaHei" panose="020B0503020204020204" pitchFamily="34" charset="-122"/>
-              </a:defRPr>
-            </a:lvl8pPr>
-            <a:lvl9pPr marL="3886200" indent="-228600" defTabSz="449263" eaLnBrk="0" fontAlgn="base" hangingPunct="0">
-              <a:lnSpc>
-                <a:spcPct val="93000"/>
-              </a:lnSpc>
-              <a:spcBef>
-                <a:spcPct val="0"/>
-              </a:spcBef>
-              <a:spcAft>
-                <a:spcPct val="0"/>
-              </a:spcAft>
-              <a:buClr>
-                <a:srgbClr val="000000"/>
-              </a:buClr>
-              <a:buSzPct val="100000"/>
-              <a:buFont typeface="Times New Roman" panose="02020603050405020304" pitchFamily="18" charset="0"/>
-              <a:tabLst>
-                <a:tab pos="0" algn="l"/>
-                <a:tab pos="423863" algn="l"/>
-                <a:tab pos="850900" algn="l"/>
-                <a:tab pos="1277938" algn="l"/>
-                <a:tab pos="1704975" algn="l"/>
-                <a:tab pos="2132013" algn="l"/>
-                <a:tab pos="2557463" algn="l"/>
-                <a:tab pos="2984500" algn="l"/>
-                <a:tab pos="3411538" algn="l"/>
-                <a:tab pos="3838575" algn="l"/>
-                <a:tab pos="4265613" algn="l"/>
-                <a:tab pos="4692650" algn="l"/>
-                <a:tab pos="5118100" algn="l"/>
-                <a:tab pos="5545138" algn="l"/>
-                <a:tab pos="5972175" algn="l"/>
-                <a:tab pos="6399213" algn="l"/>
-                <a:tab pos="6826250" algn="l"/>
-                <a:tab pos="7253288" algn="l"/>
-                <a:tab pos="7678738" algn="l"/>
-                <a:tab pos="8105775" algn="l"/>
-                <a:tab pos="8532813" algn="l"/>
-              </a:tabLst>
-              <a:defRPr>
-                <a:solidFill>
-                  <a:schemeClr val="bg1"/>
-                </a:solidFill>
-                <a:latin typeface="Arial" panose="020B0604020202020204" pitchFamily="34" charset="0"/>
-                <a:ea typeface="Microsoft YaHei" panose="020B0503020204020204" pitchFamily="34" charset="-122"/>
-              </a:defRPr>
-            </a:lvl9pPr>
-          </a:lstStyle>
-          <a:p>
-            <a:pPr>
-              <a:lnSpc>
-                <a:spcPct val="95000"/>
-              </a:lnSpc>
-              <a:buClrTx/>
-              <a:buFontTx/>
-              <a:buNone/>
-            </a:pPr>
-            <a:fld id="{85F01A14-31E8-434B-9F1F-47ED87363F2A}" type="slidenum">
-              <a:rPr lang="pt-BR" altLang="pt-BR">
-                <a:solidFill>
-                  <a:srgbClr val="000000"/>
-                </a:solidFill>
-                <a:latin typeface="Times New Roman" panose="02020603050405020304" pitchFamily="18" charset="0"/>
-              </a:rPr>
-              <a:pPr>
-                <a:lnSpc>
-                  <a:spcPct val="95000"/>
-                </a:lnSpc>
-                <a:buClrTx/>
-                <a:buFontTx/>
-                <a:buNone/>
-              </a:pPr>
-              <a:t>19</a:t>
             </a:fld>
             <a:endParaRPr lang="pt-BR" altLang="pt-BR">
               <a:solidFill>
@@ -20493,10 +19235,10 @@
       </p:sp>
       <p:pic>
         <p:nvPicPr>
-          <p:cNvPr id="3" name="Imagem 2">
+          <p:cNvPr id="4" name="Imagem 3">
             <a:extLst>
               <a:ext uri="{FF2B5EF4-FFF2-40B4-BE49-F238E27FC236}">
-                <a16:creationId xmlns:a16="http://schemas.microsoft.com/office/drawing/2014/main" id="{C1969E50-8CB3-A07B-D80B-54424F57B322}"/>
+                <a16:creationId xmlns:a16="http://schemas.microsoft.com/office/drawing/2014/main" id="{4FB2AD2B-97CD-5ACF-4A8E-77F04E308837}"/>
               </a:ext>
             </a:extLst>
           </p:cNvPr>
@@ -20519,8 +19261,8 @@
         </p:blipFill>
         <p:spPr>
           <a:xfrm>
-            <a:off x="1367904" y="891058"/>
-            <a:ext cx="8535091" cy="4492153"/>
+            <a:off x="1149350" y="787399"/>
+            <a:ext cx="8679495" cy="4568155"/>
           </a:xfrm>
           <a:prstGeom prst="rect">
             <a:avLst/>
@@ -23742,7 +22484,7 @@
         </p:nvSpPr>
         <p:spPr>
           <a:xfrm>
-            <a:off x="539447" y="3005713"/>
+            <a:off x="539447" y="2712890"/>
             <a:ext cx="4392488" cy="261610"/>
           </a:xfrm>
           <a:prstGeom prst="rect">
@@ -23824,7 +22566,7 @@
         </p:nvSpPr>
         <p:spPr>
           <a:xfrm>
-            <a:off x="539447" y="3514560"/>
+            <a:off x="539447" y="3221737"/>
             <a:ext cx="4392488" cy="261610"/>
           </a:xfrm>
           <a:prstGeom prst="rect">
@@ -23906,7 +22648,7 @@
         </p:nvSpPr>
         <p:spPr>
           <a:xfrm>
-            <a:off x="539447" y="2750977"/>
+            <a:off x="539447" y="2458154"/>
             <a:ext cx="2556649" cy="276999"/>
           </a:xfrm>
           <a:prstGeom prst="rect">
@@ -23989,7 +22731,7 @@
         </p:nvSpPr>
         <p:spPr>
           <a:xfrm>
-            <a:off x="539447" y="3282712"/>
+            <a:off x="539447" y="2989889"/>
             <a:ext cx="2556649" cy="276999"/>
           </a:xfrm>
           <a:prstGeom prst="rect">
@@ -24055,6 +22797,232 @@
               <a:ea typeface="Tahoma" panose="020B0604030504040204" pitchFamily="34" charset="0"/>
               <a:cs typeface="Tahoma" panose="020B0604030504040204" pitchFamily="34" charset="0"/>
             </a:endParaRPr>
+          </a:p>
+        </p:txBody>
+      </p:sp>
+      <p:pic>
+        <p:nvPicPr>
+          <p:cNvPr id="8" name="Imagem 7">
+            <a:extLst>
+              <a:ext uri="{FF2B5EF4-FFF2-40B4-BE49-F238E27FC236}">
+                <a16:creationId xmlns:a16="http://schemas.microsoft.com/office/drawing/2014/main" id="{8A8D14F9-17D4-931A-5F20-98BB52953F6D}"/>
+              </a:ext>
+            </a:extLst>
+          </p:cNvPr>
+          <p:cNvPicPr>
+            <a:picLocks noChangeAspect="1"/>
+          </p:cNvPicPr>
+          <p:nvPr/>
+        </p:nvPicPr>
+        <p:blipFill>
+          <a:blip r:embed="rId4">
+            <a:extLst>
+              <a:ext uri="{28A0092B-C50C-407E-A947-70E740481C1C}">
+                <a14:useLocalDpi xmlns:a14="http://schemas.microsoft.com/office/drawing/2010/main" val="0"/>
+              </a:ext>
+            </a:extLst>
+          </a:blip>
+          <a:stretch>
+            <a:fillRect/>
+          </a:stretch>
+        </p:blipFill>
+        <p:spPr>
+          <a:xfrm>
+            <a:off x="1031276" y="3497118"/>
+            <a:ext cx="3922879" cy="2058970"/>
+          </a:xfrm>
+          <a:prstGeom prst="rect">
+            <a:avLst/>
+          </a:prstGeom>
+        </p:spPr>
+      </p:pic>
+      <p:sp>
+        <p:nvSpPr>
+          <p:cNvPr id="9" name="Retângulo: Cantos Arredondados 8">
+            <a:extLst>
+              <a:ext uri="{FF2B5EF4-FFF2-40B4-BE49-F238E27FC236}">
+                <a16:creationId xmlns:a16="http://schemas.microsoft.com/office/drawing/2014/main" id="{7A5F5D08-E113-24F3-3DDB-6EB455DB14EE}"/>
+              </a:ext>
+            </a:extLst>
+          </p:cNvPr>
+          <p:cNvSpPr/>
+          <p:nvPr/>
+        </p:nvSpPr>
+        <p:spPr bwMode="auto">
+          <a:xfrm>
+            <a:off x="3096096" y="2547243"/>
+            <a:ext cx="1512168" cy="98765"/>
+          </a:xfrm>
+          <a:prstGeom prst="roundRect">
+            <a:avLst/>
+          </a:prstGeom>
+          <a:solidFill>
+            <a:srgbClr val="FFFF00"/>
+          </a:solidFill>
+          <a:ln w="9525" cap="flat" cmpd="sng" algn="ctr">
+            <a:solidFill>
+              <a:schemeClr val="tx1"/>
+            </a:solidFill>
+            <a:prstDash val="solid"/>
+            <a:round/>
+            <a:headEnd type="none" w="med" len="med"/>
+            <a:tailEnd type="none" w="med" len="med"/>
+          </a:ln>
+          <a:effectLst/>
+        </p:spPr>
+        <p:txBody>
+          <a:bodyPr vert="horz" wrap="square" lIns="91440" tIns="45720" rIns="91440" bIns="45720" numCol="1" rtlCol="0" anchor="t" anchorCtr="0" compatLnSpc="1">
+            <a:prstTxWarp prst="textNoShape">
+              <a:avLst/>
+            </a:prstTxWarp>
+          </a:bodyPr>
+          <a:lstStyle/>
+          <a:p>
+            <a:pPr marL="0" marR="0" indent="0" algn="l" defTabSz="449263" rtl="0" eaLnBrk="1" fontAlgn="base" latinLnBrk="0" hangingPunct="0">
+              <a:lnSpc>
+                <a:spcPct val="93000"/>
+              </a:lnSpc>
+              <a:spcBef>
+                <a:spcPct val="0"/>
+              </a:spcBef>
+              <a:spcAft>
+                <a:spcPct val="0"/>
+              </a:spcAft>
+              <a:buClr>
+                <a:srgbClr val="000000"/>
+              </a:buClr>
+              <a:buSzPct val="100000"/>
+              <a:buFont typeface="Times New Roman" panose="02020603050405020304" pitchFamily="18" charset="0"/>
+              <a:buNone/>
+              <a:tabLst/>
+            </a:pPr>
+            <a:endParaRPr kumimoji="0" lang="pt-BR" sz="1800" b="0" i="0" u="none" strike="noStrike" cap="none" normalizeH="0" baseline="0">
+              <a:ln>
+                <a:noFill/>
+              </a:ln>
+              <a:solidFill>
+                <a:schemeClr val="bg1"/>
+              </a:solidFill>
+              <a:effectLst/>
+              <a:latin typeface="Arial" panose="020B0604020202020204" pitchFamily="34" charset="0"/>
+              <a:ea typeface="Microsoft YaHei" panose="020B0503020204020204" pitchFamily="34" charset="-122"/>
+            </a:endParaRPr>
+          </a:p>
+        </p:txBody>
+      </p:sp>
+      <p:sp>
+        <p:nvSpPr>
+          <p:cNvPr id="10" name="Retângulo: Cantos Arredondados 9">
+            <a:extLst>
+              <a:ext uri="{FF2B5EF4-FFF2-40B4-BE49-F238E27FC236}">
+                <a16:creationId xmlns:a16="http://schemas.microsoft.com/office/drawing/2014/main" id="{8D4DC0BE-36B0-2EFC-382F-58C3F0DF3C52}"/>
+              </a:ext>
+            </a:extLst>
+          </p:cNvPr>
+          <p:cNvSpPr/>
+          <p:nvPr/>
+        </p:nvSpPr>
+        <p:spPr bwMode="auto">
+          <a:xfrm>
+            <a:off x="3096096" y="3066724"/>
+            <a:ext cx="1512168" cy="98765"/>
+          </a:xfrm>
+          <a:prstGeom prst="roundRect">
+            <a:avLst/>
+          </a:prstGeom>
+          <a:solidFill>
+            <a:srgbClr val="FF0000"/>
+          </a:solidFill>
+          <a:ln w="9525" cap="flat" cmpd="sng" algn="ctr">
+            <a:solidFill>
+              <a:schemeClr val="tx1"/>
+            </a:solidFill>
+            <a:prstDash val="solid"/>
+            <a:round/>
+            <a:headEnd type="none" w="med" len="med"/>
+            <a:tailEnd type="none" w="med" len="med"/>
+          </a:ln>
+          <a:effectLst/>
+        </p:spPr>
+        <p:txBody>
+          <a:bodyPr vert="horz" wrap="square" lIns="91440" tIns="45720" rIns="91440" bIns="45720" numCol="1" rtlCol="0" anchor="t" anchorCtr="0" compatLnSpc="1">
+            <a:prstTxWarp prst="textNoShape">
+              <a:avLst/>
+            </a:prstTxWarp>
+          </a:bodyPr>
+          <a:lstStyle/>
+          <a:p>
+            <a:pPr marL="0" marR="0" indent="0" algn="l" defTabSz="449263" rtl="0" eaLnBrk="1" fontAlgn="base" latinLnBrk="0" hangingPunct="0">
+              <a:lnSpc>
+                <a:spcPct val="93000"/>
+              </a:lnSpc>
+              <a:spcBef>
+                <a:spcPct val="0"/>
+              </a:spcBef>
+              <a:spcAft>
+                <a:spcPct val="0"/>
+              </a:spcAft>
+              <a:buClr>
+                <a:srgbClr val="000000"/>
+              </a:buClr>
+              <a:buSzPct val="100000"/>
+              <a:buFont typeface="Times New Roman" panose="02020603050405020304" pitchFamily="18" charset="0"/>
+              <a:buNone/>
+              <a:tabLst/>
+            </a:pPr>
+            <a:endParaRPr kumimoji="0" lang="pt-BR" sz="1800" b="0" i="0" u="none" strike="noStrike" cap="none" normalizeH="0" baseline="0">
+              <a:ln>
+                <a:noFill/>
+              </a:ln>
+              <a:solidFill>
+                <a:schemeClr val="bg1"/>
+              </a:solidFill>
+              <a:effectLst/>
+              <a:latin typeface="Arial" panose="020B0604020202020204" pitchFamily="34" charset="0"/>
+              <a:ea typeface="Microsoft YaHei" panose="020B0503020204020204" pitchFamily="34" charset="-122"/>
+            </a:endParaRPr>
+          </a:p>
+        </p:txBody>
+      </p:sp>
+      <p:sp>
+        <p:nvSpPr>
+          <p:cNvPr id="2" name="CaixaDeTexto 1">
+            <a:extLst>
+              <a:ext uri="{FF2B5EF4-FFF2-40B4-BE49-F238E27FC236}">
+                <a16:creationId xmlns:a16="http://schemas.microsoft.com/office/drawing/2014/main" id="{3800BC78-F042-2618-85EA-37D49ED536C8}"/>
+              </a:ext>
+            </a:extLst>
+          </p:cNvPr>
+          <p:cNvSpPr txBox="1"/>
+          <p:nvPr/>
+        </p:nvSpPr>
+        <p:spPr>
+          <a:xfrm>
+            <a:off x="37313" y="2157564"/>
+            <a:ext cx="1584176" cy="369332"/>
+          </a:xfrm>
+          <a:prstGeom prst="rect">
+            <a:avLst/>
+          </a:prstGeom>
+          <a:noFill/>
+        </p:spPr>
+        <p:txBody>
+          <a:bodyPr wrap="square" rtlCol="0">
+            <a:spAutoFit/>
+          </a:bodyPr>
+          <a:lstStyle/>
+          <a:p>
+            <a:r>
+              <a:rPr lang="pt-BR" b="1" dirty="0">
+                <a:solidFill>
+                  <a:srgbClr val="FF0000"/>
+                </a:solidFill>
+                <a:latin typeface="Tahoma" panose="020B0604030504040204" pitchFamily="34" charset="0"/>
+                <a:ea typeface="Tahoma" panose="020B0604030504040204" pitchFamily="34" charset="0"/>
+                <a:cs typeface="Tahoma" panose="020B0604030504040204" pitchFamily="34" charset="0"/>
+              </a:rPr>
+              <a:t>No EDGE</a:t>
+            </a:r>
           </a:p>
         </p:txBody>
       </p:sp>
@@ -24100,573 +23068,6 @@
 </file>
 
 <file path=ppt/slides/slide15.xml><?xml version="1.0" encoding="utf-8"?>
-<p:sld xmlns:a="http://schemas.openxmlformats.org/drawingml/2006/main" xmlns:r="http://schemas.openxmlformats.org/officeDocument/2006/relationships" xmlns:p="http://schemas.openxmlformats.org/presentationml/2006/main">
-  <p:cSld>
-    <p:bg>
-      <p:bgPr>
-        <a:solidFill>
-          <a:srgbClr val="FFFFFF"/>
-        </a:solidFill>
-        <a:effectLst/>
-      </p:bgPr>
-    </p:bg>
-    <p:spTree>
-      <p:nvGrpSpPr>
-        <p:cNvPr id="1" name=""/>
-        <p:cNvGrpSpPr/>
-        <p:nvPr/>
-      </p:nvGrpSpPr>
-      <p:grpSpPr>
-        <a:xfrm>
-          <a:off x="0" y="0"/>
-          <a:ext cx="0" cy="0"/>
-          <a:chOff x="0" y="0"/>
-          <a:chExt cx="0" cy="0"/>
-        </a:xfrm>
-      </p:grpSpPr>
-      <p:pic>
-        <p:nvPicPr>
-          <p:cNvPr id="4" name="Imagem 3">
-            <a:extLst>
-              <a:ext uri="{FF2B5EF4-FFF2-40B4-BE49-F238E27FC236}">
-                <a16:creationId xmlns:a16="http://schemas.microsoft.com/office/drawing/2014/main" id="{210A6240-C71B-021C-98C4-65BA1C421E00}"/>
-              </a:ext>
-            </a:extLst>
-          </p:cNvPr>
-          <p:cNvPicPr>
-            <a:picLocks noChangeAspect="1"/>
-          </p:cNvPicPr>
-          <p:nvPr/>
-        </p:nvPicPr>
-        <p:blipFill>
-          <a:blip r:embed="rId3">
-            <a:extLst>
-              <a:ext uri="{28A0092B-C50C-407E-A947-70E740481C1C}">
-                <a14:useLocalDpi xmlns:a14="http://schemas.microsoft.com/office/drawing/2010/main" val="0"/>
-              </a:ext>
-            </a:extLst>
-          </a:blip>
-          <a:stretch>
-            <a:fillRect/>
-          </a:stretch>
-        </p:blipFill>
-        <p:spPr>
-          <a:xfrm>
-            <a:off x="2520032" y="439922"/>
-            <a:ext cx="6762198" cy="5200392"/>
-          </a:xfrm>
-          <a:prstGeom prst="rect">
-            <a:avLst/>
-          </a:prstGeom>
-        </p:spPr>
-      </p:pic>
-      <p:sp>
-        <p:nvSpPr>
-          <p:cNvPr id="7171" name="Text Box 2">
-            <a:extLst>
-              <a:ext uri="{FF2B5EF4-FFF2-40B4-BE49-F238E27FC236}">
-                <a16:creationId xmlns:a16="http://schemas.microsoft.com/office/drawing/2014/main" id="{8153563F-8770-DA41-2325-7D60BF4D0DFE}"/>
-              </a:ext>
-            </a:extLst>
-          </p:cNvPr>
-          <p:cNvSpPr txBox="1">
-            <a:spLocks noChangeArrowheads="1"/>
-          </p:cNvSpPr>
-          <p:nvPr/>
-        </p:nvSpPr>
-        <p:spPr bwMode="auto">
-          <a:xfrm>
-            <a:off x="1655763" y="287338"/>
-            <a:ext cx="6408737" cy="519112"/>
-          </a:xfrm>
-          <a:prstGeom prst="rect">
-            <a:avLst/>
-          </a:prstGeom>
-          <a:noFill/>
-          <a:ln>
-            <a:noFill/>
-          </a:ln>
-          <a:effectLst/>
-          <a:extLst>
-            <a:ext uri="{909E8E84-426E-40DD-AFC4-6F175D3DCCD1}">
-              <a14:hiddenFill xmlns:a14="http://schemas.microsoft.com/office/drawing/2010/main">
-                <a:solidFill>
-                  <a:srgbClr val="FFFFFF"/>
-                </a:solidFill>
-              </a14:hiddenFill>
-            </a:ext>
-            <a:ext uri="{91240B29-F687-4F45-9708-019B960494DF}">
-              <a14:hiddenLine xmlns:a14="http://schemas.microsoft.com/office/drawing/2010/main" w="9525">
-                <a:solidFill>
-                  <a:srgbClr val="3465A4"/>
-                </a:solidFill>
-                <a:round/>
-                <a:headEnd/>
-                <a:tailEnd/>
-              </a14:hiddenLine>
-            </a:ext>
-            <a:ext uri="{AF507438-7753-43E0-B8FC-AC1667EBCBE1}">
-              <a14:hiddenEffects xmlns:a14="http://schemas.microsoft.com/office/drawing/2010/main">
-                <a:effectLst>
-                  <a:outerShdw dist="35921" dir="2700000" algn="ctr" rotWithShape="0">
-                    <a:srgbClr val="808080"/>
-                  </a:outerShdw>
-                </a:effectLst>
-              </a14:hiddenEffects>
-            </a:ext>
-          </a:extLst>
-        </p:spPr>
-        <p:txBody>
-          <a:bodyPr lIns="90000" tIns="45000" rIns="90000" bIns="45000"/>
-          <a:lstStyle>
-            <a:lvl1pPr>
-              <a:lnSpc>
-                <a:spcPct val="93000"/>
-              </a:lnSpc>
-              <a:buClr>
-                <a:srgbClr val="000000"/>
-              </a:buClr>
-              <a:buSzPct val="100000"/>
-              <a:buFont typeface="Times New Roman" panose="02020603050405020304" pitchFamily="18" charset="0"/>
-              <a:tabLst>
-                <a:tab pos="0" algn="l"/>
-                <a:tab pos="447675" algn="l"/>
-                <a:tab pos="896938" algn="l"/>
-                <a:tab pos="1346200" algn="l"/>
-                <a:tab pos="1795463" algn="l"/>
-                <a:tab pos="2244725" algn="l"/>
-                <a:tab pos="2693988" algn="l"/>
-                <a:tab pos="3143250" algn="l"/>
-                <a:tab pos="3592513" algn="l"/>
-                <a:tab pos="4041775" algn="l"/>
-                <a:tab pos="4491038" algn="l"/>
-                <a:tab pos="4940300" algn="l"/>
-                <a:tab pos="5389563" algn="l"/>
-                <a:tab pos="5838825" algn="l"/>
-                <a:tab pos="6288088" algn="l"/>
-                <a:tab pos="6737350" algn="l"/>
-                <a:tab pos="7186613" algn="l"/>
-                <a:tab pos="7635875" algn="l"/>
-                <a:tab pos="8085138" algn="l"/>
-                <a:tab pos="8534400" algn="l"/>
-                <a:tab pos="8983663" algn="l"/>
-              </a:tabLst>
-              <a:defRPr>
-                <a:solidFill>
-                  <a:schemeClr val="bg1"/>
-                </a:solidFill>
-                <a:latin typeface="Arial" panose="020B0604020202020204" pitchFamily="34" charset="0"/>
-                <a:ea typeface="Microsoft YaHei" panose="020B0503020204020204" pitchFamily="34" charset="-122"/>
-              </a:defRPr>
-            </a:lvl1pPr>
-            <a:lvl2pPr>
-              <a:lnSpc>
-                <a:spcPct val="93000"/>
-              </a:lnSpc>
-              <a:buClr>
-                <a:srgbClr val="000000"/>
-              </a:buClr>
-              <a:buSzPct val="100000"/>
-              <a:buFont typeface="Times New Roman" panose="02020603050405020304" pitchFamily="18" charset="0"/>
-              <a:tabLst>
-                <a:tab pos="0" algn="l"/>
-                <a:tab pos="447675" algn="l"/>
-                <a:tab pos="896938" algn="l"/>
-                <a:tab pos="1346200" algn="l"/>
-                <a:tab pos="1795463" algn="l"/>
-                <a:tab pos="2244725" algn="l"/>
-                <a:tab pos="2693988" algn="l"/>
-                <a:tab pos="3143250" algn="l"/>
-                <a:tab pos="3592513" algn="l"/>
-                <a:tab pos="4041775" algn="l"/>
-                <a:tab pos="4491038" algn="l"/>
-                <a:tab pos="4940300" algn="l"/>
-                <a:tab pos="5389563" algn="l"/>
-                <a:tab pos="5838825" algn="l"/>
-                <a:tab pos="6288088" algn="l"/>
-                <a:tab pos="6737350" algn="l"/>
-                <a:tab pos="7186613" algn="l"/>
-                <a:tab pos="7635875" algn="l"/>
-                <a:tab pos="8085138" algn="l"/>
-                <a:tab pos="8534400" algn="l"/>
-                <a:tab pos="8983663" algn="l"/>
-              </a:tabLst>
-              <a:defRPr>
-                <a:solidFill>
-                  <a:schemeClr val="bg1"/>
-                </a:solidFill>
-                <a:latin typeface="Arial" panose="020B0604020202020204" pitchFamily="34" charset="0"/>
-                <a:ea typeface="Microsoft YaHei" panose="020B0503020204020204" pitchFamily="34" charset="-122"/>
-              </a:defRPr>
-            </a:lvl2pPr>
-            <a:lvl3pPr>
-              <a:lnSpc>
-                <a:spcPct val="93000"/>
-              </a:lnSpc>
-              <a:buClr>
-                <a:srgbClr val="000000"/>
-              </a:buClr>
-              <a:buSzPct val="100000"/>
-              <a:buFont typeface="Times New Roman" panose="02020603050405020304" pitchFamily="18" charset="0"/>
-              <a:tabLst>
-                <a:tab pos="0" algn="l"/>
-                <a:tab pos="447675" algn="l"/>
-                <a:tab pos="896938" algn="l"/>
-                <a:tab pos="1346200" algn="l"/>
-                <a:tab pos="1795463" algn="l"/>
-                <a:tab pos="2244725" algn="l"/>
-                <a:tab pos="2693988" algn="l"/>
-                <a:tab pos="3143250" algn="l"/>
-                <a:tab pos="3592513" algn="l"/>
-                <a:tab pos="4041775" algn="l"/>
-                <a:tab pos="4491038" algn="l"/>
-                <a:tab pos="4940300" algn="l"/>
-                <a:tab pos="5389563" algn="l"/>
-                <a:tab pos="5838825" algn="l"/>
-                <a:tab pos="6288088" algn="l"/>
-                <a:tab pos="6737350" algn="l"/>
-                <a:tab pos="7186613" algn="l"/>
-                <a:tab pos="7635875" algn="l"/>
-                <a:tab pos="8085138" algn="l"/>
-                <a:tab pos="8534400" algn="l"/>
-                <a:tab pos="8983663" algn="l"/>
-              </a:tabLst>
-              <a:defRPr>
-                <a:solidFill>
-                  <a:schemeClr val="bg1"/>
-                </a:solidFill>
-                <a:latin typeface="Arial" panose="020B0604020202020204" pitchFamily="34" charset="0"/>
-                <a:ea typeface="Microsoft YaHei" panose="020B0503020204020204" pitchFamily="34" charset="-122"/>
-              </a:defRPr>
-            </a:lvl3pPr>
-            <a:lvl4pPr>
-              <a:lnSpc>
-                <a:spcPct val="93000"/>
-              </a:lnSpc>
-              <a:buClr>
-                <a:srgbClr val="000000"/>
-              </a:buClr>
-              <a:buSzPct val="100000"/>
-              <a:buFont typeface="Times New Roman" panose="02020603050405020304" pitchFamily="18" charset="0"/>
-              <a:tabLst>
-                <a:tab pos="0" algn="l"/>
-                <a:tab pos="447675" algn="l"/>
-                <a:tab pos="896938" algn="l"/>
-                <a:tab pos="1346200" algn="l"/>
-                <a:tab pos="1795463" algn="l"/>
-                <a:tab pos="2244725" algn="l"/>
-                <a:tab pos="2693988" algn="l"/>
-                <a:tab pos="3143250" algn="l"/>
-                <a:tab pos="3592513" algn="l"/>
-                <a:tab pos="4041775" algn="l"/>
-                <a:tab pos="4491038" algn="l"/>
-                <a:tab pos="4940300" algn="l"/>
-                <a:tab pos="5389563" algn="l"/>
-                <a:tab pos="5838825" algn="l"/>
-                <a:tab pos="6288088" algn="l"/>
-                <a:tab pos="6737350" algn="l"/>
-                <a:tab pos="7186613" algn="l"/>
-                <a:tab pos="7635875" algn="l"/>
-                <a:tab pos="8085138" algn="l"/>
-                <a:tab pos="8534400" algn="l"/>
-                <a:tab pos="8983663" algn="l"/>
-              </a:tabLst>
-              <a:defRPr>
-                <a:solidFill>
-                  <a:schemeClr val="bg1"/>
-                </a:solidFill>
-                <a:latin typeface="Arial" panose="020B0604020202020204" pitchFamily="34" charset="0"/>
-                <a:ea typeface="Microsoft YaHei" panose="020B0503020204020204" pitchFamily="34" charset="-122"/>
-              </a:defRPr>
-            </a:lvl4pPr>
-            <a:lvl5pPr>
-              <a:lnSpc>
-                <a:spcPct val="93000"/>
-              </a:lnSpc>
-              <a:buClr>
-                <a:srgbClr val="000000"/>
-              </a:buClr>
-              <a:buSzPct val="100000"/>
-              <a:buFont typeface="Times New Roman" panose="02020603050405020304" pitchFamily="18" charset="0"/>
-              <a:tabLst>
-                <a:tab pos="0" algn="l"/>
-                <a:tab pos="447675" algn="l"/>
-                <a:tab pos="896938" algn="l"/>
-                <a:tab pos="1346200" algn="l"/>
-                <a:tab pos="1795463" algn="l"/>
-                <a:tab pos="2244725" algn="l"/>
-                <a:tab pos="2693988" algn="l"/>
-                <a:tab pos="3143250" algn="l"/>
-                <a:tab pos="3592513" algn="l"/>
-                <a:tab pos="4041775" algn="l"/>
-                <a:tab pos="4491038" algn="l"/>
-                <a:tab pos="4940300" algn="l"/>
-                <a:tab pos="5389563" algn="l"/>
-                <a:tab pos="5838825" algn="l"/>
-                <a:tab pos="6288088" algn="l"/>
-                <a:tab pos="6737350" algn="l"/>
-                <a:tab pos="7186613" algn="l"/>
-                <a:tab pos="7635875" algn="l"/>
-                <a:tab pos="8085138" algn="l"/>
-                <a:tab pos="8534400" algn="l"/>
-                <a:tab pos="8983663" algn="l"/>
-              </a:tabLst>
-              <a:defRPr>
-                <a:solidFill>
-                  <a:schemeClr val="bg1"/>
-                </a:solidFill>
-                <a:latin typeface="Arial" panose="020B0604020202020204" pitchFamily="34" charset="0"/>
-                <a:ea typeface="Microsoft YaHei" panose="020B0503020204020204" pitchFamily="34" charset="-122"/>
-              </a:defRPr>
-            </a:lvl5pPr>
-            <a:lvl6pPr marL="2514600" indent="-228600" defTabSz="449263" eaLnBrk="0" fontAlgn="base" hangingPunct="0">
-              <a:lnSpc>
-                <a:spcPct val="93000"/>
-              </a:lnSpc>
-              <a:spcBef>
-                <a:spcPct val="0"/>
-              </a:spcBef>
-              <a:spcAft>
-                <a:spcPct val="0"/>
-              </a:spcAft>
-              <a:buClr>
-                <a:srgbClr val="000000"/>
-              </a:buClr>
-              <a:buSzPct val="100000"/>
-              <a:buFont typeface="Times New Roman" panose="02020603050405020304" pitchFamily="18" charset="0"/>
-              <a:tabLst>
-                <a:tab pos="0" algn="l"/>
-                <a:tab pos="447675" algn="l"/>
-                <a:tab pos="896938" algn="l"/>
-                <a:tab pos="1346200" algn="l"/>
-                <a:tab pos="1795463" algn="l"/>
-                <a:tab pos="2244725" algn="l"/>
-                <a:tab pos="2693988" algn="l"/>
-                <a:tab pos="3143250" algn="l"/>
-                <a:tab pos="3592513" algn="l"/>
-                <a:tab pos="4041775" algn="l"/>
-                <a:tab pos="4491038" algn="l"/>
-                <a:tab pos="4940300" algn="l"/>
-                <a:tab pos="5389563" algn="l"/>
-                <a:tab pos="5838825" algn="l"/>
-                <a:tab pos="6288088" algn="l"/>
-                <a:tab pos="6737350" algn="l"/>
-                <a:tab pos="7186613" algn="l"/>
-                <a:tab pos="7635875" algn="l"/>
-                <a:tab pos="8085138" algn="l"/>
-                <a:tab pos="8534400" algn="l"/>
-                <a:tab pos="8983663" algn="l"/>
-              </a:tabLst>
-              <a:defRPr>
-                <a:solidFill>
-                  <a:schemeClr val="bg1"/>
-                </a:solidFill>
-                <a:latin typeface="Arial" panose="020B0604020202020204" pitchFamily="34" charset="0"/>
-                <a:ea typeface="Microsoft YaHei" panose="020B0503020204020204" pitchFamily="34" charset="-122"/>
-              </a:defRPr>
-            </a:lvl6pPr>
-            <a:lvl7pPr marL="2971800" indent="-228600" defTabSz="449263" eaLnBrk="0" fontAlgn="base" hangingPunct="0">
-              <a:lnSpc>
-                <a:spcPct val="93000"/>
-              </a:lnSpc>
-              <a:spcBef>
-                <a:spcPct val="0"/>
-              </a:spcBef>
-              <a:spcAft>
-                <a:spcPct val="0"/>
-              </a:spcAft>
-              <a:buClr>
-                <a:srgbClr val="000000"/>
-              </a:buClr>
-              <a:buSzPct val="100000"/>
-              <a:buFont typeface="Times New Roman" panose="02020603050405020304" pitchFamily="18" charset="0"/>
-              <a:tabLst>
-                <a:tab pos="0" algn="l"/>
-                <a:tab pos="447675" algn="l"/>
-                <a:tab pos="896938" algn="l"/>
-                <a:tab pos="1346200" algn="l"/>
-                <a:tab pos="1795463" algn="l"/>
-                <a:tab pos="2244725" algn="l"/>
-                <a:tab pos="2693988" algn="l"/>
-                <a:tab pos="3143250" algn="l"/>
-                <a:tab pos="3592513" algn="l"/>
-                <a:tab pos="4041775" algn="l"/>
-                <a:tab pos="4491038" algn="l"/>
-                <a:tab pos="4940300" algn="l"/>
-                <a:tab pos="5389563" algn="l"/>
-                <a:tab pos="5838825" algn="l"/>
-                <a:tab pos="6288088" algn="l"/>
-                <a:tab pos="6737350" algn="l"/>
-                <a:tab pos="7186613" algn="l"/>
-                <a:tab pos="7635875" algn="l"/>
-                <a:tab pos="8085138" algn="l"/>
-                <a:tab pos="8534400" algn="l"/>
-                <a:tab pos="8983663" algn="l"/>
-              </a:tabLst>
-              <a:defRPr>
-                <a:solidFill>
-                  <a:schemeClr val="bg1"/>
-                </a:solidFill>
-                <a:latin typeface="Arial" panose="020B0604020202020204" pitchFamily="34" charset="0"/>
-                <a:ea typeface="Microsoft YaHei" panose="020B0503020204020204" pitchFamily="34" charset="-122"/>
-              </a:defRPr>
-            </a:lvl7pPr>
-            <a:lvl8pPr marL="3429000" indent="-228600" defTabSz="449263" eaLnBrk="0" fontAlgn="base" hangingPunct="0">
-              <a:lnSpc>
-                <a:spcPct val="93000"/>
-              </a:lnSpc>
-              <a:spcBef>
-                <a:spcPct val="0"/>
-              </a:spcBef>
-              <a:spcAft>
-                <a:spcPct val="0"/>
-              </a:spcAft>
-              <a:buClr>
-                <a:srgbClr val="000000"/>
-              </a:buClr>
-              <a:buSzPct val="100000"/>
-              <a:buFont typeface="Times New Roman" panose="02020603050405020304" pitchFamily="18" charset="0"/>
-              <a:tabLst>
-                <a:tab pos="0" algn="l"/>
-                <a:tab pos="447675" algn="l"/>
-                <a:tab pos="896938" algn="l"/>
-                <a:tab pos="1346200" algn="l"/>
-                <a:tab pos="1795463" algn="l"/>
-                <a:tab pos="2244725" algn="l"/>
-                <a:tab pos="2693988" algn="l"/>
-                <a:tab pos="3143250" algn="l"/>
-                <a:tab pos="3592513" algn="l"/>
-                <a:tab pos="4041775" algn="l"/>
-                <a:tab pos="4491038" algn="l"/>
-                <a:tab pos="4940300" algn="l"/>
-                <a:tab pos="5389563" algn="l"/>
-                <a:tab pos="5838825" algn="l"/>
-                <a:tab pos="6288088" algn="l"/>
-                <a:tab pos="6737350" algn="l"/>
-                <a:tab pos="7186613" algn="l"/>
-                <a:tab pos="7635875" algn="l"/>
-                <a:tab pos="8085138" algn="l"/>
-                <a:tab pos="8534400" algn="l"/>
-                <a:tab pos="8983663" algn="l"/>
-              </a:tabLst>
-              <a:defRPr>
-                <a:solidFill>
-                  <a:schemeClr val="bg1"/>
-                </a:solidFill>
-                <a:latin typeface="Arial" panose="020B0604020202020204" pitchFamily="34" charset="0"/>
-                <a:ea typeface="Microsoft YaHei" panose="020B0503020204020204" pitchFamily="34" charset="-122"/>
-              </a:defRPr>
-            </a:lvl8pPr>
-            <a:lvl9pPr marL="3886200" indent="-228600" defTabSz="449263" eaLnBrk="0" fontAlgn="base" hangingPunct="0">
-              <a:lnSpc>
-                <a:spcPct val="93000"/>
-              </a:lnSpc>
-              <a:spcBef>
-                <a:spcPct val="0"/>
-              </a:spcBef>
-              <a:spcAft>
-                <a:spcPct val="0"/>
-              </a:spcAft>
-              <a:buClr>
-                <a:srgbClr val="000000"/>
-              </a:buClr>
-              <a:buSzPct val="100000"/>
-              <a:buFont typeface="Times New Roman" panose="02020603050405020304" pitchFamily="18" charset="0"/>
-              <a:tabLst>
-                <a:tab pos="0" algn="l"/>
-                <a:tab pos="447675" algn="l"/>
-                <a:tab pos="896938" algn="l"/>
-                <a:tab pos="1346200" algn="l"/>
-                <a:tab pos="1795463" algn="l"/>
-                <a:tab pos="2244725" algn="l"/>
-                <a:tab pos="2693988" algn="l"/>
-                <a:tab pos="3143250" algn="l"/>
-                <a:tab pos="3592513" algn="l"/>
-                <a:tab pos="4041775" algn="l"/>
-                <a:tab pos="4491038" algn="l"/>
-                <a:tab pos="4940300" algn="l"/>
-                <a:tab pos="5389563" algn="l"/>
-                <a:tab pos="5838825" algn="l"/>
-                <a:tab pos="6288088" algn="l"/>
-                <a:tab pos="6737350" algn="l"/>
-                <a:tab pos="7186613" algn="l"/>
-                <a:tab pos="7635875" algn="l"/>
-                <a:tab pos="8085138" algn="l"/>
-                <a:tab pos="8534400" algn="l"/>
-                <a:tab pos="8983663" algn="l"/>
-              </a:tabLst>
-              <a:defRPr>
-                <a:solidFill>
-                  <a:schemeClr val="bg1"/>
-                </a:solidFill>
-                <a:latin typeface="Arial" panose="020B0604020202020204" pitchFamily="34" charset="0"/>
-                <a:ea typeface="Microsoft YaHei" panose="020B0503020204020204" pitchFamily="34" charset="-122"/>
-              </a:defRPr>
-            </a:lvl9pPr>
-          </a:lstStyle>
-          <a:p>
-            <a:pPr eaLnBrk="1">
-              <a:lnSpc>
-                <a:spcPct val="101000"/>
-              </a:lnSpc>
-              <a:buClrTx/>
-              <a:buFontTx/>
-              <a:buNone/>
-            </a:pPr>
-            <a:r>
-              <a:rPr lang="pt-BR" altLang="pt-BR" sz="2800" b="1" dirty="0">
-                <a:solidFill>
-                  <a:srgbClr val="007826"/>
-                </a:solidFill>
-                <a:latin typeface="Tahoma" panose="020B0604030504040204" pitchFamily="34" charset="0"/>
-              </a:rPr>
-              <a:t>Experimentos [1]</a:t>
-            </a:r>
-          </a:p>
-        </p:txBody>
-      </p:sp>
-    </p:spTree>
-    <p:extLst>
-      <p:ext uri="{BB962C8B-B14F-4D97-AF65-F5344CB8AC3E}">
-        <p14:creationId xmlns:p14="http://schemas.microsoft.com/office/powerpoint/2010/main" val="4159134224"/>
-      </p:ext>
-    </p:extLst>
-  </p:cSld>
-  <p:clrMapOvr>
-    <a:masterClrMapping/>
-  </p:clrMapOvr>
-  <p:transition spd="med"/>
-  <p:timing>
-    <p:tnLst>
-      <p:par>
-        <p:cTn id="1" dur="indefinite" restart="never" nodeType="tmRoot">
-          <p:childTnLst>
-            <p:seq concurrent="1" nextAc="seek">
-              <p:cTn id="2" dur="indefinite" nodeType="mainSeq"/>
-              <p:prevCondLst>
-                <p:cond evt="onPrev" delay="0">
-                  <p:tgtEl>
-                    <p:sldTgt/>
-                  </p:tgtEl>
-                </p:cond>
-              </p:prevCondLst>
-              <p:nextCondLst>
-                <p:cond evt="onNext" delay="0">
-                  <p:tgtEl>
-                    <p:sldTgt/>
-                  </p:tgtEl>
-                </p:cond>
-              </p:nextCondLst>
-            </p:seq>
-          </p:childTnLst>
-        </p:cTn>
-      </p:par>
-    </p:tnLst>
-  </p:timing>
-</p:sld>
-</file>
-
-<file path=ppt/slides/slide16.xml><?xml version="1.0" encoding="utf-8"?>
 <p:sld xmlns:a="http://schemas.openxmlformats.org/drawingml/2006/main" xmlns:r="http://schemas.openxmlformats.org/officeDocument/2006/relationships" xmlns:p="http://schemas.openxmlformats.org/presentationml/2006/main">
   <p:cSld>
     <p:bg>
@@ -26246,6 +24647,306 @@
           </a:p>
         </p:txBody>
       </p:sp>
+      <p:pic>
+        <p:nvPicPr>
+          <p:cNvPr id="3" name="Imagem 2">
+            <a:extLst>
+              <a:ext uri="{FF2B5EF4-FFF2-40B4-BE49-F238E27FC236}">
+                <a16:creationId xmlns:a16="http://schemas.microsoft.com/office/drawing/2014/main" id="{45CA76D8-EA4F-588E-E950-E4EE3720CF38}"/>
+              </a:ext>
+            </a:extLst>
+          </p:cNvPr>
+          <p:cNvPicPr>
+            <a:picLocks noChangeAspect="1"/>
+          </p:cNvPicPr>
+          <p:nvPr/>
+        </p:nvPicPr>
+        <p:blipFill>
+          <a:blip r:embed="rId4">
+            <a:extLst>
+              <a:ext uri="{28A0092B-C50C-407E-A947-70E740481C1C}">
+                <a14:useLocalDpi xmlns:a14="http://schemas.microsoft.com/office/drawing/2010/main" val="0"/>
+              </a:ext>
+            </a:extLst>
+          </a:blip>
+          <a:stretch>
+            <a:fillRect/>
+          </a:stretch>
+        </p:blipFill>
+        <p:spPr>
+          <a:xfrm>
+            <a:off x="1505141" y="4073485"/>
+            <a:ext cx="2808312" cy="1473976"/>
+          </a:xfrm>
+          <a:prstGeom prst="rect">
+            <a:avLst/>
+          </a:prstGeom>
+        </p:spPr>
+      </p:pic>
+      <p:sp>
+        <p:nvSpPr>
+          <p:cNvPr id="11" name="Retângulo: Cantos Arredondados 10">
+            <a:extLst>
+              <a:ext uri="{FF2B5EF4-FFF2-40B4-BE49-F238E27FC236}">
+                <a16:creationId xmlns:a16="http://schemas.microsoft.com/office/drawing/2014/main" id="{5E61E283-B740-D28E-7227-C0073689B3FE}"/>
+              </a:ext>
+            </a:extLst>
+          </p:cNvPr>
+          <p:cNvSpPr/>
+          <p:nvPr/>
+        </p:nvSpPr>
+        <p:spPr bwMode="auto">
+          <a:xfrm>
+            <a:off x="3096096" y="2635649"/>
+            <a:ext cx="1512168" cy="98765"/>
+          </a:xfrm>
+          <a:prstGeom prst="roundRect">
+            <a:avLst/>
+          </a:prstGeom>
+          <a:solidFill>
+            <a:srgbClr val="FFFF00"/>
+          </a:solidFill>
+          <a:ln w="9525" cap="flat" cmpd="sng" algn="ctr">
+            <a:solidFill>
+              <a:schemeClr val="tx1"/>
+            </a:solidFill>
+            <a:prstDash val="solid"/>
+            <a:round/>
+            <a:headEnd type="none" w="med" len="med"/>
+            <a:tailEnd type="none" w="med" len="med"/>
+          </a:ln>
+          <a:effectLst/>
+        </p:spPr>
+        <p:txBody>
+          <a:bodyPr vert="horz" wrap="square" lIns="91440" tIns="45720" rIns="91440" bIns="45720" numCol="1" rtlCol="0" anchor="t" anchorCtr="0" compatLnSpc="1">
+            <a:prstTxWarp prst="textNoShape">
+              <a:avLst/>
+            </a:prstTxWarp>
+          </a:bodyPr>
+          <a:lstStyle/>
+          <a:p>
+            <a:pPr marL="0" marR="0" indent="0" algn="l" defTabSz="449263" rtl="0" eaLnBrk="1" fontAlgn="base" latinLnBrk="0" hangingPunct="0">
+              <a:lnSpc>
+                <a:spcPct val="93000"/>
+              </a:lnSpc>
+              <a:spcBef>
+                <a:spcPct val="0"/>
+              </a:spcBef>
+              <a:spcAft>
+                <a:spcPct val="0"/>
+              </a:spcAft>
+              <a:buClr>
+                <a:srgbClr val="000000"/>
+              </a:buClr>
+              <a:buSzPct val="100000"/>
+              <a:buFont typeface="Times New Roman" panose="02020603050405020304" pitchFamily="18" charset="0"/>
+              <a:buNone/>
+              <a:tabLst/>
+            </a:pPr>
+            <a:endParaRPr kumimoji="0" lang="pt-BR" sz="1800" b="0" i="0" u="none" strike="noStrike" cap="none" normalizeH="0" baseline="0">
+              <a:ln>
+                <a:noFill/>
+              </a:ln>
+              <a:solidFill>
+                <a:schemeClr val="bg1"/>
+              </a:solidFill>
+              <a:effectLst/>
+              <a:latin typeface="Arial" panose="020B0604020202020204" pitchFamily="34" charset="0"/>
+              <a:ea typeface="Microsoft YaHei" panose="020B0503020204020204" pitchFamily="34" charset="-122"/>
+            </a:endParaRPr>
+          </a:p>
+        </p:txBody>
+      </p:sp>
+      <p:sp>
+        <p:nvSpPr>
+          <p:cNvPr id="12" name="Retângulo: Cantos Arredondados 11">
+            <a:extLst>
+              <a:ext uri="{FF2B5EF4-FFF2-40B4-BE49-F238E27FC236}">
+                <a16:creationId xmlns:a16="http://schemas.microsoft.com/office/drawing/2014/main" id="{B9F74879-D560-C6EE-021D-6E60FD169CC1}"/>
+              </a:ext>
+            </a:extLst>
+          </p:cNvPr>
+          <p:cNvSpPr/>
+          <p:nvPr/>
+        </p:nvSpPr>
+        <p:spPr bwMode="auto">
+          <a:xfrm>
+            <a:off x="3096096" y="3113683"/>
+            <a:ext cx="1512168" cy="98765"/>
+          </a:xfrm>
+          <a:prstGeom prst="roundRect">
+            <a:avLst/>
+          </a:prstGeom>
+          <a:solidFill>
+            <a:srgbClr val="FF0000"/>
+          </a:solidFill>
+          <a:ln w="9525" cap="flat" cmpd="sng" algn="ctr">
+            <a:solidFill>
+              <a:schemeClr val="tx1"/>
+            </a:solidFill>
+            <a:prstDash val="solid"/>
+            <a:round/>
+            <a:headEnd type="none" w="med" len="med"/>
+            <a:tailEnd type="none" w="med" len="med"/>
+          </a:ln>
+          <a:effectLst/>
+        </p:spPr>
+        <p:txBody>
+          <a:bodyPr vert="horz" wrap="square" lIns="91440" tIns="45720" rIns="91440" bIns="45720" numCol="1" rtlCol="0" anchor="t" anchorCtr="0" compatLnSpc="1">
+            <a:prstTxWarp prst="textNoShape">
+              <a:avLst/>
+            </a:prstTxWarp>
+          </a:bodyPr>
+          <a:lstStyle/>
+          <a:p>
+            <a:pPr marL="0" marR="0" indent="0" algn="l" defTabSz="449263" rtl="0" eaLnBrk="1" fontAlgn="base" latinLnBrk="0" hangingPunct="0">
+              <a:lnSpc>
+                <a:spcPct val="93000"/>
+              </a:lnSpc>
+              <a:spcBef>
+                <a:spcPct val="0"/>
+              </a:spcBef>
+              <a:spcAft>
+                <a:spcPct val="0"/>
+              </a:spcAft>
+              <a:buClr>
+                <a:srgbClr val="000000"/>
+              </a:buClr>
+              <a:buSzPct val="100000"/>
+              <a:buFont typeface="Times New Roman" panose="02020603050405020304" pitchFamily="18" charset="0"/>
+              <a:buNone/>
+              <a:tabLst/>
+            </a:pPr>
+            <a:endParaRPr kumimoji="0" lang="pt-BR" sz="1800" b="0" i="0" u="none" strike="noStrike" cap="none" normalizeH="0" baseline="0">
+              <a:ln>
+                <a:noFill/>
+              </a:ln>
+              <a:solidFill>
+                <a:schemeClr val="bg1"/>
+              </a:solidFill>
+              <a:effectLst/>
+              <a:latin typeface="Arial" panose="020B0604020202020204" pitchFamily="34" charset="0"/>
+              <a:ea typeface="Microsoft YaHei" panose="020B0503020204020204" pitchFamily="34" charset="-122"/>
+            </a:endParaRPr>
+          </a:p>
+        </p:txBody>
+      </p:sp>
+      <p:sp>
+        <p:nvSpPr>
+          <p:cNvPr id="13" name="Retângulo: Cantos Arredondados 12">
+            <a:extLst>
+              <a:ext uri="{FF2B5EF4-FFF2-40B4-BE49-F238E27FC236}">
+                <a16:creationId xmlns:a16="http://schemas.microsoft.com/office/drawing/2014/main" id="{948D4F16-3E96-889E-A3BA-0CBB51B0DE2F}"/>
+              </a:ext>
+            </a:extLst>
+          </p:cNvPr>
+          <p:cNvSpPr/>
+          <p:nvPr/>
+        </p:nvSpPr>
+        <p:spPr bwMode="auto">
+          <a:xfrm>
+            <a:off x="3096096" y="3577349"/>
+            <a:ext cx="1512168" cy="98765"/>
+          </a:xfrm>
+          <a:prstGeom prst="roundRect">
+            <a:avLst/>
+          </a:prstGeom>
+          <a:solidFill>
+            <a:srgbClr val="00B050"/>
+          </a:solidFill>
+          <a:ln w="9525" cap="flat" cmpd="sng" algn="ctr">
+            <a:solidFill>
+              <a:schemeClr val="tx1"/>
+            </a:solidFill>
+            <a:prstDash val="solid"/>
+            <a:round/>
+            <a:headEnd type="none" w="med" len="med"/>
+            <a:tailEnd type="none" w="med" len="med"/>
+          </a:ln>
+          <a:effectLst/>
+        </p:spPr>
+        <p:txBody>
+          <a:bodyPr vert="horz" wrap="square" lIns="91440" tIns="45720" rIns="91440" bIns="45720" numCol="1" rtlCol="0" anchor="t" anchorCtr="0" compatLnSpc="1">
+            <a:prstTxWarp prst="textNoShape">
+              <a:avLst/>
+            </a:prstTxWarp>
+          </a:bodyPr>
+          <a:lstStyle/>
+          <a:p>
+            <a:pPr marL="0" marR="0" indent="0" algn="l" defTabSz="449263" rtl="0" eaLnBrk="1" fontAlgn="base" latinLnBrk="0" hangingPunct="0">
+              <a:lnSpc>
+                <a:spcPct val="93000"/>
+              </a:lnSpc>
+              <a:spcBef>
+                <a:spcPct val="0"/>
+              </a:spcBef>
+              <a:spcAft>
+                <a:spcPct val="0"/>
+              </a:spcAft>
+              <a:buClr>
+                <a:srgbClr val="000000"/>
+              </a:buClr>
+              <a:buSzPct val="100000"/>
+              <a:buFont typeface="Times New Roman" panose="02020603050405020304" pitchFamily="18" charset="0"/>
+              <a:buNone/>
+              <a:tabLst/>
+            </a:pPr>
+            <a:endParaRPr kumimoji="0" lang="pt-BR" sz="1800" b="0" i="0" u="none" strike="noStrike" cap="none" normalizeH="0" baseline="0">
+              <a:ln>
+                <a:noFill/>
+              </a:ln>
+              <a:solidFill>
+                <a:schemeClr val="bg1"/>
+              </a:solidFill>
+              <a:effectLst/>
+              <a:latin typeface="Arial" panose="020B0604020202020204" pitchFamily="34" charset="0"/>
+              <a:ea typeface="Microsoft YaHei" panose="020B0503020204020204" pitchFamily="34" charset="-122"/>
+            </a:endParaRPr>
+          </a:p>
+        </p:txBody>
+      </p:sp>
+      <p:sp>
+        <p:nvSpPr>
+          <p:cNvPr id="2" name="CaixaDeTexto 1">
+            <a:extLst>
+              <a:ext uri="{FF2B5EF4-FFF2-40B4-BE49-F238E27FC236}">
+                <a16:creationId xmlns:a16="http://schemas.microsoft.com/office/drawing/2014/main" id="{B8171E99-E41B-F67B-512D-7B47435E8BA4}"/>
+              </a:ext>
+            </a:extLst>
+          </p:cNvPr>
+          <p:cNvSpPr txBox="1"/>
+          <p:nvPr/>
+        </p:nvSpPr>
+        <p:spPr>
+          <a:xfrm>
+            <a:off x="46796" y="2237463"/>
+            <a:ext cx="1584176" cy="369332"/>
+          </a:xfrm>
+          <a:prstGeom prst="rect">
+            <a:avLst/>
+          </a:prstGeom>
+          <a:noFill/>
+        </p:spPr>
+        <p:txBody>
+          <a:bodyPr wrap="square" rtlCol="0">
+            <a:spAutoFit/>
+          </a:bodyPr>
+          <a:lstStyle/>
+          <a:p>
+            <a:r>
+              <a:rPr lang="pt-BR" b="1" dirty="0">
+                <a:solidFill>
+                  <a:srgbClr val="FF0000"/>
+                </a:solidFill>
+                <a:latin typeface="Tahoma" panose="020B0604030504040204" pitchFamily="34" charset="0"/>
+                <a:ea typeface="Tahoma" panose="020B0604030504040204" pitchFamily="34" charset="0"/>
+                <a:cs typeface="Tahoma" panose="020B0604030504040204" pitchFamily="34" charset="0"/>
+              </a:rPr>
+              <a:t>No EDGE</a:t>
+            </a:r>
+          </a:p>
+        </p:txBody>
+      </p:sp>
     </p:spTree>
     <p:extLst>
       <p:ext uri="{BB962C8B-B14F-4D97-AF65-F5344CB8AC3E}">
@@ -26287,7 +24988,7 @@
 </p:sld>
 </file>
 
-<file path=ppt/slides/slide17.xml><?xml version="1.0" encoding="utf-8"?>
+<file path=ppt/slides/slide16.xml><?xml version="1.0" encoding="utf-8"?>
 <p:sld xmlns:a="http://schemas.openxmlformats.org/drawingml/2006/main" xmlns:r="http://schemas.openxmlformats.org/officeDocument/2006/relationships" xmlns:p="http://schemas.openxmlformats.org/presentationml/2006/main">
   <p:cSld>
     <p:bg>
@@ -27342,7 +26043,7 @@
         </p:nvSpPr>
         <p:spPr>
           <a:xfrm>
-            <a:off x="352648" y="2813012"/>
+            <a:off x="352648" y="2612827"/>
             <a:ext cx="4392488" cy="261610"/>
           </a:xfrm>
           <a:prstGeom prst="rect">
@@ -27424,7 +26125,7 @@
         </p:nvSpPr>
         <p:spPr>
           <a:xfrm>
-            <a:off x="352648" y="2558276"/>
+            <a:off x="352648" y="2403227"/>
             <a:ext cx="2556649" cy="276999"/>
           </a:xfrm>
           <a:prstGeom prst="rect">
@@ -27507,7 +26208,7 @@
         </p:nvSpPr>
         <p:spPr>
           <a:xfrm>
-            <a:off x="352648" y="3265450"/>
+            <a:off x="352648" y="2979291"/>
             <a:ext cx="4392488" cy="261610"/>
           </a:xfrm>
           <a:prstGeom prst="rect">
@@ -27589,7 +26290,7 @@
         </p:nvSpPr>
         <p:spPr>
           <a:xfrm>
-            <a:off x="352648" y="3010714"/>
+            <a:off x="352648" y="2810529"/>
             <a:ext cx="2556649" cy="276999"/>
           </a:xfrm>
           <a:prstGeom prst="rect">
@@ -27672,7 +26373,7 @@
         </p:nvSpPr>
         <p:spPr>
           <a:xfrm>
-            <a:off x="367857" y="3733277"/>
+            <a:off x="367857" y="3339331"/>
             <a:ext cx="4392488" cy="261610"/>
           </a:xfrm>
           <a:prstGeom prst="rect">
@@ -27754,7 +26455,7 @@
         </p:nvSpPr>
         <p:spPr>
           <a:xfrm>
-            <a:off x="367857" y="3478541"/>
+            <a:off x="367857" y="3134340"/>
             <a:ext cx="3160287" cy="276999"/>
           </a:xfrm>
           <a:prstGeom prst="rect">
@@ -27820,6 +26521,306 @@
               <a:ea typeface="Tahoma" panose="020B0604030504040204" pitchFamily="34" charset="0"/>
               <a:cs typeface="Tahoma" panose="020B0604030504040204" pitchFamily="34" charset="0"/>
             </a:endParaRPr>
+          </a:p>
+        </p:txBody>
+      </p:sp>
+      <p:sp>
+        <p:nvSpPr>
+          <p:cNvPr id="2" name="Retângulo: Cantos Arredondados 1">
+            <a:extLst>
+              <a:ext uri="{FF2B5EF4-FFF2-40B4-BE49-F238E27FC236}">
+                <a16:creationId xmlns:a16="http://schemas.microsoft.com/office/drawing/2014/main" id="{1D1EB09D-7121-8BB8-3020-17DA00798FBB}"/>
+              </a:ext>
+            </a:extLst>
+          </p:cNvPr>
+          <p:cNvSpPr/>
+          <p:nvPr/>
+        </p:nvSpPr>
+        <p:spPr bwMode="auto">
+          <a:xfrm>
+            <a:off x="3096096" y="2475235"/>
+            <a:ext cx="1512168" cy="98765"/>
+          </a:xfrm>
+          <a:prstGeom prst="roundRect">
+            <a:avLst/>
+          </a:prstGeom>
+          <a:solidFill>
+            <a:srgbClr val="FFFF00"/>
+          </a:solidFill>
+          <a:ln w="9525" cap="flat" cmpd="sng" algn="ctr">
+            <a:solidFill>
+              <a:schemeClr val="tx1"/>
+            </a:solidFill>
+            <a:prstDash val="solid"/>
+            <a:round/>
+            <a:headEnd type="none" w="med" len="med"/>
+            <a:tailEnd type="none" w="med" len="med"/>
+          </a:ln>
+          <a:effectLst/>
+        </p:spPr>
+        <p:txBody>
+          <a:bodyPr vert="horz" wrap="square" lIns="91440" tIns="45720" rIns="91440" bIns="45720" numCol="1" rtlCol="0" anchor="t" anchorCtr="0" compatLnSpc="1">
+            <a:prstTxWarp prst="textNoShape">
+              <a:avLst/>
+            </a:prstTxWarp>
+          </a:bodyPr>
+          <a:lstStyle/>
+          <a:p>
+            <a:pPr marL="0" marR="0" indent="0" algn="l" defTabSz="449263" rtl="0" eaLnBrk="1" fontAlgn="base" latinLnBrk="0" hangingPunct="0">
+              <a:lnSpc>
+                <a:spcPct val="93000"/>
+              </a:lnSpc>
+              <a:spcBef>
+                <a:spcPct val="0"/>
+              </a:spcBef>
+              <a:spcAft>
+                <a:spcPct val="0"/>
+              </a:spcAft>
+              <a:buClr>
+                <a:srgbClr val="000000"/>
+              </a:buClr>
+              <a:buSzPct val="100000"/>
+              <a:buFont typeface="Times New Roman" panose="02020603050405020304" pitchFamily="18" charset="0"/>
+              <a:buNone/>
+              <a:tabLst/>
+            </a:pPr>
+            <a:endParaRPr kumimoji="0" lang="pt-BR" sz="1800" b="0" i="0" u="none" strike="noStrike" cap="none" normalizeH="0" baseline="0">
+              <a:ln>
+                <a:noFill/>
+              </a:ln>
+              <a:solidFill>
+                <a:schemeClr val="bg1"/>
+              </a:solidFill>
+              <a:effectLst/>
+              <a:latin typeface="Arial" panose="020B0604020202020204" pitchFamily="34" charset="0"/>
+              <a:ea typeface="Microsoft YaHei" panose="020B0503020204020204" pitchFamily="34" charset="-122"/>
+            </a:endParaRPr>
+          </a:p>
+        </p:txBody>
+      </p:sp>
+      <p:sp>
+        <p:nvSpPr>
+          <p:cNvPr id="4" name="Retângulo: Cantos Arredondados 3">
+            <a:extLst>
+              <a:ext uri="{FF2B5EF4-FFF2-40B4-BE49-F238E27FC236}">
+                <a16:creationId xmlns:a16="http://schemas.microsoft.com/office/drawing/2014/main" id="{6C64A839-334F-0B91-CEE4-CF193C5FFE83}"/>
+              </a:ext>
+            </a:extLst>
+          </p:cNvPr>
+          <p:cNvSpPr/>
+          <p:nvPr/>
+        </p:nvSpPr>
+        <p:spPr bwMode="auto">
+          <a:xfrm>
+            <a:off x="3096096" y="2908133"/>
+            <a:ext cx="1512168" cy="98765"/>
+          </a:xfrm>
+          <a:prstGeom prst="roundRect">
+            <a:avLst/>
+          </a:prstGeom>
+          <a:solidFill>
+            <a:srgbClr val="FF0000"/>
+          </a:solidFill>
+          <a:ln w="9525" cap="flat" cmpd="sng" algn="ctr">
+            <a:solidFill>
+              <a:schemeClr val="tx1"/>
+            </a:solidFill>
+            <a:prstDash val="solid"/>
+            <a:round/>
+            <a:headEnd type="none" w="med" len="med"/>
+            <a:tailEnd type="none" w="med" len="med"/>
+          </a:ln>
+          <a:effectLst/>
+        </p:spPr>
+        <p:txBody>
+          <a:bodyPr vert="horz" wrap="square" lIns="91440" tIns="45720" rIns="91440" bIns="45720" numCol="1" rtlCol="0" anchor="t" anchorCtr="0" compatLnSpc="1">
+            <a:prstTxWarp prst="textNoShape">
+              <a:avLst/>
+            </a:prstTxWarp>
+          </a:bodyPr>
+          <a:lstStyle/>
+          <a:p>
+            <a:pPr marL="0" marR="0" indent="0" algn="l" defTabSz="449263" rtl="0" eaLnBrk="1" fontAlgn="base" latinLnBrk="0" hangingPunct="0">
+              <a:lnSpc>
+                <a:spcPct val="93000"/>
+              </a:lnSpc>
+              <a:spcBef>
+                <a:spcPct val="0"/>
+              </a:spcBef>
+              <a:spcAft>
+                <a:spcPct val="0"/>
+              </a:spcAft>
+              <a:buClr>
+                <a:srgbClr val="000000"/>
+              </a:buClr>
+              <a:buSzPct val="100000"/>
+              <a:buFont typeface="Times New Roman" panose="02020603050405020304" pitchFamily="18" charset="0"/>
+              <a:buNone/>
+              <a:tabLst/>
+            </a:pPr>
+            <a:endParaRPr kumimoji="0" lang="pt-BR" sz="1800" b="0" i="0" u="none" strike="noStrike" cap="none" normalizeH="0" baseline="0">
+              <a:ln>
+                <a:noFill/>
+              </a:ln>
+              <a:solidFill>
+                <a:schemeClr val="bg1"/>
+              </a:solidFill>
+              <a:effectLst/>
+              <a:latin typeface="Arial" panose="020B0604020202020204" pitchFamily="34" charset="0"/>
+              <a:ea typeface="Microsoft YaHei" panose="020B0503020204020204" pitchFamily="34" charset="-122"/>
+            </a:endParaRPr>
+          </a:p>
+        </p:txBody>
+      </p:sp>
+      <p:sp>
+        <p:nvSpPr>
+          <p:cNvPr id="11" name="Retângulo: Cantos Arredondados 10">
+            <a:extLst>
+              <a:ext uri="{FF2B5EF4-FFF2-40B4-BE49-F238E27FC236}">
+                <a16:creationId xmlns:a16="http://schemas.microsoft.com/office/drawing/2014/main" id="{A8556549-3965-B8BF-E1B8-060074D292B4}"/>
+              </a:ext>
+            </a:extLst>
+          </p:cNvPr>
+          <p:cNvSpPr/>
+          <p:nvPr/>
+        </p:nvSpPr>
+        <p:spPr bwMode="auto">
+          <a:xfrm>
+            <a:off x="3096096" y="3240566"/>
+            <a:ext cx="1512168" cy="98765"/>
+          </a:xfrm>
+          <a:prstGeom prst="roundRect">
+            <a:avLst/>
+          </a:prstGeom>
+          <a:solidFill>
+            <a:srgbClr val="00B050"/>
+          </a:solidFill>
+          <a:ln w="9525" cap="flat" cmpd="sng" algn="ctr">
+            <a:solidFill>
+              <a:schemeClr val="tx1"/>
+            </a:solidFill>
+            <a:prstDash val="solid"/>
+            <a:round/>
+            <a:headEnd type="none" w="med" len="med"/>
+            <a:tailEnd type="none" w="med" len="med"/>
+          </a:ln>
+          <a:effectLst/>
+        </p:spPr>
+        <p:txBody>
+          <a:bodyPr vert="horz" wrap="square" lIns="91440" tIns="45720" rIns="91440" bIns="45720" numCol="1" rtlCol="0" anchor="t" anchorCtr="0" compatLnSpc="1">
+            <a:prstTxWarp prst="textNoShape">
+              <a:avLst/>
+            </a:prstTxWarp>
+          </a:bodyPr>
+          <a:lstStyle/>
+          <a:p>
+            <a:pPr marL="0" marR="0" indent="0" algn="l" defTabSz="449263" rtl="0" eaLnBrk="1" fontAlgn="base" latinLnBrk="0" hangingPunct="0">
+              <a:lnSpc>
+                <a:spcPct val="93000"/>
+              </a:lnSpc>
+              <a:spcBef>
+                <a:spcPct val="0"/>
+              </a:spcBef>
+              <a:spcAft>
+                <a:spcPct val="0"/>
+              </a:spcAft>
+              <a:buClr>
+                <a:srgbClr val="000000"/>
+              </a:buClr>
+              <a:buSzPct val="100000"/>
+              <a:buFont typeface="Times New Roman" panose="02020603050405020304" pitchFamily="18" charset="0"/>
+              <a:buNone/>
+              <a:tabLst/>
+            </a:pPr>
+            <a:endParaRPr kumimoji="0" lang="pt-BR" sz="1800" b="0" i="0" u="none" strike="noStrike" cap="none" normalizeH="0" baseline="0">
+              <a:ln>
+                <a:noFill/>
+              </a:ln>
+              <a:solidFill>
+                <a:schemeClr val="bg1"/>
+              </a:solidFill>
+              <a:effectLst/>
+              <a:latin typeface="Arial" panose="020B0604020202020204" pitchFamily="34" charset="0"/>
+              <a:ea typeface="Microsoft YaHei" panose="020B0503020204020204" pitchFamily="34" charset="-122"/>
+            </a:endParaRPr>
+          </a:p>
+        </p:txBody>
+      </p:sp>
+      <p:pic>
+        <p:nvPicPr>
+          <p:cNvPr id="13" name="Imagem 12">
+            <a:extLst>
+              <a:ext uri="{FF2B5EF4-FFF2-40B4-BE49-F238E27FC236}">
+                <a16:creationId xmlns:a16="http://schemas.microsoft.com/office/drawing/2014/main" id="{0517C06C-BB83-0438-7892-8E2274653BDC}"/>
+              </a:ext>
+            </a:extLst>
+          </p:cNvPr>
+          <p:cNvPicPr>
+            <a:picLocks noChangeAspect="1"/>
+          </p:cNvPicPr>
+          <p:nvPr/>
+        </p:nvPicPr>
+        <p:blipFill>
+          <a:blip r:embed="rId4">
+            <a:extLst>
+              <a:ext uri="{28A0092B-C50C-407E-A947-70E740481C1C}">
+                <a14:useLocalDpi xmlns:a14="http://schemas.microsoft.com/office/drawing/2010/main" val="0"/>
+              </a:ext>
+            </a:extLst>
+          </a:blip>
+          <a:stretch>
+            <a:fillRect/>
+          </a:stretch>
+        </p:blipFill>
+        <p:spPr>
+          <a:xfrm>
+            <a:off x="1058115" y="3553924"/>
+            <a:ext cx="3982197" cy="2090103"/>
+          </a:xfrm>
+          <a:prstGeom prst="rect">
+            <a:avLst/>
+          </a:prstGeom>
+        </p:spPr>
+      </p:pic>
+      <p:sp>
+        <p:nvSpPr>
+          <p:cNvPr id="12" name="CaixaDeTexto 11">
+            <a:extLst>
+              <a:ext uri="{FF2B5EF4-FFF2-40B4-BE49-F238E27FC236}">
+                <a16:creationId xmlns:a16="http://schemas.microsoft.com/office/drawing/2014/main" id="{4E429922-1E34-0E64-C777-FB1B64CFEB31}"/>
+              </a:ext>
+            </a:extLst>
+          </p:cNvPr>
+          <p:cNvSpPr txBox="1"/>
+          <p:nvPr/>
+        </p:nvSpPr>
+        <p:spPr>
+          <a:xfrm>
+            <a:off x="31860" y="2100910"/>
+            <a:ext cx="1584176" cy="369332"/>
+          </a:xfrm>
+          <a:prstGeom prst="rect">
+            <a:avLst/>
+          </a:prstGeom>
+          <a:noFill/>
+        </p:spPr>
+        <p:txBody>
+          <a:bodyPr wrap="square" rtlCol="0">
+            <a:spAutoFit/>
+          </a:bodyPr>
+          <a:lstStyle/>
+          <a:p>
+            <a:r>
+              <a:rPr lang="pt-BR" b="1" dirty="0">
+                <a:solidFill>
+                  <a:srgbClr val="FF0000"/>
+                </a:solidFill>
+                <a:latin typeface="Tahoma" panose="020B0604030504040204" pitchFamily="34" charset="0"/>
+                <a:ea typeface="Tahoma" panose="020B0604030504040204" pitchFamily="34" charset="0"/>
+                <a:cs typeface="Tahoma" panose="020B0604030504040204" pitchFamily="34" charset="0"/>
+              </a:rPr>
+              <a:t>No EDGE</a:t>
+            </a:r>
           </a:p>
         </p:txBody>
       </p:sp>
@@ -27864,1040 +26865,7 @@
 </p:sld>
 </file>
 
-<file path=ppt/slides/slide18.xml><?xml version="1.0" encoding="utf-8"?>
-<p:sld xmlns:a="http://schemas.openxmlformats.org/drawingml/2006/main" xmlns:r="http://schemas.openxmlformats.org/officeDocument/2006/relationships" xmlns:p="http://schemas.openxmlformats.org/presentationml/2006/main">
-  <p:cSld>
-    <p:bg>
-      <p:bgPr>
-        <a:solidFill>
-          <a:srgbClr val="FFFFFF"/>
-        </a:solidFill>
-        <a:effectLst/>
-      </p:bgPr>
-    </p:bg>
-    <p:spTree>
-      <p:nvGrpSpPr>
-        <p:cNvPr id="1" name=""/>
-        <p:cNvGrpSpPr/>
-        <p:nvPr/>
-      </p:nvGrpSpPr>
-      <p:grpSpPr>
-        <a:xfrm>
-          <a:off x="0" y="0"/>
-          <a:ext cx="0" cy="0"/>
-          <a:chOff x="0" y="0"/>
-          <a:chExt cx="0" cy="0"/>
-        </a:xfrm>
-      </p:grpSpPr>
-      <p:pic>
-        <p:nvPicPr>
-          <p:cNvPr id="4" name="Imagem 3">
-            <a:extLst>
-              <a:ext uri="{FF2B5EF4-FFF2-40B4-BE49-F238E27FC236}">
-                <a16:creationId xmlns:a16="http://schemas.microsoft.com/office/drawing/2014/main" id="{FC7D675B-FA58-24B9-D100-54785A2DB290}"/>
-              </a:ext>
-            </a:extLst>
-          </p:cNvPr>
-          <p:cNvPicPr>
-            <a:picLocks noChangeAspect="1"/>
-          </p:cNvPicPr>
-          <p:nvPr/>
-        </p:nvPicPr>
-        <p:blipFill>
-          <a:blip r:embed="rId3">
-            <a:extLst>
-              <a:ext uri="{28A0092B-C50C-407E-A947-70E740481C1C}">
-                <a14:useLocalDpi xmlns:a14="http://schemas.microsoft.com/office/drawing/2010/main" val="0"/>
-              </a:ext>
-            </a:extLst>
-          </a:blip>
-          <a:stretch>
-            <a:fillRect/>
-          </a:stretch>
-        </p:blipFill>
-        <p:spPr>
-          <a:xfrm>
-            <a:off x="2317044" y="465232"/>
-            <a:ext cx="6768603" cy="5205318"/>
-          </a:xfrm>
-          <a:prstGeom prst="rect">
-            <a:avLst/>
-          </a:prstGeom>
-        </p:spPr>
-      </p:pic>
-      <p:sp>
-        <p:nvSpPr>
-          <p:cNvPr id="7170" name="Text Box 1">
-            <a:extLst>
-              <a:ext uri="{FF2B5EF4-FFF2-40B4-BE49-F238E27FC236}">
-                <a16:creationId xmlns:a16="http://schemas.microsoft.com/office/drawing/2014/main" id="{B93947CD-23D0-B633-66EF-6DA17C1494E6}"/>
-              </a:ext>
-            </a:extLst>
-          </p:cNvPr>
-          <p:cNvSpPr txBox="1">
-            <a:spLocks noChangeArrowheads="1"/>
-          </p:cNvSpPr>
-          <p:nvPr/>
-        </p:nvSpPr>
-        <p:spPr bwMode="auto">
-          <a:xfrm>
-            <a:off x="1007864" y="1258888"/>
-            <a:ext cx="8928991" cy="4213225"/>
-          </a:xfrm>
-          <a:prstGeom prst="rect">
-            <a:avLst/>
-          </a:prstGeom>
-          <a:noFill/>
-          <a:ln>
-            <a:noFill/>
-          </a:ln>
-          <a:effectLst/>
-          <a:extLst>
-            <a:ext uri="{909E8E84-426E-40DD-AFC4-6F175D3DCCD1}">
-              <a14:hiddenFill xmlns:a14="http://schemas.microsoft.com/office/drawing/2010/main">
-                <a:solidFill>
-                  <a:srgbClr val="FFFFFF"/>
-                </a:solidFill>
-              </a14:hiddenFill>
-            </a:ext>
-            <a:ext uri="{91240B29-F687-4F45-9708-019B960494DF}">
-              <a14:hiddenLine xmlns:a14="http://schemas.microsoft.com/office/drawing/2010/main" w="9525">
-                <a:solidFill>
-                  <a:srgbClr val="3465A4"/>
-                </a:solidFill>
-                <a:round/>
-                <a:headEnd/>
-                <a:tailEnd/>
-              </a14:hiddenLine>
-            </a:ext>
-            <a:ext uri="{AF507438-7753-43E0-B8FC-AC1667EBCBE1}">
-              <a14:hiddenEffects xmlns:a14="http://schemas.microsoft.com/office/drawing/2010/main">
-                <a:effectLst>
-                  <a:outerShdw dist="35921" dir="2700000" algn="ctr" rotWithShape="0">
-                    <a:srgbClr val="808080"/>
-                  </a:outerShdw>
-                </a:effectLst>
-              </a14:hiddenEffects>
-            </a:ext>
-          </a:extLst>
-        </p:spPr>
-        <p:txBody>
-          <a:bodyPr lIns="90000" tIns="45000" rIns="90000" bIns="45000"/>
-          <a:lstStyle>
-            <a:lvl1pPr marL="212725" indent="-212725">
-              <a:lnSpc>
-                <a:spcPct val="93000"/>
-              </a:lnSpc>
-              <a:buClr>
-                <a:srgbClr val="000000"/>
-              </a:buClr>
-              <a:buSzPct val="100000"/>
-              <a:buFont typeface="Times New Roman" panose="02020603050405020304" pitchFamily="18" charset="0"/>
-              <a:tabLst>
-                <a:tab pos="212725" algn="l"/>
-                <a:tab pos="660400" algn="l"/>
-                <a:tab pos="1109663" algn="l"/>
-                <a:tab pos="1558925" algn="l"/>
-                <a:tab pos="2008188" algn="l"/>
-                <a:tab pos="2457450" algn="l"/>
-                <a:tab pos="2906713" algn="l"/>
-                <a:tab pos="3355975" algn="l"/>
-                <a:tab pos="3805238" algn="l"/>
-                <a:tab pos="4254500" algn="l"/>
-                <a:tab pos="4703763" algn="l"/>
-                <a:tab pos="5153025" algn="l"/>
-                <a:tab pos="5602288" algn="l"/>
-                <a:tab pos="6051550" algn="l"/>
-                <a:tab pos="6500813" algn="l"/>
-                <a:tab pos="6950075" algn="l"/>
-                <a:tab pos="7399338" algn="l"/>
-                <a:tab pos="7848600" algn="l"/>
-                <a:tab pos="8297863" algn="l"/>
-                <a:tab pos="8747125" algn="l"/>
-                <a:tab pos="9196388" algn="l"/>
-              </a:tabLst>
-              <a:defRPr>
-                <a:solidFill>
-                  <a:schemeClr val="bg1"/>
-                </a:solidFill>
-                <a:latin typeface="Arial" panose="020B0604020202020204" pitchFamily="34" charset="0"/>
-                <a:ea typeface="Microsoft YaHei" panose="020B0503020204020204" pitchFamily="34" charset="-122"/>
-              </a:defRPr>
-            </a:lvl1pPr>
-            <a:lvl2pPr>
-              <a:lnSpc>
-                <a:spcPct val="93000"/>
-              </a:lnSpc>
-              <a:buClr>
-                <a:srgbClr val="000000"/>
-              </a:buClr>
-              <a:buSzPct val="100000"/>
-              <a:buFont typeface="Times New Roman" panose="02020603050405020304" pitchFamily="18" charset="0"/>
-              <a:tabLst>
-                <a:tab pos="212725" algn="l"/>
-                <a:tab pos="660400" algn="l"/>
-                <a:tab pos="1109663" algn="l"/>
-                <a:tab pos="1558925" algn="l"/>
-                <a:tab pos="2008188" algn="l"/>
-                <a:tab pos="2457450" algn="l"/>
-                <a:tab pos="2906713" algn="l"/>
-                <a:tab pos="3355975" algn="l"/>
-                <a:tab pos="3805238" algn="l"/>
-                <a:tab pos="4254500" algn="l"/>
-                <a:tab pos="4703763" algn="l"/>
-                <a:tab pos="5153025" algn="l"/>
-                <a:tab pos="5602288" algn="l"/>
-                <a:tab pos="6051550" algn="l"/>
-                <a:tab pos="6500813" algn="l"/>
-                <a:tab pos="6950075" algn="l"/>
-                <a:tab pos="7399338" algn="l"/>
-                <a:tab pos="7848600" algn="l"/>
-                <a:tab pos="8297863" algn="l"/>
-                <a:tab pos="8747125" algn="l"/>
-                <a:tab pos="9196388" algn="l"/>
-              </a:tabLst>
-              <a:defRPr>
-                <a:solidFill>
-                  <a:schemeClr val="bg1"/>
-                </a:solidFill>
-                <a:latin typeface="Arial" panose="020B0604020202020204" pitchFamily="34" charset="0"/>
-                <a:ea typeface="Microsoft YaHei" panose="020B0503020204020204" pitchFamily="34" charset="-122"/>
-              </a:defRPr>
-            </a:lvl2pPr>
-            <a:lvl3pPr>
-              <a:lnSpc>
-                <a:spcPct val="93000"/>
-              </a:lnSpc>
-              <a:buClr>
-                <a:srgbClr val="000000"/>
-              </a:buClr>
-              <a:buSzPct val="100000"/>
-              <a:buFont typeface="Times New Roman" panose="02020603050405020304" pitchFamily="18" charset="0"/>
-              <a:tabLst>
-                <a:tab pos="212725" algn="l"/>
-                <a:tab pos="660400" algn="l"/>
-                <a:tab pos="1109663" algn="l"/>
-                <a:tab pos="1558925" algn="l"/>
-                <a:tab pos="2008188" algn="l"/>
-                <a:tab pos="2457450" algn="l"/>
-                <a:tab pos="2906713" algn="l"/>
-                <a:tab pos="3355975" algn="l"/>
-                <a:tab pos="3805238" algn="l"/>
-                <a:tab pos="4254500" algn="l"/>
-                <a:tab pos="4703763" algn="l"/>
-                <a:tab pos="5153025" algn="l"/>
-                <a:tab pos="5602288" algn="l"/>
-                <a:tab pos="6051550" algn="l"/>
-                <a:tab pos="6500813" algn="l"/>
-                <a:tab pos="6950075" algn="l"/>
-                <a:tab pos="7399338" algn="l"/>
-                <a:tab pos="7848600" algn="l"/>
-                <a:tab pos="8297863" algn="l"/>
-                <a:tab pos="8747125" algn="l"/>
-                <a:tab pos="9196388" algn="l"/>
-              </a:tabLst>
-              <a:defRPr>
-                <a:solidFill>
-                  <a:schemeClr val="bg1"/>
-                </a:solidFill>
-                <a:latin typeface="Arial" panose="020B0604020202020204" pitchFamily="34" charset="0"/>
-                <a:ea typeface="Microsoft YaHei" panose="020B0503020204020204" pitchFamily="34" charset="-122"/>
-              </a:defRPr>
-            </a:lvl3pPr>
-            <a:lvl4pPr>
-              <a:lnSpc>
-                <a:spcPct val="93000"/>
-              </a:lnSpc>
-              <a:buClr>
-                <a:srgbClr val="000000"/>
-              </a:buClr>
-              <a:buSzPct val="100000"/>
-              <a:buFont typeface="Times New Roman" panose="02020603050405020304" pitchFamily="18" charset="0"/>
-              <a:tabLst>
-                <a:tab pos="212725" algn="l"/>
-                <a:tab pos="660400" algn="l"/>
-                <a:tab pos="1109663" algn="l"/>
-                <a:tab pos="1558925" algn="l"/>
-                <a:tab pos="2008188" algn="l"/>
-                <a:tab pos="2457450" algn="l"/>
-                <a:tab pos="2906713" algn="l"/>
-                <a:tab pos="3355975" algn="l"/>
-                <a:tab pos="3805238" algn="l"/>
-                <a:tab pos="4254500" algn="l"/>
-                <a:tab pos="4703763" algn="l"/>
-                <a:tab pos="5153025" algn="l"/>
-                <a:tab pos="5602288" algn="l"/>
-                <a:tab pos="6051550" algn="l"/>
-                <a:tab pos="6500813" algn="l"/>
-                <a:tab pos="6950075" algn="l"/>
-                <a:tab pos="7399338" algn="l"/>
-                <a:tab pos="7848600" algn="l"/>
-                <a:tab pos="8297863" algn="l"/>
-                <a:tab pos="8747125" algn="l"/>
-                <a:tab pos="9196388" algn="l"/>
-              </a:tabLst>
-              <a:defRPr>
-                <a:solidFill>
-                  <a:schemeClr val="bg1"/>
-                </a:solidFill>
-                <a:latin typeface="Arial" panose="020B0604020202020204" pitchFamily="34" charset="0"/>
-                <a:ea typeface="Microsoft YaHei" panose="020B0503020204020204" pitchFamily="34" charset="-122"/>
-              </a:defRPr>
-            </a:lvl4pPr>
-            <a:lvl5pPr>
-              <a:lnSpc>
-                <a:spcPct val="93000"/>
-              </a:lnSpc>
-              <a:buClr>
-                <a:srgbClr val="000000"/>
-              </a:buClr>
-              <a:buSzPct val="100000"/>
-              <a:buFont typeface="Times New Roman" panose="02020603050405020304" pitchFamily="18" charset="0"/>
-              <a:tabLst>
-                <a:tab pos="212725" algn="l"/>
-                <a:tab pos="660400" algn="l"/>
-                <a:tab pos="1109663" algn="l"/>
-                <a:tab pos="1558925" algn="l"/>
-                <a:tab pos="2008188" algn="l"/>
-                <a:tab pos="2457450" algn="l"/>
-                <a:tab pos="2906713" algn="l"/>
-                <a:tab pos="3355975" algn="l"/>
-                <a:tab pos="3805238" algn="l"/>
-                <a:tab pos="4254500" algn="l"/>
-                <a:tab pos="4703763" algn="l"/>
-                <a:tab pos="5153025" algn="l"/>
-                <a:tab pos="5602288" algn="l"/>
-                <a:tab pos="6051550" algn="l"/>
-                <a:tab pos="6500813" algn="l"/>
-                <a:tab pos="6950075" algn="l"/>
-                <a:tab pos="7399338" algn="l"/>
-                <a:tab pos="7848600" algn="l"/>
-                <a:tab pos="8297863" algn="l"/>
-                <a:tab pos="8747125" algn="l"/>
-                <a:tab pos="9196388" algn="l"/>
-              </a:tabLst>
-              <a:defRPr>
-                <a:solidFill>
-                  <a:schemeClr val="bg1"/>
-                </a:solidFill>
-                <a:latin typeface="Arial" panose="020B0604020202020204" pitchFamily="34" charset="0"/>
-                <a:ea typeface="Microsoft YaHei" panose="020B0503020204020204" pitchFamily="34" charset="-122"/>
-              </a:defRPr>
-            </a:lvl5pPr>
-            <a:lvl6pPr marL="2514600" indent="-228600" defTabSz="449263" eaLnBrk="0" fontAlgn="base" hangingPunct="0">
-              <a:lnSpc>
-                <a:spcPct val="93000"/>
-              </a:lnSpc>
-              <a:spcBef>
-                <a:spcPct val="0"/>
-              </a:spcBef>
-              <a:spcAft>
-                <a:spcPct val="0"/>
-              </a:spcAft>
-              <a:buClr>
-                <a:srgbClr val="000000"/>
-              </a:buClr>
-              <a:buSzPct val="100000"/>
-              <a:buFont typeface="Times New Roman" panose="02020603050405020304" pitchFamily="18" charset="0"/>
-              <a:tabLst>
-                <a:tab pos="212725" algn="l"/>
-                <a:tab pos="660400" algn="l"/>
-                <a:tab pos="1109663" algn="l"/>
-                <a:tab pos="1558925" algn="l"/>
-                <a:tab pos="2008188" algn="l"/>
-                <a:tab pos="2457450" algn="l"/>
-                <a:tab pos="2906713" algn="l"/>
-                <a:tab pos="3355975" algn="l"/>
-                <a:tab pos="3805238" algn="l"/>
-                <a:tab pos="4254500" algn="l"/>
-                <a:tab pos="4703763" algn="l"/>
-                <a:tab pos="5153025" algn="l"/>
-                <a:tab pos="5602288" algn="l"/>
-                <a:tab pos="6051550" algn="l"/>
-                <a:tab pos="6500813" algn="l"/>
-                <a:tab pos="6950075" algn="l"/>
-                <a:tab pos="7399338" algn="l"/>
-                <a:tab pos="7848600" algn="l"/>
-                <a:tab pos="8297863" algn="l"/>
-                <a:tab pos="8747125" algn="l"/>
-                <a:tab pos="9196388" algn="l"/>
-              </a:tabLst>
-              <a:defRPr>
-                <a:solidFill>
-                  <a:schemeClr val="bg1"/>
-                </a:solidFill>
-                <a:latin typeface="Arial" panose="020B0604020202020204" pitchFamily="34" charset="0"/>
-                <a:ea typeface="Microsoft YaHei" panose="020B0503020204020204" pitchFamily="34" charset="-122"/>
-              </a:defRPr>
-            </a:lvl6pPr>
-            <a:lvl7pPr marL="2971800" indent="-228600" defTabSz="449263" eaLnBrk="0" fontAlgn="base" hangingPunct="0">
-              <a:lnSpc>
-                <a:spcPct val="93000"/>
-              </a:lnSpc>
-              <a:spcBef>
-                <a:spcPct val="0"/>
-              </a:spcBef>
-              <a:spcAft>
-                <a:spcPct val="0"/>
-              </a:spcAft>
-              <a:buClr>
-                <a:srgbClr val="000000"/>
-              </a:buClr>
-              <a:buSzPct val="100000"/>
-              <a:buFont typeface="Times New Roman" panose="02020603050405020304" pitchFamily="18" charset="0"/>
-              <a:tabLst>
-                <a:tab pos="212725" algn="l"/>
-                <a:tab pos="660400" algn="l"/>
-                <a:tab pos="1109663" algn="l"/>
-                <a:tab pos="1558925" algn="l"/>
-                <a:tab pos="2008188" algn="l"/>
-                <a:tab pos="2457450" algn="l"/>
-                <a:tab pos="2906713" algn="l"/>
-                <a:tab pos="3355975" algn="l"/>
-                <a:tab pos="3805238" algn="l"/>
-                <a:tab pos="4254500" algn="l"/>
-                <a:tab pos="4703763" algn="l"/>
-                <a:tab pos="5153025" algn="l"/>
-                <a:tab pos="5602288" algn="l"/>
-                <a:tab pos="6051550" algn="l"/>
-                <a:tab pos="6500813" algn="l"/>
-                <a:tab pos="6950075" algn="l"/>
-                <a:tab pos="7399338" algn="l"/>
-                <a:tab pos="7848600" algn="l"/>
-                <a:tab pos="8297863" algn="l"/>
-                <a:tab pos="8747125" algn="l"/>
-                <a:tab pos="9196388" algn="l"/>
-              </a:tabLst>
-              <a:defRPr>
-                <a:solidFill>
-                  <a:schemeClr val="bg1"/>
-                </a:solidFill>
-                <a:latin typeface="Arial" panose="020B0604020202020204" pitchFamily="34" charset="0"/>
-                <a:ea typeface="Microsoft YaHei" panose="020B0503020204020204" pitchFamily="34" charset="-122"/>
-              </a:defRPr>
-            </a:lvl7pPr>
-            <a:lvl8pPr marL="3429000" indent="-228600" defTabSz="449263" eaLnBrk="0" fontAlgn="base" hangingPunct="0">
-              <a:lnSpc>
-                <a:spcPct val="93000"/>
-              </a:lnSpc>
-              <a:spcBef>
-                <a:spcPct val="0"/>
-              </a:spcBef>
-              <a:spcAft>
-                <a:spcPct val="0"/>
-              </a:spcAft>
-              <a:buClr>
-                <a:srgbClr val="000000"/>
-              </a:buClr>
-              <a:buSzPct val="100000"/>
-              <a:buFont typeface="Times New Roman" panose="02020603050405020304" pitchFamily="18" charset="0"/>
-              <a:tabLst>
-                <a:tab pos="212725" algn="l"/>
-                <a:tab pos="660400" algn="l"/>
-                <a:tab pos="1109663" algn="l"/>
-                <a:tab pos="1558925" algn="l"/>
-                <a:tab pos="2008188" algn="l"/>
-                <a:tab pos="2457450" algn="l"/>
-                <a:tab pos="2906713" algn="l"/>
-                <a:tab pos="3355975" algn="l"/>
-                <a:tab pos="3805238" algn="l"/>
-                <a:tab pos="4254500" algn="l"/>
-                <a:tab pos="4703763" algn="l"/>
-                <a:tab pos="5153025" algn="l"/>
-                <a:tab pos="5602288" algn="l"/>
-                <a:tab pos="6051550" algn="l"/>
-                <a:tab pos="6500813" algn="l"/>
-                <a:tab pos="6950075" algn="l"/>
-                <a:tab pos="7399338" algn="l"/>
-                <a:tab pos="7848600" algn="l"/>
-                <a:tab pos="8297863" algn="l"/>
-                <a:tab pos="8747125" algn="l"/>
-                <a:tab pos="9196388" algn="l"/>
-              </a:tabLst>
-              <a:defRPr>
-                <a:solidFill>
-                  <a:schemeClr val="bg1"/>
-                </a:solidFill>
-                <a:latin typeface="Arial" panose="020B0604020202020204" pitchFamily="34" charset="0"/>
-                <a:ea typeface="Microsoft YaHei" panose="020B0503020204020204" pitchFamily="34" charset="-122"/>
-              </a:defRPr>
-            </a:lvl8pPr>
-            <a:lvl9pPr marL="3886200" indent="-228600" defTabSz="449263" eaLnBrk="0" fontAlgn="base" hangingPunct="0">
-              <a:lnSpc>
-                <a:spcPct val="93000"/>
-              </a:lnSpc>
-              <a:spcBef>
-                <a:spcPct val="0"/>
-              </a:spcBef>
-              <a:spcAft>
-                <a:spcPct val="0"/>
-              </a:spcAft>
-              <a:buClr>
-                <a:srgbClr val="000000"/>
-              </a:buClr>
-              <a:buSzPct val="100000"/>
-              <a:buFont typeface="Times New Roman" panose="02020603050405020304" pitchFamily="18" charset="0"/>
-              <a:tabLst>
-                <a:tab pos="212725" algn="l"/>
-                <a:tab pos="660400" algn="l"/>
-                <a:tab pos="1109663" algn="l"/>
-                <a:tab pos="1558925" algn="l"/>
-                <a:tab pos="2008188" algn="l"/>
-                <a:tab pos="2457450" algn="l"/>
-                <a:tab pos="2906713" algn="l"/>
-                <a:tab pos="3355975" algn="l"/>
-                <a:tab pos="3805238" algn="l"/>
-                <a:tab pos="4254500" algn="l"/>
-                <a:tab pos="4703763" algn="l"/>
-                <a:tab pos="5153025" algn="l"/>
-                <a:tab pos="5602288" algn="l"/>
-                <a:tab pos="6051550" algn="l"/>
-                <a:tab pos="6500813" algn="l"/>
-                <a:tab pos="6950075" algn="l"/>
-                <a:tab pos="7399338" algn="l"/>
-                <a:tab pos="7848600" algn="l"/>
-                <a:tab pos="8297863" algn="l"/>
-                <a:tab pos="8747125" algn="l"/>
-                <a:tab pos="9196388" algn="l"/>
-              </a:tabLst>
-              <a:defRPr>
-                <a:solidFill>
-                  <a:schemeClr val="bg1"/>
-                </a:solidFill>
-                <a:latin typeface="Arial" panose="020B0604020202020204" pitchFamily="34" charset="0"/>
-                <a:ea typeface="Microsoft YaHei" panose="020B0503020204020204" pitchFamily="34" charset="-122"/>
-              </a:defRPr>
-            </a:lvl9pPr>
-          </a:lstStyle>
-          <a:p>
-            <a:pPr marL="457200" lvl="1" indent="0" eaLnBrk="1">
-              <a:lnSpc>
-                <a:spcPct val="101000"/>
-              </a:lnSpc>
-              <a:spcBef>
-                <a:spcPts val="288"/>
-              </a:spcBef>
-              <a:spcAft>
-                <a:spcPts val="288"/>
-              </a:spcAft>
-              <a:buSzPct val="45000"/>
-            </a:pPr>
-            <a:endParaRPr lang="pt-BR" altLang="pt-BR" sz="2000" dirty="0">
-              <a:solidFill>
-                <a:srgbClr val="666666"/>
-              </a:solidFill>
-              <a:latin typeface="Tahoma" panose="020B0604030504040204" pitchFamily="34" charset="0"/>
-            </a:endParaRPr>
-          </a:p>
-        </p:txBody>
-      </p:sp>
-      <p:sp>
-        <p:nvSpPr>
-          <p:cNvPr id="7171" name="Text Box 2">
-            <a:extLst>
-              <a:ext uri="{FF2B5EF4-FFF2-40B4-BE49-F238E27FC236}">
-                <a16:creationId xmlns:a16="http://schemas.microsoft.com/office/drawing/2014/main" id="{8153563F-8770-DA41-2325-7D60BF4D0DFE}"/>
-              </a:ext>
-            </a:extLst>
-          </p:cNvPr>
-          <p:cNvSpPr txBox="1">
-            <a:spLocks noChangeArrowheads="1"/>
-          </p:cNvSpPr>
-          <p:nvPr/>
-        </p:nvSpPr>
-        <p:spPr bwMode="auto">
-          <a:xfrm>
-            <a:off x="1655763" y="287338"/>
-            <a:ext cx="6408737" cy="519112"/>
-          </a:xfrm>
-          <a:prstGeom prst="rect">
-            <a:avLst/>
-          </a:prstGeom>
-          <a:noFill/>
-          <a:ln>
-            <a:noFill/>
-          </a:ln>
-          <a:effectLst/>
-          <a:extLst>
-            <a:ext uri="{909E8E84-426E-40DD-AFC4-6F175D3DCCD1}">
-              <a14:hiddenFill xmlns:a14="http://schemas.microsoft.com/office/drawing/2010/main">
-                <a:solidFill>
-                  <a:srgbClr val="FFFFFF"/>
-                </a:solidFill>
-              </a14:hiddenFill>
-            </a:ext>
-            <a:ext uri="{91240B29-F687-4F45-9708-019B960494DF}">
-              <a14:hiddenLine xmlns:a14="http://schemas.microsoft.com/office/drawing/2010/main" w="9525">
-                <a:solidFill>
-                  <a:srgbClr val="3465A4"/>
-                </a:solidFill>
-                <a:round/>
-                <a:headEnd/>
-                <a:tailEnd/>
-              </a14:hiddenLine>
-            </a:ext>
-            <a:ext uri="{AF507438-7753-43E0-B8FC-AC1667EBCBE1}">
-              <a14:hiddenEffects xmlns:a14="http://schemas.microsoft.com/office/drawing/2010/main">
-                <a:effectLst>
-                  <a:outerShdw dist="35921" dir="2700000" algn="ctr" rotWithShape="0">
-                    <a:srgbClr val="808080"/>
-                  </a:outerShdw>
-                </a:effectLst>
-              </a14:hiddenEffects>
-            </a:ext>
-          </a:extLst>
-        </p:spPr>
-        <p:txBody>
-          <a:bodyPr lIns="90000" tIns="45000" rIns="90000" bIns="45000"/>
-          <a:lstStyle>
-            <a:lvl1pPr>
-              <a:lnSpc>
-                <a:spcPct val="93000"/>
-              </a:lnSpc>
-              <a:buClr>
-                <a:srgbClr val="000000"/>
-              </a:buClr>
-              <a:buSzPct val="100000"/>
-              <a:buFont typeface="Times New Roman" panose="02020603050405020304" pitchFamily="18" charset="0"/>
-              <a:tabLst>
-                <a:tab pos="0" algn="l"/>
-                <a:tab pos="447675" algn="l"/>
-                <a:tab pos="896938" algn="l"/>
-                <a:tab pos="1346200" algn="l"/>
-                <a:tab pos="1795463" algn="l"/>
-                <a:tab pos="2244725" algn="l"/>
-                <a:tab pos="2693988" algn="l"/>
-                <a:tab pos="3143250" algn="l"/>
-                <a:tab pos="3592513" algn="l"/>
-                <a:tab pos="4041775" algn="l"/>
-                <a:tab pos="4491038" algn="l"/>
-                <a:tab pos="4940300" algn="l"/>
-                <a:tab pos="5389563" algn="l"/>
-                <a:tab pos="5838825" algn="l"/>
-                <a:tab pos="6288088" algn="l"/>
-                <a:tab pos="6737350" algn="l"/>
-                <a:tab pos="7186613" algn="l"/>
-                <a:tab pos="7635875" algn="l"/>
-                <a:tab pos="8085138" algn="l"/>
-                <a:tab pos="8534400" algn="l"/>
-                <a:tab pos="8983663" algn="l"/>
-              </a:tabLst>
-              <a:defRPr>
-                <a:solidFill>
-                  <a:schemeClr val="bg1"/>
-                </a:solidFill>
-                <a:latin typeface="Arial" panose="020B0604020202020204" pitchFamily="34" charset="0"/>
-                <a:ea typeface="Microsoft YaHei" panose="020B0503020204020204" pitchFamily="34" charset="-122"/>
-              </a:defRPr>
-            </a:lvl1pPr>
-            <a:lvl2pPr>
-              <a:lnSpc>
-                <a:spcPct val="93000"/>
-              </a:lnSpc>
-              <a:buClr>
-                <a:srgbClr val="000000"/>
-              </a:buClr>
-              <a:buSzPct val="100000"/>
-              <a:buFont typeface="Times New Roman" panose="02020603050405020304" pitchFamily="18" charset="0"/>
-              <a:tabLst>
-                <a:tab pos="0" algn="l"/>
-                <a:tab pos="447675" algn="l"/>
-                <a:tab pos="896938" algn="l"/>
-                <a:tab pos="1346200" algn="l"/>
-                <a:tab pos="1795463" algn="l"/>
-                <a:tab pos="2244725" algn="l"/>
-                <a:tab pos="2693988" algn="l"/>
-                <a:tab pos="3143250" algn="l"/>
-                <a:tab pos="3592513" algn="l"/>
-                <a:tab pos="4041775" algn="l"/>
-                <a:tab pos="4491038" algn="l"/>
-                <a:tab pos="4940300" algn="l"/>
-                <a:tab pos="5389563" algn="l"/>
-                <a:tab pos="5838825" algn="l"/>
-                <a:tab pos="6288088" algn="l"/>
-                <a:tab pos="6737350" algn="l"/>
-                <a:tab pos="7186613" algn="l"/>
-                <a:tab pos="7635875" algn="l"/>
-                <a:tab pos="8085138" algn="l"/>
-                <a:tab pos="8534400" algn="l"/>
-                <a:tab pos="8983663" algn="l"/>
-              </a:tabLst>
-              <a:defRPr>
-                <a:solidFill>
-                  <a:schemeClr val="bg1"/>
-                </a:solidFill>
-                <a:latin typeface="Arial" panose="020B0604020202020204" pitchFamily="34" charset="0"/>
-                <a:ea typeface="Microsoft YaHei" panose="020B0503020204020204" pitchFamily="34" charset="-122"/>
-              </a:defRPr>
-            </a:lvl2pPr>
-            <a:lvl3pPr>
-              <a:lnSpc>
-                <a:spcPct val="93000"/>
-              </a:lnSpc>
-              <a:buClr>
-                <a:srgbClr val="000000"/>
-              </a:buClr>
-              <a:buSzPct val="100000"/>
-              <a:buFont typeface="Times New Roman" panose="02020603050405020304" pitchFamily="18" charset="0"/>
-              <a:tabLst>
-                <a:tab pos="0" algn="l"/>
-                <a:tab pos="447675" algn="l"/>
-                <a:tab pos="896938" algn="l"/>
-                <a:tab pos="1346200" algn="l"/>
-                <a:tab pos="1795463" algn="l"/>
-                <a:tab pos="2244725" algn="l"/>
-                <a:tab pos="2693988" algn="l"/>
-                <a:tab pos="3143250" algn="l"/>
-                <a:tab pos="3592513" algn="l"/>
-                <a:tab pos="4041775" algn="l"/>
-                <a:tab pos="4491038" algn="l"/>
-                <a:tab pos="4940300" algn="l"/>
-                <a:tab pos="5389563" algn="l"/>
-                <a:tab pos="5838825" algn="l"/>
-                <a:tab pos="6288088" algn="l"/>
-                <a:tab pos="6737350" algn="l"/>
-                <a:tab pos="7186613" algn="l"/>
-                <a:tab pos="7635875" algn="l"/>
-                <a:tab pos="8085138" algn="l"/>
-                <a:tab pos="8534400" algn="l"/>
-                <a:tab pos="8983663" algn="l"/>
-              </a:tabLst>
-              <a:defRPr>
-                <a:solidFill>
-                  <a:schemeClr val="bg1"/>
-                </a:solidFill>
-                <a:latin typeface="Arial" panose="020B0604020202020204" pitchFamily="34" charset="0"/>
-                <a:ea typeface="Microsoft YaHei" panose="020B0503020204020204" pitchFamily="34" charset="-122"/>
-              </a:defRPr>
-            </a:lvl3pPr>
-            <a:lvl4pPr>
-              <a:lnSpc>
-                <a:spcPct val="93000"/>
-              </a:lnSpc>
-              <a:buClr>
-                <a:srgbClr val="000000"/>
-              </a:buClr>
-              <a:buSzPct val="100000"/>
-              <a:buFont typeface="Times New Roman" panose="02020603050405020304" pitchFamily="18" charset="0"/>
-              <a:tabLst>
-                <a:tab pos="0" algn="l"/>
-                <a:tab pos="447675" algn="l"/>
-                <a:tab pos="896938" algn="l"/>
-                <a:tab pos="1346200" algn="l"/>
-                <a:tab pos="1795463" algn="l"/>
-                <a:tab pos="2244725" algn="l"/>
-                <a:tab pos="2693988" algn="l"/>
-                <a:tab pos="3143250" algn="l"/>
-                <a:tab pos="3592513" algn="l"/>
-                <a:tab pos="4041775" algn="l"/>
-                <a:tab pos="4491038" algn="l"/>
-                <a:tab pos="4940300" algn="l"/>
-                <a:tab pos="5389563" algn="l"/>
-                <a:tab pos="5838825" algn="l"/>
-                <a:tab pos="6288088" algn="l"/>
-                <a:tab pos="6737350" algn="l"/>
-                <a:tab pos="7186613" algn="l"/>
-                <a:tab pos="7635875" algn="l"/>
-                <a:tab pos="8085138" algn="l"/>
-                <a:tab pos="8534400" algn="l"/>
-                <a:tab pos="8983663" algn="l"/>
-              </a:tabLst>
-              <a:defRPr>
-                <a:solidFill>
-                  <a:schemeClr val="bg1"/>
-                </a:solidFill>
-                <a:latin typeface="Arial" panose="020B0604020202020204" pitchFamily="34" charset="0"/>
-                <a:ea typeface="Microsoft YaHei" panose="020B0503020204020204" pitchFamily="34" charset="-122"/>
-              </a:defRPr>
-            </a:lvl4pPr>
-            <a:lvl5pPr>
-              <a:lnSpc>
-                <a:spcPct val="93000"/>
-              </a:lnSpc>
-              <a:buClr>
-                <a:srgbClr val="000000"/>
-              </a:buClr>
-              <a:buSzPct val="100000"/>
-              <a:buFont typeface="Times New Roman" panose="02020603050405020304" pitchFamily="18" charset="0"/>
-              <a:tabLst>
-                <a:tab pos="0" algn="l"/>
-                <a:tab pos="447675" algn="l"/>
-                <a:tab pos="896938" algn="l"/>
-                <a:tab pos="1346200" algn="l"/>
-                <a:tab pos="1795463" algn="l"/>
-                <a:tab pos="2244725" algn="l"/>
-                <a:tab pos="2693988" algn="l"/>
-                <a:tab pos="3143250" algn="l"/>
-                <a:tab pos="3592513" algn="l"/>
-                <a:tab pos="4041775" algn="l"/>
-                <a:tab pos="4491038" algn="l"/>
-                <a:tab pos="4940300" algn="l"/>
-                <a:tab pos="5389563" algn="l"/>
-                <a:tab pos="5838825" algn="l"/>
-                <a:tab pos="6288088" algn="l"/>
-                <a:tab pos="6737350" algn="l"/>
-                <a:tab pos="7186613" algn="l"/>
-                <a:tab pos="7635875" algn="l"/>
-                <a:tab pos="8085138" algn="l"/>
-                <a:tab pos="8534400" algn="l"/>
-                <a:tab pos="8983663" algn="l"/>
-              </a:tabLst>
-              <a:defRPr>
-                <a:solidFill>
-                  <a:schemeClr val="bg1"/>
-                </a:solidFill>
-                <a:latin typeface="Arial" panose="020B0604020202020204" pitchFamily="34" charset="0"/>
-                <a:ea typeface="Microsoft YaHei" panose="020B0503020204020204" pitchFamily="34" charset="-122"/>
-              </a:defRPr>
-            </a:lvl5pPr>
-            <a:lvl6pPr marL="2514600" indent="-228600" defTabSz="449263" eaLnBrk="0" fontAlgn="base" hangingPunct="0">
-              <a:lnSpc>
-                <a:spcPct val="93000"/>
-              </a:lnSpc>
-              <a:spcBef>
-                <a:spcPct val="0"/>
-              </a:spcBef>
-              <a:spcAft>
-                <a:spcPct val="0"/>
-              </a:spcAft>
-              <a:buClr>
-                <a:srgbClr val="000000"/>
-              </a:buClr>
-              <a:buSzPct val="100000"/>
-              <a:buFont typeface="Times New Roman" panose="02020603050405020304" pitchFamily="18" charset="0"/>
-              <a:tabLst>
-                <a:tab pos="0" algn="l"/>
-                <a:tab pos="447675" algn="l"/>
-                <a:tab pos="896938" algn="l"/>
-                <a:tab pos="1346200" algn="l"/>
-                <a:tab pos="1795463" algn="l"/>
-                <a:tab pos="2244725" algn="l"/>
-                <a:tab pos="2693988" algn="l"/>
-                <a:tab pos="3143250" algn="l"/>
-                <a:tab pos="3592513" algn="l"/>
-                <a:tab pos="4041775" algn="l"/>
-                <a:tab pos="4491038" algn="l"/>
-                <a:tab pos="4940300" algn="l"/>
-                <a:tab pos="5389563" algn="l"/>
-                <a:tab pos="5838825" algn="l"/>
-                <a:tab pos="6288088" algn="l"/>
-                <a:tab pos="6737350" algn="l"/>
-                <a:tab pos="7186613" algn="l"/>
-                <a:tab pos="7635875" algn="l"/>
-                <a:tab pos="8085138" algn="l"/>
-                <a:tab pos="8534400" algn="l"/>
-                <a:tab pos="8983663" algn="l"/>
-              </a:tabLst>
-              <a:defRPr>
-                <a:solidFill>
-                  <a:schemeClr val="bg1"/>
-                </a:solidFill>
-                <a:latin typeface="Arial" panose="020B0604020202020204" pitchFamily="34" charset="0"/>
-                <a:ea typeface="Microsoft YaHei" panose="020B0503020204020204" pitchFamily="34" charset="-122"/>
-              </a:defRPr>
-            </a:lvl6pPr>
-            <a:lvl7pPr marL="2971800" indent="-228600" defTabSz="449263" eaLnBrk="0" fontAlgn="base" hangingPunct="0">
-              <a:lnSpc>
-                <a:spcPct val="93000"/>
-              </a:lnSpc>
-              <a:spcBef>
-                <a:spcPct val="0"/>
-              </a:spcBef>
-              <a:spcAft>
-                <a:spcPct val="0"/>
-              </a:spcAft>
-              <a:buClr>
-                <a:srgbClr val="000000"/>
-              </a:buClr>
-              <a:buSzPct val="100000"/>
-              <a:buFont typeface="Times New Roman" panose="02020603050405020304" pitchFamily="18" charset="0"/>
-              <a:tabLst>
-                <a:tab pos="0" algn="l"/>
-                <a:tab pos="447675" algn="l"/>
-                <a:tab pos="896938" algn="l"/>
-                <a:tab pos="1346200" algn="l"/>
-                <a:tab pos="1795463" algn="l"/>
-                <a:tab pos="2244725" algn="l"/>
-                <a:tab pos="2693988" algn="l"/>
-                <a:tab pos="3143250" algn="l"/>
-                <a:tab pos="3592513" algn="l"/>
-                <a:tab pos="4041775" algn="l"/>
-                <a:tab pos="4491038" algn="l"/>
-                <a:tab pos="4940300" algn="l"/>
-                <a:tab pos="5389563" algn="l"/>
-                <a:tab pos="5838825" algn="l"/>
-                <a:tab pos="6288088" algn="l"/>
-                <a:tab pos="6737350" algn="l"/>
-                <a:tab pos="7186613" algn="l"/>
-                <a:tab pos="7635875" algn="l"/>
-                <a:tab pos="8085138" algn="l"/>
-                <a:tab pos="8534400" algn="l"/>
-                <a:tab pos="8983663" algn="l"/>
-              </a:tabLst>
-              <a:defRPr>
-                <a:solidFill>
-                  <a:schemeClr val="bg1"/>
-                </a:solidFill>
-                <a:latin typeface="Arial" panose="020B0604020202020204" pitchFamily="34" charset="0"/>
-                <a:ea typeface="Microsoft YaHei" panose="020B0503020204020204" pitchFamily="34" charset="-122"/>
-              </a:defRPr>
-            </a:lvl7pPr>
-            <a:lvl8pPr marL="3429000" indent="-228600" defTabSz="449263" eaLnBrk="0" fontAlgn="base" hangingPunct="0">
-              <a:lnSpc>
-                <a:spcPct val="93000"/>
-              </a:lnSpc>
-              <a:spcBef>
-                <a:spcPct val="0"/>
-              </a:spcBef>
-              <a:spcAft>
-                <a:spcPct val="0"/>
-              </a:spcAft>
-              <a:buClr>
-                <a:srgbClr val="000000"/>
-              </a:buClr>
-              <a:buSzPct val="100000"/>
-              <a:buFont typeface="Times New Roman" panose="02020603050405020304" pitchFamily="18" charset="0"/>
-              <a:tabLst>
-                <a:tab pos="0" algn="l"/>
-                <a:tab pos="447675" algn="l"/>
-                <a:tab pos="896938" algn="l"/>
-                <a:tab pos="1346200" algn="l"/>
-                <a:tab pos="1795463" algn="l"/>
-                <a:tab pos="2244725" algn="l"/>
-                <a:tab pos="2693988" algn="l"/>
-                <a:tab pos="3143250" algn="l"/>
-                <a:tab pos="3592513" algn="l"/>
-                <a:tab pos="4041775" algn="l"/>
-                <a:tab pos="4491038" algn="l"/>
-                <a:tab pos="4940300" algn="l"/>
-                <a:tab pos="5389563" algn="l"/>
-                <a:tab pos="5838825" algn="l"/>
-                <a:tab pos="6288088" algn="l"/>
-                <a:tab pos="6737350" algn="l"/>
-                <a:tab pos="7186613" algn="l"/>
-                <a:tab pos="7635875" algn="l"/>
-                <a:tab pos="8085138" algn="l"/>
-                <a:tab pos="8534400" algn="l"/>
-                <a:tab pos="8983663" algn="l"/>
-              </a:tabLst>
-              <a:defRPr>
-                <a:solidFill>
-                  <a:schemeClr val="bg1"/>
-                </a:solidFill>
-                <a:latin typeface="Arial" panose="020B0604020202020204" pitchFamily="34" charset="0"/>
-                <a:ea typeface="Microsoft YaHei" panose="020B0503020204020204" pitchFamily="34" charset="-122"/>
-              </a:defRPr>
-            </a:lvl8pPr>
-            <a:lvl9pPr marL="3886200" indent="-228600" defTabSz="449263" eaLnBrk="0" fontAlgn="base" hangingPunct="0">
-              <a:lnSpc>
-                <a:spcPct val="93000"/>
-              </a:lnSpc>
-              <a:spcBef>
-                <a:spcPct val="0"/>
-              </a:spcBef>
-              <a:spcAft>
-                <a:spcPct val="0"/>
-              </a:spcAft>
-              <a:buClr>
-                <a:srgbClr val="000000"/>
-              </a:buClr>
-              <a:buSzPct val="100000"/>
-              <a:buFont typeface="Times New Roman" panose="02020603050405020304" pitchFamily="18" charset="0"/>
-              <a:tabLst>
-                <a:tab pos="0" algn="l"/>
-                <a:tab pos="447675" algn="l"/>
-                <a:tab pos="896938" algn="l"/>
-                <a:tab pos="1346200" algn="l"/>
-                <a:tab pos="1795463" algn="l"/>
-                <a:tab pos="2244725" algn="l"/>
-                <a:tab pos="2693988" algn="l"/>
-                <a:tab pos="3143250" algn="l"/>
-                <a:tab pos="3592513" algn="l"/>
-                <a:tab pos="4041775" algn="l"/>
-                <a:tab pos="4491038" algn="l"/>
-                <a:tab pos="4940300" algn="l"/>
-                <a:tab pos="5389563" algn="l"/>
-                <a:tab pos="5838825" algn="l"/>
-                <a:tab pos="6288088" algn="l"/>
-                <a:tab pos="6737350" algn="l"/>
-                <a:tab pos="7186613" algn="l"/>
-                <a:tab pos="7635875" algn="l"/>
-                <a:tab pos="8085138" algn="l"/>
-                <a:tab pos="8534400" algn="l"/>
-                <a:tab pos="8983663" algn="l"/>
-              </a:tabLst>
-              <a:defRPr>
-                <a:solidFill>
-                  <a:schemeClr val="bg1"/>
-                </a:solidFill>
-                <a:latin typeface="Arial" panose="020B0604020202020204" pitchFamily="34" charset="0"/>
-                <a:ea typeface="Microsoft YaHei" panose="020B0503020204020204" pitchFamily="34" charset="-122"/>
-              </a:defRPr>
-            </a:lvl9pPr>
-          </a:lstStyle>
-          <a:p>
-            <a:pPr eaLnBrk="1">
-              <a:lnSpc>
-                <a:spcPct val="101000"/>
-              </a:lnSpc>
-              <a:buClrTx/>
-              <a:buFontTx/>
-              <a:buNone/>
-            </a:pPr>
-            <a:r>
-              <a:rPr lang="pt-BR" altLang="pt-BR" sz="2800" b="1" dirty="0">
-                <a:solidFill>
-                  <a:srgbClr val="007826"/>
-                </a:solidFill>
-                <a:latin typeface="Tahoma" panose="020B0604030504040204" pitchFamily="34" charset="0"/>
-              </a:rPr>
-              <a:t>Experimentos [3]</a:t>
-            </a:r>
-          </a:p>
-        </p:txBody>
-      </p:sp>
-    </p:spTree>
-    <p:extLst>
-      <p:ext uri="{BB962C8B-B14F-4D97-AF65-F5344CB8AC3E}">
-        <p14:creationId xmlns:p14="http://schemas.microsoft.com/office/powerpoint/2010/main" val="2435859607"/>
-      </p:ext>
-    </p:extLst>
-  </p:cSld>
-  <p:clrMapOvr>
-    <a:masterClrMapping/>
-  </p:clrMapOvr>
-  <p:transition spd="med"/>
-  <p:timing>
-    <p:tnLst>
-      <p:par>
-        <p:cTn id="1" dur="indefinite" restart="never" nodeType="tmRoot">
-          <p:childTnLst>
-            <p:seq concurrent="1" nextAc="seek">
-              <p:cTn id="2" dur="indefinite" nodeType="mainSeq"/>
-              <p:prevCondLst>
-                <p:cond evt="onPrev" delay="0">
-                  <p:tgtEl>
-                    <p:sldTgt/>
-                  </p:tgtEl>
-                </p:cond>
-              </p:prevCondLst>
-              <p:nextCondLst>
-                <p:cond evt="onNext" delay="0">
-                  <p:tgtEl>
-                    <p:sldTgt/>
-                  </p:tgtEl>
-                </p:cond>
-              </p:nextCondLst>
-            </p:seq>
-          </p:childTnLst>
-        </p:cTn>
-      </p:par>
-    </p:tnLst>
-  </p:timing>
-</p:sld>
-</file>
-
-<file path=ppt/slides/slide19.xml><?xml version="1.0" encoding="utf-8"?>
+<file path=ppt/slides/slide17.xml><?xml version="1.0" encoding="utf-8"?>
 <p:sld xmlns:a="http://schemas.openxmlformats.org/drawingml/2006/main" xmlns:r="http://schemas.openxmlformats.org/officeDocument/2006/relationships" xmlns:p="http://schemas.openxmlformats.org/presentationml/2006/main">
   <p:cSld>
     <p:bg>
@@ -30187,6 +28155,1236 @@
       </p:par>
     </p:tnLst>
   </p:timing>
+</p:sld>
+</file>
+
+<file path=ppt/slides/slide18.xml><?xml version="1.0" encoding="utf-8"?>
+<p:sld xmlns:a="http://schemas.openxmlformats.org/drawingml/2006/main" xmlns:r="http://schemas.openxmlformats.org/officeDocument/2006/relationships" xmlns:p="http://schemas.openxmlformats.org/presentationml/2006/main">
+  <p:cSld>
+    <p:spTree>
+      <p:nvGrpSpPr>
+        <p:cNvPr id="1" name=""/>
+        <p:cNvGrpSpPr/>
+        <p:nvPr/>
+      </p:nvGrpSpPr>
+      <p:grpSpPr>
+        <a:xfrm>
+          <a:off x="0" y="0"/>
+          <a:ext cx="0" cy="0"/>
+          <a:chOff x="0" y="0"/>
+          <a:chExt cx="0" cy="0"/>
+        </a:xfrm>
+      </p:grpSpPr>
+      <p:sp>
+        <p:nvSpPr>
+          <p:cNvPr id="12" name="Rectangle 2">
+            <a:extLst>
+              <a:ext uri="{FF2B5EF4-FFF2-40B4-BE49-F238E27FC236}">
+                <a16:creationId xmlns:a16="http://schemas.microsoft.com/office/drawing/2014/main" id="{68E745BD-0F00-D9F9-E40F-0D2E13781379}"/>
+              </a:ext>
+            </a:extLst>
+          </p:cNvPr>
+          <p:cNvSpPr>
+            <a:spLocks noChangeArrowheads="1"/>
+          </p:cNvSpPr>
+          <p:nvPr/>
+        </p:nvSpPr>
+        <p:spPr bwMode="auto">
+          <a:xfrm>
+            <a:off x="-6640" y="-4514"/>
+            <a:ext cx="10081913" cy="535533"/>
+          </a:xfrm>
+          <a:prstGeom prst="rect">
+            <a:avLst/>
+          </a:prstGeom>
+          <a:solidFill>
+            <a:srgbClr val="00B050">
+              <a:alpha val="79999"/>
+            </a:srgbClr>
+          </a:solidFill>
+          <a:ln w="9360">
+            <a:solidFill>
+              <a:srgbClr val="FFFFFF"/>
+            </a:solidFill>
+            <a:round/>
+            <a:headEnd/>
+            <a:tailEnd/>
+          </a:ln>
+          <a:effectLst/>
+        </p:spPr>
+        <p:txBody>
+          <a:bodyPr wrap="none" anchor="ctr"/>
+          <a:lstStyle/>
+          <a:p>
+            <a:pPr eaLnBrk="1">
+              <a:lnSpc>
+                <a:spcPct val="93000"/>
+              </a:lnSpc>
+              <a:buClr>
+                <a:srgbClr val="000000"/>
+              </a:buClr>
+              <a:buSzPct val="100000"/>
+              <a:buFont typeface="Times New Roman" panose="02020603050405020304" pitchFamily="18" charset="0"/>
+              <a:buNone/>
+            </a:pPr>
+            <a:endParaRPr lang="pt-BR" altLang="pt-BR"/>
+          </a:p>
+        </p:txBody>
+      </p:sp>
+      <p:sp>
+        <p:nvSpPr>
+          <p:cNvPr id="4" name="Rectangle 2">
+            <a:extLst>
+              <a:ext uri="{FF2B5EF4-FFF2-40B4-BE49-F238E27FC236}">
+                <a16:creationId xmlns:a16="http://schemas.microsoft.com/office/drawing/2014/main" id="{F4C0A26A-3F25-0085-76BC-3EF40A529538}"/>
+              </a:ext>
+            </a:extLst>
+          </p:cNvPr>
+          <p:cNvSpPr>
+            <a:spLocks noChangeArrowheads="1"/>
+          </p:cNvSpPr>
+          <p:nvPr/>
+        </p:nvSpPr>
+        <p:spPr bwMode="auto">
+          <a:xfrm>
+            <a:off x="818" y="963067"/>
+            <a:ext cx="10075274" cy="3528393"/>
+          </a:xfrm>
+          <a:prstGeom prst="rect">
+            <a:avLst/>
+          </a:prstGeom>
+          <a:solidFill>
+            <a:srgbClr val="FFFFFF">
+              <a:alpha val="79999"/>
+            </a:srgbClr>
+          </a:solidFill>
+          <a:ln w="9360">
+            <a:solidFill>
+              <a:srgbClr val="FFFFFF"/>
+            </a:solidFill>
+            <a:round/>
+            <a:headEnd/>
+            <a:tailEnd/>
+          </a:ln>
+          <a:effectLst/>
+          <a:extLst>
+            <a:ext uri="{AF507438-7753-43E0-B8FC-AC1667EBCBE1}">
+              <a14:hiddenEffects xmlns:a14="http://schemas.microsoft.com/office/drawing/2010/main">
+                <a:effectLst>
+                  <a:outerShdw dist="35921" dir="2700000" algn="ctr" rotWithShape="0">
+                    <a:srgbClr val="808080"/>
+                  </a:outerShdw>
+                </a:effectLst>
+              </a14:hiddenEffects>
+            </a:ext>
+          </a:extLst>
+        </p:spPr>
+        <p:txBody>
+          <a:bodyPr wrap="none" anchor="ctr"/>
+          <a:lstStyle/>
+          <a:p>
+            <a:pPr eaLnBrk="1">
+              <a:lnSpc>
+                <a:spcPct val="93000"/>
+              </a:lnSpc>
+              <a:buClr>
+                <a:srgbClr val="000000"/>
+              </a:buClr>
+              <a:buSzPct val="100000"/>
+              <a:buFont typeface="Times New Roman" panose="02020603050405020304" pitchFamily="18" charset="0"/>
+              <a:buNone/>
+            </a:pPr>
+            <a:endParaRPr lang="pt-BR" altLang="pt-BR"/>
+          </a:p>
+        </p:txBody>
+      </p:sp>
+      <p:sp>
+        <p:nvSpPr>
+          <p:cNvPr id="5" name="Text Box 3">
+            <a:extLst>
+              <a:ext uri="{FF2B5EF4-FFF2-40B4-BE49-F238E27FC236}">
+                <a16:creationId xmlns:a16="http://schemas.microsoft.com/office/drawing/2014/main" id="{C4F2571F-BD02-5F20-6F9A-80DCA0DA2837}"/>
+              </a:ext>
+            </a:extLst>
+          </p:cNvPr>
+          <p:cNvSpPr txBox="1">
+            <a:spLocks noChangeArrowheads="1"/>
+          </p:cNvSpPr>
+          <p:nvPr/>
+        </p:nvSpPr>
+        <p:spPr bwMode="auto">
+          <a:xfrm>
+            <a:off x="-57729" y="985565"/>
+            <a:ext cx="9869628" cy="1557214"/>
+          </a:xfrm>
+          <a:prstGeom prst="rect">
+            <a:avLst/>
+          </a:prstGeom>
+          <a:noFill/>
+          <a:ln>
+            <a:noFill/>
+          </a:ln>
+          <a:effectLst/>
+          <a:extLst>
+            <a:ext uri="{909E8E84-426E-40DD-AFC4-6F175D3DCCD1}">
+              <a14:hiddenFill xmlns:a14="http://schemas.microsoft.com/office/drawing/2010/main">
+                <a:solidFill>
+                  <a:srgbClr val="FFFFFF"/>
+                </a:solidFill>
+              </a14:hiddenFill>
+            </a:ext>
+            <a:ext uri="{91240B29-F687-4F45-9708-019B960494DF}">
+              <a14:hiddenLine xmlns:a14="http://schemas.microsoft.com/office/drawing/2010/main" w="9525">
+                <a:solidFill>
+                  <a:srgbClr val="3465A4"/>
+                </a:solidFill>
+                <a:round/>
+                <a:headEnd/>
+                <a:tailEnd/>
+              </a14:hiddenLine>
+            </a:ext>
+            <a:ext uri="{AF507438-7753-43E0-B8FC-AC1667EBCBE1}">
+              <a14:hiddenEffects xmlns:a14="http://schemas.microsoft.com/office/drawing/2010/main">
+                <a:effectLst>
+                  <a:outerShdw dist="35921" dir="2700000" algn="ctr" rotWithShape="0">
+                    <a:srgbClr val="808080"/>
+                  </a:outerShdw>
+                </a:effectLst>
+              </a14:hiddenEffects>
+            </a:ext>
+          </a:extLst>
+        </p:spPr>
+        <p:txBody>
+          <a:bodyPr lIns="90000" tIns="45000" rIns="90000" bIns="45000"/>
+          <a:lstStyle>
+            <a:lvl1pPr>
+              <a:lnSpc>
+                <a:spcPct val="93000"/>
+              </a:lnSpc>
+              <a:buClr>
+                <a:srgbClr val="000000"/>
+              </a:buClr>
+              <a:buSzPct val="100000"/>
+              <a:buFont typeface="Times New Roman" panose="02020603050405020304" pitchFamily="18" charset="0"/>
+              <a:tabLst>
+                <a:tab pos="0" algn="l"/>
+                <a:tab pos="447675" algn="l"/>
+                <a:tab pos="896938" algn="l"/>
+                <a:tab pos="1346200" algn="l"/>
+                <a:tab pos="1795463" algn="l"/>
+                <a:tab pos="2244725" algn="l"/>
+                <a:tab pos="2693988" algn="l"/>
+                <a:tab pos="3143250" algn="l"/>
+                <a:tab pos="3592513" algn="l"/>
+                <a:tab pos="4041775" algn="l"/>
+                <a:tab pos="4491038" algn="l"/>
+                <a:tab pos="4940300" algn="l"/>
+                <a:tab pos="5389563" algn="l"/>
+                <a:tab pos="5838825" algn="l"/>
+                <a:tab pos="6288088" algn="l"/>
+                <a:tab pos="6737350" algn="l"/>
+                <a:tab pos="7186613" algn="l"/>
+                <a:tab pos="7635875" algn="l"/>
+                <a:tab pos="8085138" algn="l"/>
+                <a:tab pos="8534400" algn="l"/>
+                <a:tab pos="8983663" algn="l"/>
+              </a:tabLst>
+              <a:defRPr>
+                <a:solidFill>
+                  <a:schemeClr val="bg1"/>
+                </a:solidFill>
+                <a:latin typeface="Arial" panose="020B0604020202020204" pitchFamily="34" charset="0"/>
+                <a:ea typeface="Microsoft YaHei" panose="020B0503020204020204" pitchFamily="34" charset="-122"/>
+              </a:defRPr>
+            </a:lvl1pPr>
+            <a:lvl2pPr>
+              <a:lnSpc>
+                <a:spcPct val="93000"/>
+              </a:lnSpc>
+              <a:buClr>
+                <a:srgbClr val="000000"/>
+              </a:buClr>
+              <a:buSzPct val="100000"/>
+              <a:buFont typeface="Times New Roman" panose="02020603050405020304" pitchFamily="18" charset="0"/>
+              <a:tabLst>
+                <a:tab pos="0" algn="l"/>
+                <a:tab pos="447675" algn="l"/>
+                <a:tab pos="896938" algn="l"/>
+                <a:tab pos="1346200" algn="l"/>
+                <a:tab pos="1795463" algn="l"/>
+                <a:tab pos="2244725" algn="l"/>
+                <a:tab pos="2693988" algn="l"/>
+                <a:tab pos="3143250" algn="l"/>
+                <a:tab pos="3592513" algn="l"/>
+                <a:tab pos="4041775" algn="l"/>
+                <a:tab pos="4491038" algn="l"/>
+                <a:tab pos="4940300" algn="l"/>
+                <a:tab pos="5389563" algn="l"/>
+                <a:tab pos="5838825" algn="l"/>
+                <a:tab pos="6288088" algn="l"/>
+                <a:tab pos="6737350" algn="l"/>
+                <a:tab pos="7186613" algn="l"/>
+                <a:tab pos="7635875" algn="l"/>
+                <a:tab pos="8085138" algn="l"/>
+                <a:tab pos="8534400" algn="l"/>
+                <a:tab pos="8983663" algn="l"/>
+              </a:tabLst>
+              <a:defRPr>
+                <a:solidFill>
+                  <a:schemeClr val="bg1"/>
+                </a:solidFill>
+                <a:latin typeface="Arial" panose="020B0604020202020204" pitchFamily="34" charset="0"/>
+                <a:ea typeface="Microsoft YaHei" panose="020B0503020204020204" pitchFamily="34" charset="-122"/>
+              </a:defRPr>
+            </a:lvl2pPr>
+            <a:lvl3pPr>
+              <a:lnSpc>
+                <a:spcPct val="93000"/>
+              </a:lnSpc>
+              <a:buClr>
+                <a:srgbClr val="000000"/>
+              </a:buClr>
+              <a:buSzPct val="100000"/>
+              <a:buFont typeface="Times New Roman" panose="02020603050405020304" pitchFamily="18" charset="0"/>
+              <a:tabLst>
+                <a:tab pos="0" algn="l"/>
+                <a:tab pos="447675" algn="l"/>
+                <a:tab pos="896938" algn="l"/>
+                <a:tab pos="1346200" algn="l"/>
+                <a:tab pos="1795463" algn="l"/>
+                <a:tab pos="2244725" algn="l"/>
+                <a:tab pos="2693988" algn="l"/>
+                <a:tab pos="3143250" algn="l"/>
+                <a:tab pos="3592513" algn="l"/>
+                <a:tab pos="4041775" algn="l"/>
+                <a:tab pos="4491038" algn="l"/>
+                <a:tab pos="4940300" algn="l"/>
+                <a:tab pos="5389563" algn="l"/>
+                <a:tab pos="5838825" algn="l"/>
+                <a:tab pos="6288088" algn="l"/>
+                <a:tab pos="6737350" algn="l"/>
+                <a:tab pos="7186613" algn="l"/>
+                <a:tab pos="7635875" algn="l"/>
+                <a:tab pos="8085138" algn="l"/>
+                <a:tab pos="8534400" algn="l"/>
+                <a:tab pos="8983663" algn="l"/>
+              </a:tabLst>
+              <a:defRPr>
+                <a:solidFill>
+                  <a:schemeClr val="bg1"/>
+                </a:solidFill>
+                <a:latin typeface="Arial" panose="020B0604020202020204" pitchFamily="34" charset="0"/>
+                <a:ea typeface="Microsoft YaHei" panose="020B0503020204020204" pitchFamily="34" charset="-122"/>
+              </a:defRPr>
+            </a:lvl3pPr>
+            <a:lvl4pPr>
+              <a:lnSpc>
+                <a:spcPct val="93000"/>
+              </a:lnSpc>
+              <a:buClr>
+                <a:srgbClr val="000000"/>
+              </a:buClr>
+              <a:buSzPct val="100000"/>
+              <a:buFont typeface="Times New Roman" panose="02020603050405020304" pitchFamily="18" charset="0"/>
+              <a:tabLst>
+                <a:tab pos="0" algn="l"/>
+                <a:tab pos="447675" algn="l"/>
+                <a:tab pos="896938" algn="l"/>
+                <a:tab pos="1346200" algn="l"/>
+                <a:tab pos="1795463" algn="l"/>
+                <a:tab pos="2244725" algn="l"/>
+                <a:tab pos="2693988" algn="l"/>
+                <a:tab pos="3143250" algn="l"/>
+                <a:tab pos="3592513" algn="l"/>
+                <a:tab pos="4041775" algn="l"/>
+                <a:tab pos="4491038" algn="l"/>
+                <a:tab pos="4940300" algn="l"/>
+                <a:tab pos="5389563" algn="l"/>
+                <a:tab pos="5838825" algn="l"/>
+                <a:tab pos="6288088" algn="l"/>
+                <a:tab pos="6737350" algn="l"/>
+                <a:tab pos="7186613" algn="l"/>
+                <a:tab pos="7635875" algn="l"/>
+                <a:tab pos="8085138" algn="l"/>
+                <a:tab pos="8534400" algn="l"/>
+                <a:tab pos="8983663" algn="l"/>
+              </a:tabLst>
+              <a:defRPr>
+                <a:solidFill>
+                  <a:schemeClr val="bg1"/>
+                </a:solidFill>
+                <a:latin typeface="Arial" panose="020B0604020202020204" pitchFamily="34" charset="0"/>
+                <a:ea typeface="Microsoft YaHei" panose="020B0503020204020204" pitchFamily="34" charset="-122"/>
+              </a:defRPr>
+            </a:lvl4pPr>
+            <a:lvl5pPr>
+              <a:lnSpc>
+                <a:spcPct val="93000"/>
+              </a:lnSpc>
+              <a:buClr>
+                <a:srgbClr val="000000"/>
+              </a:buClr>
+              <a:buSzPct val="100000"/>
+              <a:buFont typeface="Times New Roman" panose="02020603050405020304" pitchFamily="18" charset="0"/>
+              <a:tabLst>
+                <a:tab pos="0" algn="l"/>
+                <a:tab pos="447675" algn="l"/>
+                <a:tab pos="896938" algn="l"/>
+                <a:tab pos="1346200" algn="l"/>
+                <a:tab pos="1795463" algn="l"/>
+                <a:tab pos="2244725" algn="l"/>
+                <a:tab pos="2693988" algn="l"/>
+                <a:tab pos="3143250" algn="l"/>
+                <a:tab pos="3592513" algn="l"/>
+                <a:tab pos="4041775" algn="l"/>
+                <a:tab pos="4491038" algn="l"/>
+                <a:tab pos="4940300" algn="l"/>
+                <a:tab pos="5389563" algn="l"/>
+                <a:tab pos="5838825" algn="l"/>
+                <a:tab pos="6288088" algn="l"/>
+                <a:tab pos="6737350" algn="l"/>
+                <a:tab pos="7186613" algn="l"/>
+                <a:tab pos="7635875" algn="l"/>
+                <a:tab pos="8085138" algn="l"/>
+                <a:tab pos="8534400" algn="l"/>
+                <a:tab pos="8983663" algn="l"/>
+              </a:tabLst>
+              <a:defRPr>
+                <a:solidFill>
+                  <a:schemeClr val="bg1"/>
+                </a:solidFill>
+                <a:latin typeface="Arial" panose="020B0604020202020204" pitchFamily="34" charset="0"/>
+                <a:ea typeface="Microsoft YaHei" panose="020B0503020204020204" pitchFamily="34" charset="-122"/>
+              </a:defRPr>
+            </a:lvl5pPr>
+            <a:lvl6pPr marL="2514600" indent="-228600" defTabSz="449263" eaLnBrk="0" fontAlgn="base" hangingPunct="0">
+              <a:lnSpc>
+                <a:spcPct val="93000"/>
+              </a:lnSpc>
+              <a:spcBef>
+                <a:spcPct val="0"/>
+              </a:spcBef>
+              <a:spcAft>
+                <a:spcPct val="0"/>
+              </a:spcAft>
+              <a:buClr>
+                <a:srgbClr val="000000"/>
+              </a:buClr>
+              <a:buSzPct val="100000"/>
+              <a:buFont typeface="Times New Roman" panose="02020603050405020304" pitchFamily="18" charset="0"/>
+              <a:tabLst>
+                <a:tab pos="0" algn="l"/>
+                <a:tab pos="447675" algn="l"/>
+                <a:tab pos="896938" algn="l"/>
+                <a:tab pos="1346200" algn="l"/>
+                <a:tab pos="1795463" algn="l"/>
+                <a:tab pos="2244725" algn="l"/>
+                <a:tab pos="2693988" algn="l"/>
+                <a:tab pos="3143250" algn="l"/>
+                <a:tab pos="3592513" algn="l"/>
+                <a:tab pos="4041775" algn="l"/>
+                <a:tab pos="4491038" algn="l"/>
+                <a:tab pos="4940300" algn="l"/>
+                <a:tab pos="5389563" algn="l"/>
+                <a:tab pos="5838825" algn="l"/>
+                <a:tab pos="6288088" algn="l"/>
+                <a:tab pos="6737350" algn="l"/>
+                <a:tab pos="7186613" algn="l"/>
+                <a:tab pos="7635875" algn="l"/>
+                <a:tab pos="8085138" algn="l"/>
+                <a:tab pos="8534400" algn="l"/>
+                <a:tab pos="8983663" algn="l"/>
+              </a:tabLst>
+              <a:defRPr>
+                <a:solidFill>
+                  <a:schemeClr val="bg1"/>
+                </a:solidFill>
+                <a:latin typeface="Arial" panose="020B0604020202020204" pitchFamily="34" charset="0"/>
+                <a:ea typeface="Microsoft YaHei" panose="020B0503020204020204" pitchFamily="34" charset="-122"/>
+              </a:defRPr>
+            </a:lvl6pPr>
+            <a:lvl7pPr marL="2971800" indent="-228600" defTabSz="449263" eaLnBrk="0" fontAlgn="base" hangingPunct="0">
+              <a:lnSpc>
+                <a:spcPct val="93000"/>
+              </a:lnSpc>
+              <a:spcBef>
+                <a:spcPct val="0"/>
+              </a:spcBef>
+              <a:spcAft>
+                <a:spcPct val="0"/>
+              </a:spcAft>
+              <a:buClr>
+                <a:srgbClr val="000000"/>
+              </a:buClr>
+              <a:buSzPct val="100000"/>
+              <a:buFont typeface="Times New Roman" panose="02020603050405020304" pitchFamily="18" charset="0"/>
+              <a:tabLst>
+                <a:tab pos="0" algn="l"/>
+                <a:tab pos="447675" algn="l"/>
+                <a:tab pos="896938" algn="l"/>
+                <a:tab pos="1346200" algn="l"/>
+                <a:tab pos="1795463" algn="l"/>
+                <a:tab pos="2244725" algn="l"/>
+                <a:tab pos="2693988" algn="l"/>
+                <a:tab pos="3143250" algn="l"/>
+                <a:tab pos="3592513" algn="l"/>
+                <a:tab pos="4041775" algn="l"/>
+                <a:tab pos="4491038" algn="l"/>
+                <a:tab pos="4940300" algn="l"/>
+                <a:tab pos="5389563" algn="l"/>
+                <a:tab pos="5838825" algn="l"/>
+                <a:tab pos="6288088" algn="l"/>
+                <a:tab pos="6737350" algn="l"/>
+                <a:tab pos="7186613" algn="l"/>
+                <a:tab pos="7635875" algn="l"/>
+                <a:tab pos="8085138" algn="l"/>
+                <a:tab pos="8534400" algn="l"/>
+                <a:tab pos="8983663" algn="l"/>
+              </a:tabLst>
+              <a:defRPr>
+                <a:solidFill>
+                  <a:schemeClr val="bg1"/>
+                </a:solidFill>
+                <a:latin typeface="Arial" panose="020B0604020202020204" pitchFamily="34" charset="0"/>
+                <a:ea typeface="Microsoft YaHei" panose="020B0503020204020204" pitchFamily="34" charset="-122"/>
+              </a:defRPr>
+            </a:lvl7pPr>
+            <a:lvl8pPr marL="3429000" indent="-228600" defTabSz="449263" eaLnBrk="0" fontAlgn="base" hangingPunct="0">
+              <a:lnSpc>
+                <a:spcPct val="93000"/>
+              </a:lnSpc>
+              <a:spcBef>
+                <a:spcPct val="0"/>
+              </a:spcBef>
+              <a:spcAft>
+                <a:spcPct val="0"/>
+              </a:spcAft>
+              <a:buClr>
+                <a:srgbClr val="000000"/>
+              </a:buClr>
+              <a:buSzPct val="100000"/>
+              <a:buFont typeface="Times New Roman" panose="02020603050405020304" pitchFamily="18" charset="0"/>
+              <a:tabLst>
+                <a:tab pos="0" algn="l"/>
+                <a:tab pos="447675" algn="l"/>
+                <a:tab pos="896938" algn="l"/>
+                <a:tab pos="1346200" algn="l"/>
+                <a:tab pos="1795463" algn="l"/>
+                <a:tab pos="2244725" algn="l"/>
+                <a:tab pos="2693988" algn="l"/>
+                <a:tab pos="3143250" algn="l"/>
+                <a:tab pos="3592513" algn="l"/>
+                <a:tab pos="4041775" algn="l"/>
+                <a:tab pos="4491038" algn="l"/>
+                <a:tab pos="4940300" algn="l"/>
+                <a:tab pos="5389563" algn="l"/>
+                <a:tab pos="5838825" algn="l"/>
+                <a:tab pos="6288088" algn="l"/>
+                <a:tab pos="6737350" algn="l"/>
+                <a:tab pos="7186613" algn="l"/>
+                <a:tab pos="7635875" algn="l"/>
+                <a:tab pos="8085138" algn="l"/>
+                <a:tab pos="8534400" algn="l"/>
+                <a:tab pos="8983663" algn="l"/>
+              </a:tabLst>
+              <a:defRPr>
+                <a:solidFill>
+                  <a:schemeClr val="bg1"/>
+                </a:solidFill>
+                <a:latin typeface="Arial" panose="020B0604020202020204" pitchFamily="34" charset="0"/>
+                <a:ea typeface="Microsoft YaHei" panose="020B0503020204020204" pitchFamily="34" charset="-122"/>
+              </a:defRPr>
+            </a:lvl8pPr>
+            <a:lvl9pPr marL="3886200" indent="-228600" defTabSz="449263" eaLnBrk="0" fontAlgn="base" hangingPunct="0">
+              <a:lnSpc>
+                <a:spcPct val="93000"/>
+              </a:lnSpc>
+              <a:spcBef>
+                <a:spcPct val="0"/>
+              </a:spcBef>
+              <a:spcAft>
+                <a:spcPct val="0"/>
+              </a:spcAft>
+              <a:buClr>
+                <a:srgbClr val="000000"/>
+              </a:buClr>
+              <a:buSzPct val="100000"/>
+              <a:buFont typeface="Times New Roman" panose="02020603050405020304" pitchFamily="18" charset="0"/>
+              <a:tabLst>
+                <a:tab pos="0" algn="l"/>
+                <a:tab pos="447675" algn="l"/>
+                <a:tab pos="896938" algn="l"/>
+                <a:tab pos="1346200" algn="l"/>
+                <a:tab pos="1795463" algn="l"/>
+                <a:tab pos="2244725" algn="l"/>
+                <a:tab pos="2693988" algn="l"/>
+                <a:tab pos="3143250" algn="l"/>
+                <a:tab pos="3592513" algn="l"/>
+                <a:tab pos="4041775" algn="l"/>
+                <a:tab pos="4491038" algn="l"/>
+                <a:tab pos="4940300" algn="l"/>
+                <a:tab pos="5389563" algn="l"/>
+                <a:tab pos="5838825" algn="l"/>
+                <a:tab pos="6288088" algn="l"/>
+                <a:tab pos="6737350" algn="l"/>
+                <a:tab pos="7186613" algn="l"/>
+                <a:tab pos="7635875" algn="l"/>
+                <a:tab pos="8085138" algn="l"/>
+                <a:tab pos="8534400" algn="l"/>
+                <a:tab pos="8983663" algn="l"/>
+              </a:tabLst>
+              <a:defRPr>
+                <a:solidFill>
+                  <a:schemeClr val="bg1"/>
+                </a:solidFill>
+                <a:latin typeface="Arial" panose="020B0604020202020204" pitchFamily="34" charset="0"/>
+                <a:ea typeface="Microsoft YaHei" panose="020B0503020204020204" pitchFamily="34" charset="-122"/>
+              </a:defRPr>
+            </a:lvl9pPr>
+          </a:lstStyle>
+          <a:p>
+            <a:pPr algn="ctr" eaLnBrk="1">
+              <a:lnSpc>
+                <a:spcPct val="101000"/>
+              </a:lnSpc>
+              <a:buClrTx/>
+              <a:buFontTx/>
+              <a:buNone/>
+            </a:pPr>
+            <a:r>
+              <a:rPr lang="pt-BR" altLang="pt-BR" sz="3600" b="1" dirty="0">
+                <a:solidFill>
+                  <a:srgbClr val="007826"/>
+                </a:solidFill>
+                <a:latin typeface="Tahoma" panose="020B0604030504040204" pitchFamily="34" charset="0"/>
+              </a:rPr>
+              <a:t>Obrigado pela atenção</a:t>
+            </a:r>
+          </a:p>
+          <a:p>
+            <a:pPr algn="ctr" eaLnBrk="1">
+              <a:lnSpc>
+                <a:spcPct val="101000"/>
+              </a:lnSpc>
+              <a:buClrTx/>
+              <a:buFontTx/>
+              <a:buNone/>
+            </a:pPr>
+            <a:endParaRPr lang="pt-BR" altLang="pt-BR" sz="1400" b="1" dirty="0">
+              <a:solidFill>
+                <a:srgbClr val="007826"/>
+              </a:solidFill>
+              <a:latin typeface="Tahoma" panose="020B0604030504040204" pitchFamily="34" charset="0"/>
+            </a:endParaRPr>
+          </a:p>
+          <a:p>
+            <a:pPr algn="ctr" eaLnBrk="1">
+              <a:lnSpc>
+                <a:spcPct val="101000"/>
+              </a:lnSpc>
+              <a:buClrTx/>
+              <a:buFontTx/>
+              <a:buNone/>
+            </a:pPr>
+            <a:r>
+              <a:rPr lang="pt-BR" altLang="pt-BR" sz="2400" b="1" dirty="0">
+                <a:solidFill>
+                  <a:srgbClr val="007826"/>
+                </a:solidFill>
+                <a:latin typeface="Tahoma" panose="020B0604030504040204" pitchFamily="34" charset="0"/>
+              </a:rPr>
+              <a:t>Contatos:</a:t>
+            </a:r>
+            <a:br>
+              <a:rPr lang="pt-BR" altLang="pt-BR" sz="2400" b="1" dirty="0">
+                <a:solidFill>
+                  <a:srgbClr val="007826"/>
+                </a:solidFill>
+                <a:latin typeface="Tahoma" panose="020B0604030504040204" pitchFamily="34" charset="0"/>
+              </a:rPr>
+            </a:br>
+            <a:r>
+              <a:rPr lang="pt-BR" altLang="pt-BR" sz="2400" b="1" dirty="0">
+                <a:solidFill>
+                  <a:srgbClr val="007826"/>
+                </a:solidFill>
+                <a:latin typeface="Tahoma" panose="020B0604030504040204" pitchFamily="34" charset="0"/>
+              </a:rPr>
+              <a:t>domingos.paraiso@gmail.com</a:t>
+            </a:r>
+            <a:br>
+              <a:rPr lang="pt-BR" altLang="pt-BR" sz="2400" b="1" dirty="0">
+                <a:solidFill>
+                  <a:srgbClr val="007826"/>
+                </a:solidFill>
+                <a:latin typeface="Tahoma" panose="020B0604030504040204" pitchFamily="34" charset="0"/>
+              </a:rPr>
+            </a:br>
+            <a:r>
+              <a:rPr lang="pt-BR" altLang="pt-BR" sz="2400" b="1" dirty="0">
+                <a:solidFill>
+                  <a:srgbClr val="007826"/>
+                </a:solidFill>
+                <a:latin typeface="Tahoma" panose="020B0604030504040204" pitchFamily="34" charset="0"/>
+              </a:rPr>
+              <a:t>cristina.dominicini@ifes.edu.br</a:t>
+            </a:r>
+          </a:p>
+        </p:txBody>
+      </p:sp>
+      <p:sp>
+        <p:nvSpPr>
+          <p:cNvPr id="7" name="Text Box 5">
+            <a:extLst>
+              <a:ext uri="{FF2B5EF4-FFF2-40B4-BE49-F238E27FC236}">
+                <a16:creationId xmlns:a16="http://schemas.microsoft.com/office/drawing/2014/main" id="{45FC43F0-76B9-C3FF-1C9C-7079CE4455F9}"/>
+              </a:ext>
+            </a:extLst>
+          </p:cNvPr>
+          <p:cNvSpPr txBox="1">
+            <a:spLocks noChangeArrowheads="1"/>
+          </p:cNvSpPr>
+          <p:nvPr/>
+        </p:nvSpPr>
+        <p:spPr bwMode="auto">
+          <a:xfrm>
+            <a:off x="137376" y="2979291"/>
+            <a:ext cx="9943496" cy="1323132"/>
+          </a:xfrm>
+          <a:prstGeom prst="rect">
+            <a:avLst/>
+          </a:prstGeom>
+          <a:noFill/>
+          <a:ln>
+            <a:noFill/>
+          </a:ln>
+          <a:effectLst/>
+          <a:extLst>
+            <a:ext uri="{909E8E84-426E-40DD-AFC4-6F175D3DCCD1}">
+              <a14:hiddenFill xmlns:a14="http://schemas.microsoft.com/office/drawing/2010/main">
+                <a:solidFill>
+                  <a:srgbClr val="FFFFFF"/>
+                </a:solidFill>
+              </a14:hiddenFill>
+            </a:ext>
+            <a:ext uri="{91240B29-F687-4F45-9708-019B960494DF}">
+              <a14:hiddenLine xmlns:a14="http://schemas.microsoft.com/office/drawing/2010/main" w="9525">
+                <a:solidFill>
+                  <a:srgbClr val="3465A4"/>
+                </a:solidFill>
+                <a:round/>
+                <a:headEnd/>
+                <a:tailEnd/>
+              </a14:hiddenLine>
+            </a:ext>
+            <a:ext uri="{AF507438-7753-43E0-B8FC-AC1667EBCBE1}">
+              <a14:hiddenEffects xmlns:a14="http://schemas.microsoft.com/office/drawing/2010/main">
+                <a:effectLst>
+                  <a:outerShdw dist="35921" dir="2700000" algn="ctr" rotWithShape="0">
+                    <a:srgbClr val="808080"/>
+                  </a:outerShdw>
+                </a:effectLst>
+              </a14:hiddenEffects>
+            </a:ext>
+          </a:extLst>
+        </p:spPr>
+        <p:txBody>
+          <a:bodyPr lIns="90000" tIns="45000" rIns="90000" bIns="45000"/>
+          <a:lstStyle>
+            <a:lvl1pPr>
+              <a:lnSpc>
+                <a:spcPct val="93000"/>
+              </a:lnSpc>
+              <a:buClr>
+                <a:srgbClr val="000000"/>
+              </a:buClr>
+              <a:buSzPct val="100000"/>
+              <a:buFont typeface="Times New Roman" panose="02020603050405020304" pitchFamily="18" charset="0"/>
+              <a:tabLst>
+                <a:tab pos="0" algn="l"/>
+                <a:tab pos="447675" algn="l"/>
+                <a:tab pos="896938" algn="l"/>
+                <a:tab pos="1346200" algn="l"/>
+                <a:tab pos="1795463" algn="l"/>
+                <a:tab pos="2244725" algn="l"/>
+                <a:tab pos="2693988" algn="l"/>
+                <a:tab pos="3143250" algn="l"/>
+                <a:tab pos="3592513" algn="l"/>
+                <a:tab pos="4041775" algn="l"/>
+                <a:tab pos="4491038" algn="l"/>
+                <a:tab pos="4940300" algn="l"/>
+                <a:tab pos="5389563" algn="l"/>
+                <a:tab pos="5838825" algn="l"/>
+                <a:tab pos="6288088" algn="l"/>
+                <a:tab pos="6737350" algn="l"/>
+                <a:tab pos="7186613" algn="l"/>
+                <a:tab pos="7635875" algn="l"/>
+                <a:tab pos="8085138" algn="l"/>
+                <a:tab pos="8534400" algn="l"/>
+                <a:tab pos="8983663" algn="l"/>
+              </a:tabLst>
+              <a:defRPr>
+                <a:solidFill>
+                  <a:schemeClr val="bg1"/>
+                </a:solidFill>
+                <a:latin typeface="Arial" panose="020B0604020202020204" pitchFamily="34" charset="0"/>
+                <a:ea typeface="Microsoft YaHei" panose="020B0503020204020204" pitchFamily="34" charset="-122"/>
+              </a:defRPr>
+            </a:lvl1pPr>
+            <a:lvl2pPr>
+              <a:lnSpc>
+                <a:spcPct val="93000"/>
+              </a:lnSpc>
+              <a:buClr>
+                <a:srgbClr val="000000"/>
+              </a:buClr>
+              <a:buSzPct val="100000"/>
+              <a:buFont typeface="Times New Roman" panose="02020603050405020304" pitchFamily="18" charset="0"/>
+              <a:tabLst>
+                <a:tab pos="0" algn="l"/>
+                <a:tab pos="447675" algn="l"/>
+                <a:tab pos="896938" algn="l"/>
+                <a:tab pos="1346200" algn="l"/>
+                <a:tab pos="1795463" algn="l"/>
+                <a:tab pos="2244725" algn="l"/>
+                <a:tab pos="2693988" algn="l"/>
+                <a:tab pos="3143250" algn="l"/>
+                <a:tab pos="3592513" algn="l"/>
+                <a:tab pos="4041775" algn="l"/>
+                <a:tab pos="4491038" algn="l"/>
+                <a:tab pos="4940300" algn="l"/>
+                <a:tab pos="5389563" algn="l"/>
+                <a:tab pos="5838825" algn="l"/>
+                <a:tab pos="6288088" algn="l"/>
+                <a:tab pos="6737350" algn="l"/>
+                <a:tab pos="7186613" algn="l"/>
+                <a:tab pos="7635875" algn="l"/>
+                <a:tab pos="8085138" algn="l"/>
+                <a:tab pos="8534400" algn="l"/>
+                <a:tab pos="8983663" algn="l"/>
+              </a:tabLst>
+              <a:defRPr>
+                <a:solidFill>
+                  <a:schemeClr val="bg1"/>
+                </a:solidFill>
+                <a:latin typeface="Arial" panose="020B0604020202020204" pitchFamily="34" charset="0"/>
+                <a:ea typeface="Microsoft YaHei" panose="020B0503020204020204" pitchFamily="34" charset="-122"/>
+              </a:defRPr>
+            </a:lvl2pPr>
+            <a:lvl3pPr>
+              <a:lnSpc>
+                <a:spcPct val="93000"/>
+              </a:lnSpc>
+              <a:buClr>
+                <a:srgbClr val="000000"/>
+              </a:buClr>
+              <a:buSzPct val="100000"/>
+              <a:buFont typeface="Times New Roman" panose="02020603050405020304" pitchFamily="18" charset="0"/>
+              <a:tabLst>
+                <a:tab pos="0" algn="l"/>
+                <a:tab pos="447675" algn="l"/>
+                <a:tab pos="896938" algn="l"/>
+                <a:tab pos="1346200" algn="l"/>
+                <a:tab pos="1795463" algn="l"/>
+                <a:tab pos="2244725" algn="l"/>
+                <a:tab pos="2693988" algn="l"/>
+                <a:tab pos="3143250" algn="l"/>
+                <a:tab pos="3592513" algn="l"/>
+                <a:tab pos="4041775" algn="l"/>
+                <a:tab pos="4491038" algn="l"/>
+                <a:tab pos="4940300" algn="l"/>
+                <a:tab pos="5389563" algn="l"/>
+                <a:tab pos="5838825" algn="l"/>
+                <a:tab pos="6288088" algn="l"/>
+                <a:tab pos="6737350" algn="l"/>
+                <a:tab pos="7186613" algn="l"/>
+                <a:tab pos="7635875" algn="l"/>
+                <a:tab pos="8085138" algn="l"/>
+                <a:tab pos="8534400" algn="l"/>
+                <a:tab pos="8983663" algn="l"/>
+              </a:tabLst>
+              <a:defRPr>
+                <a:solidFill>
+                  <a:schemeClr val="bg1"/>
+                </a:solidFill>
+                <a:latin typeface="Arial" panose="020B0604020202020204" pitchFamily="34" charset="0"/>
+                <a:ea typeface="Microsoft YaHei" panose="020B0503020204020204" pitchFamily="34" charset="-122"/>
+              </a:defRPr>
+            </a:lvl3pPr>
+            <a:lvl4pPr>
+              <a:lnSpc>
+                <a:spcPct val="93000"/>
+              </a:lnSpc>
+              <a:buClr>
+                <a:srgbClr val="000000"/>
+              </a:buClr>
+              <a:buSzPct val="100000"/>
+              <a:buFont typeface="Times New Roman" panose="02020603050405020304" pitchFamily="18" charset="0"/>
+              <a:tabLst>
+                <a:tab pos="0" algn="l"/>
+                <a:tab pos="447675" algn="l"/>
+                <a:tab pos="896938" algn="l"/>
+                <a:tab pos="1346200" algn="l"/>
+                <a:tab pos="1795463" algn="l"/>
+                <a:tab pos="2244725" algn="l"/>
+                <a:tab pos="2693988" algn="l"/>
+                <a:tab pos="3143250" algn="l"/>
+                <a:tab pos="3592513" algn="l"/>
+                <a:tab pos="4041775" algn="l"/>
+                <a:tab pos="4491038" algn="l"/>
+                <a:tab pos="4940300" algn="l"/>
+                <a:tab pos="5389563" algn="l"/>
+                <a:tab pos="5838825" algn="l"/>
+                <a:tab pos="6288088" algn="l"/>
+                <a:tab pos="6737350" algn="l"/>
+                <a:tab pos="7186613" algn="l"/>
+                <a:tab pos="7635875" algn="l"/>
+                <a:tab pos="8085138" algn="l"/>
+                <a:tab pos="8534400" algn="l"/>
+                <a:tab pos="8983663" algn="l"/>
+              </a:tabLst>
+              <a:defRPr>
+                <a:solidFill>
+                  <a:schemeClr val="bg1"/>
+                </a:solidFill>
+                <a:latin typeface="Arial" panose="020B0604020202020204" pitchFamily="34" charset="0"/>
+                <a:ea typeface="Microsoft YaHei" panose="020B0503020204020204" pitchFamily="34" charset="-122"/>
+              </a:defRPr>
+            </a:lvl4pPr>
+            <a:lvl5pPr>
+              <a:lnSpc>
+                <a:spcPct val="93000"/>
+              </a:lnSpc>
+              <a:buClr>
+                <a:srgbClr val="000000"/>
+              </a:buClr>
+              <a:buSzPct val="100000"/>
+              <a:buFont typeface="Times New Roman" panose="02020603050405020304" pitchFamily="18" charset="0"/>
+              <a:tabLst>
+                <a:tab pos="0" algn="l"/>
+                <a:tab pos="447675" algn="l"/>
+                <a:tab pos="896938" algn="l"/>
+                <a:tab pos="1346200" algn="l"/>
+                <a:tab pos="1795463" algn="l"/>
+                <a:tab pos="2244725" algn="l"/>
+                <a:tab pos="2693988" algn="l"/>
+                <a:tab pos="3143250" algn="l"/>
+                <a:tab pos="3592513" algn="l"/>
+                <a:tab pos="4041775" algn="l"/>
+                <a:tab pos="4491038" algn="l"/>
+                <a:tab pos="4940300" algn="l"/>
+                <a:tab pos="5389563" algn="l"/>
+                <a:tab pos="5838825" algn="l"/>
+                <a:tab pos="6288088" algn="l"/>
+                <a:tab pos="6737350" algn="l"/>
+                <a:tab pos="7186613" algn="l"/>
+                <a:tab pos="7635875" algn="l"/>
+                <a:tab pos="8085138" algn="l"/>
+                <a:tab pos="8534400" algn="l"/>
+                <a:tab pos="8983663" algn="l"/>
+              </a:tabLst>
+              <a:defRPr>
+                <a:solidFill>
+                  <a:schemeClr val="bg1"/>
+                </a:solidFill>
+                <a:latin typeface="Arial" panose="020B0604020202020204" pitchFamily="34" charset="0"/>
+                <a:ea typeface="Microsoft YaHei" panose="020B0503020204020204" pitchFamily="34" charset="-122"/>
+              </a:defRPr>
+            </a:lvl5pPr>
+            <a:lvl6pPr marL="2514600" indent="-228600" defTabSz="449263" eaLnBrk="0" fontAlgn="base" hangingPunct="0">
+              <a:lnSpc>
+                <a:spcPct val="93000"/>
+              </a:lnSpc>
+              <a:spcBef>
+                <a:spcPct val="0"/>
+              </a:spcBef>
+              <a:spcAft>
+                <a:spcPct val="0"/>
+              </a:spcAft>
+              <a:buClr>
+                <a:srgbClr val="000000"/>
+              </a:buClr>
+              <a:buSzPct val="100000"/>
+              <a:buFont typeface="Times New Roman" panose="02020603050405020304" pitchFamily="18" charset="0"/>
+              <a:tabLst>
+                <a:tab pos="0" algn="l"/>
+                <a:tab pos="447675" algn="l"/>
+                <a:tab pos="896938" algn="l"/>
+                <a:tab pos="1346200" algn="l"/>
+                <a:tab pos="1795463" algn="l"/>
+                <a:tab pos="2244725" algn="l"/>
+                <a:tab pos="2693988" algn="l"/>
+                <a:tab pos="3143250" algn="l"/>
+                <a:tab pos="3592513" algn="l"/>
+                <a:tab pos="4041775" algn="l"/>
+                <a:tab pos="4491038" algn="l"/>
+                <a:tab pos="4940300" algn="l"/>
+                <a:tab pos="5389563" algn="l"/>
+                <a:tab pos="5838825" algn="l"/>
+                <a:tab pos="6288088" algn="l"/>
+                <a:tab pos="6737350" algn="l"/>
+                <a:tab pos="7186613" algn="l"/>
+                <a:tab pos="7635875" algn="l"/>
+                <a:tab pos="8085138" algn="l"/>
+                <a:tab pos="8534400" algn="l"/>
+                <a:tab pos="8983663" algn="l"/>
+              </a:tabLst>
+              <a:defRPr>
+                <a:solidFill>
+                  <a:schemeClr val="bg1"/>
+                </a:solidFill>
+                <a:latin typeface="Arial" panose="020B0604020202020204" pitchFamily="34" charset="0"/>
+                <a:ea typeface="Microsoft YaHei" panose="020B0503020204020204" pitchFamily="34" charset="-122"/>
+              </a:defRPr>
+            </a:lvl6pPr>
+            <a:lvl7pPr marL="2971800" indent="-228600" defTabSz="449263" eaLnBrk="0" fontAlgn="base" hangingPunct="0">
+              <a:lnSpc>
+                <a:spcPct val="93000"/>
+              </a:lnSpc>
+              <a:spcBef>
+                <a:spcPct val="0"/>
+              </a:spcBef>
+              <a:spcAft>
+                <a:spcPct val="0"/>
+              </a:spcAft>
+              <a:buClr>
+                <a:srgbClr val="000000"/>
+              </a:buClr>
+              <a:buSzPct val="100000"/>
+              <a:buFont typeface="Times New Roman" panose="02020603050405020304" pitchFamily="18" charset="0"/>
+              <a:tabLst>
+                <a:tab pos="0" algn="l"/>
+                <a:tab pos="447675" algn="l"/>
+                <a:tab pos="896938" algn="l"/>
+                <a:tab pos="1346200" algn="l"/>
+                <a:tab pos="1795463" algn="l"/>
+                <a:tab pos="2244725" algn="l"/>
+                <a:tab pos="2693988" algn="l"/>
+                <a:tab pos="3143250" algn="l"/>
+                <a:tab pos="3592513" algn="l"/>
+                <a:tab pos="4041775" algn="l"/>
+                <a:tab pos="4491038" algn="l"/>
+                <a:tab pos="4940300" algn="l"/>
+                <a:tab pos="5389563" algn="l"/>
+                <a:tab pos="5838825" algn="l"/>
+                <a:tab pos="6288088" algn="l"/>
+                <a:tab pos="6737350" algn="l"/>
+                <a:tab pos="7186613" algn="l"/>
+                <a:tab pos="7635875" algn="l"/>
+                <a:tab pos="8085138" algn="l"/>
+                <a:tab pos="8534400" algn="l"/>
+                <a:tab pos="8983663" algn="l"/>
+              </a:tabLst>
+              <a:defRPr>
+                <a:solidFill>
+                  <a:schemeClr val="bg1"/>
+                </a:solidFill>
+                <a:latin typeface="Arial" panose="020B0604020202020204" pitchFamily="34" charset="0"/>
+                <a:ea typeface="Microsoft YaHei" panose="020B0503020204020204" pitchFamily="34" charset="-122"/>
+              </a:defRPr>
+            </a:lvl7pPr>
+            <a:lvl8pPr marL="3429000" indent="-228600" defTabSz="449263" eaLnBrk="0" fontAlgn="base" hangingPunct="0">
+              <a:lnSpc>
+                <a:spcPct val="93000"/>
+              </a:lnSpc>
+              <a:spcBef>
+                <a:spcPct val="0"/>
+              </a:spcBef>
+              <a:spcAft>
+                <a:spcPct val="0"/>
+              </a:spcAft>
+              <a:buClr>
+                <a:srgbClr val="000000"/>
+              </a:buClr>
+              <a:buSzPct val="100000"/>
+              <a:buFont typeface="Times New Roman" panose="02020603050405020304" pitchFamily="18" charset="0"/>
+              <a:tabLst>
+                <a:tab pos="0" algn="l"/>
+                <a:tab pos="447675" algn="l"/>
+                <a:tab pos="896938" algn="l"/>
+                <a:tab pos="1346200" algn="l"/>
+                <a:tab pos="1795463" algn="l"/>
+                <a:tab pos="2244725" algn="l"/>
+                <a:tab pos="2693988" algn="l"/>
+                <a:tab pos="3143250" algn="l"/>
+                <a:tab pos="3592513" algn="l"/>
+                <a:tab pos="4041775" algn="l"/>
+                <a:tab pos="4491038" algn="l"/>
+                <a:tab pos="4940300" algn="l"/>
+                <a:tab pos="5389563" algn="l"/>
+                <a:tab pos="5838825" algn="l"/>
+                <a:tab pos="6288088" algn="l"/>
+                <a:tab pos="6737350" algn="l"/>
+                <a:tab pos="7186613" algn="l"/>
+                <a:tab pos="7635875" algn="l"/>
+                <a:tab pos="8085138" algn="l"/>
+                <a:tab pos="8534400" algn="l"/>
+                <a:tab pos="8983663" algn="l"/>
+              </a:tabLst>
+              <a:defRPr>
+                <a:solidFill>
+                  <a:schemeClr val="bg1"/>
+                </a:solidFill>
+                <a:latin typeface="Arial" panose="020B0604020202020204" pitchFamily="34" charset="0"/>
+                <a:ea typeface="Microsoft YaHei" panose="020B0503020204020204" pitchFamily="34" charset="-122"/>
+              </a:defRPr>
+            </a:lvl8pPr>
+            <a:lvl9pPr marL="3886200" indent="-228600" defTabSz="449263" eaLnBrk="0" fontAlgn="base" hangingPunct="0">
+              <a:lnSpc>
+                <a:spcPct val="93000"/>
+              </a:lnSpc>
+              <a:spcBef>
+                <a:spcPct val="0"/>
+              </a:spcBef>
+              <a:spcAft>
+                <a:spcPct val="0"/>
+              </a:spcAft>
+              <a:buClr>
+                <a:srgbClr val="000000"/>
+              </a:buClr>
+              <a:buSzPct val="100000"/>
+              <a:buFont typeface="Times New Roman" panose="02020603050405020304" pitchFamily="18" charset="0"/>
+              <a:tabLst>
+                <a:tab pos="0" algn="l"/>
+                <a:tab pos="447675" algn="l"/>
+                <a:tab pos="896938" algn="l"/>
+                <a:tab pos="1346200" algn="l"/>
+                <a:tab pos="1795463" algn="l"/>
+                <a:tab pos="2244725" algn="l"/>
+                <a:tab pos="2693988" algn="l"/>
+                <a:tab pos="3143250" algn="l"/>
+                <a:tab pos="3592513" algn="l"/>
+                <a:tab pos="4041775" algn="l"/>
+                <a:tab pos="4491038" algn="l"/>
+                <a:tab pos="4940300" algn="l"/>
+                <a:tab pos="5389563" algn="l"/>
+                <a:tab pos="5838825" algn="l"/>
+                <a:tab pos="6288088" algn="l"/>
+                <a:tab pos="6737350" algn="l"/>
+                <a:tab pos="7186613" algn="l"/>
+                <a:tab pos="7635875" algn="l"/>
+                <a:tab pos="8085138" algn="l"/>
+                <a:tab pos="8534400" algn="l"/>
+                <a:tab pos="8983663" algn="l"/>
+              </a:tabLst>
+              <a:defRPr>
+                <a:solidFill>
+                  <a:schemeClr val="bg1"/>
+                </a:solidFill>
+                <a:latin typeface="Arial" panose="020B0604020202020204" pitchFamily="34" charset="0"/>
+                <a:ea typeface="Microsoft YaHei" panose="020B0503020204020204" pitchFamily="34" charset="-122"/>
+              </a:defRPr>
+            </a:lvl9pPr>
+          </a:lstStyle>
+          <a:p>
+            <a:pPr eaLnBrk="1">
+              <a:lnSpc>
+                <a:spcPct val="101000"/>
+              </a:lnSpc>
+              <a:buClrTx/>
+              <a:buFontTx/>
+              <a:buNone/>
+            </a:pPr>
+            <a:r>
+              <a:rPr lang="pt-BR" altLang="pt-BR" i="1" dirty="0">
+                <a:solidFill>
+                  <a:srgbClr val="007826"/>
+                </a:solidFill>
+                <a:latin typeface="Tahoma" panose="020B0604030504040204" pitchFamily="34" charset="0"/>
+              </a:rPr>
+              <a:t>Agradecemos a FAPES e a CAPES (processo 2021-2S6CD, FAPES 132/2021) por meio do PDPG (Programa de Desenvolvimento da Pós-Graduação, Parcerias Estratégicas nos Estados) e as agencias: FAPESP/MCTI/CGI.br (PORVIR-5G 20/05182-3, SAWI 20/05174-0) e FAPES (94/2017, 281/2019, 515/2021, 284/2021, 06/2022, 1026/2022, 941/2022). Este trabalho recebeu apoio do 2021 Google </a:t>
+            </a:r>
+            <a:r>
+              <a:rPr lang="pt-BR" altLang="pt-BR" i="1" dirty="0" err="1">
+                <a:solidFill>
+                  <a:srgbClr val="007826"/>
+                </a:solidFill>
+                <a:latin typeface="Tahoma" panose="020B0604030504040204" pitchFamily="34" charset="0"/>
+              </a:rPr>
+              <a:t>Research</a:t>
+            </a:r>
+            <a:r>
+              <a:rPr lang="pt-BR" altLang="pt-BR" i="1" dirty="0">
+                <a:solidFill>
+                  <a:srgbClr val="007826"/>
+                </a:solidFill>
+                <a:latin typeface="Tahoma" panose="020B0604030504040204" pitchFamily="34" charset="0"/>
+              </a:rPr>
+              <a:t> Scholar </a:t>
+            </a:r>
+            <a:r>
+              <a:rPr lang="pt-BR" altLang="pt-BR" i="1" dirty="0" err="1">
+                <a:solidFill>
+                  <a:srgbClr val="007826"/>
+                </a:solidFill>
+                <a:latin typeface="Tahoma" panose="020B0604030504040204" pitchFamily="34" charset="0"/>
+              </a:rPr>
+              <a:t>Award</a:t>
+            </a:r>
+            <a:r>
+              <a:rPr lang="pt-BR" altLang="pt-BR" i="1" dirty="0">
+                <a:solidFill>
+                  <a:srgbClr val="007826"/>
+                </a:solidFill>
+                <a:latin typeface="Tahoma" panose="020B0604030504040204" pitchFamily="34" charset="0"/>
+              </a:rPr>
+              <a:t>.</a:t>
+            </a:r>
+          </a:p>
+        </p:txBody>
+      </p:sp>
+      <p:sp>
+        <p:nvSpPr>
+          <p:cNvPr id="11" name="CaixaDeTexto 10">
+            <a:extLst>
+              <a:ext uri="{FF2B5EF4-FFF2-40B4-BE49-F238E27FC236}">
+                <a16:creationId xmlns:a16="http://schemas.microsoft.com/office/drawing/2014/main" id="{983C9F22-4503-6B2D-5B4A-62B48E22AC86}"/>
+              </a:ext>
+            </a:extLst>
+          </p:cNvPr>
+          <p:cNvSpPr txBox="1"/>
+          <p:nvPr/>
+        </p:nvSpPr>
+        <p:spPr>
+          <a:xfrm>
+            <a:off x="-6639" y="89679"/>
+            <a:ext cx="10081912" cy="369332"/>
+          </a:xfrm>
+          <a:prstGeom prst="rect">
+            <a:avLst/>
+          </a:prstGeom>
+          <a:noFill/>
+        </p:spPr>
+        <p:txBody>
+          <a:bodyPr wrap="square">
+            <a:spAutoFit/>
+          </a:bodyPr>
+          <a:lstStyle/>
+          <a:p>
+            <a:pPr algn="ctr">
+              <a:spcAft>
+                <a:spcPts val="0"/>
+              </a:spcAft>
+            </a:pPr>
+            <a:r>
+              <a:rPr lang="pt-BR" b="1" dirty="0">
+                <a:effectLst/>
+              </a:rPr>
+              <a:t>WPEIF – XIV Workshop de Pesquisa Experimental da Internet do Futuro – Maio 2023</a:t>
+            </a:r>
+          </a:p>
+        </p:txBody>
+      </p:sp>
+    </p:spTree>
+    <p:extLst>
+      <p:ext uri="{BB962C8B-B14F-4D97-AF65-F5344CB8AC3E}">
+        <p14:creationId xmlns:p14="http://schemas.microsoft.com/office/powerpoint/2010/main" val="303988907"/>
+      </p:ext>
+    </p:extLst>
+  </p:cSld>
+  <p:clrMapOvr>
+    <a:masterClrMapping/>
+  </p:clrMapOvr>
 </p:sld>
 </file>
 
@@ -31280,1236 +30478,6 @@
       </p:par>
     </p:tnLst>
   </p:timing>
-</p:sld>
-</file>
-
-<file path=ppt/slides/slide20.xml><?xml version="1.0" encoding="utf-8"?>
-<p:sld xmlns:a="http://schemas.openxmlformats.org/drawingml/2006/main" xmlns:r="http://schemas.openxmlformats.org/officeDocument/2006/relationships" xmlns:p="http://schemas.openxmlformats.org/presentationml/2006/main">
-  <p:cSld>
-    <p:spTree>
-      <p:nvGrpSpPr>
-        <p:cNvPr id="1" name=""/>
-        <p:cNvGrpSpPr/>
-        <p:nvPr/>
-      </p:nvGrpSpPr>
-      <p:grpSpPr>
-        <a:xfrm>
-          <a:off x="0" y="0"/>
-          <a:ext cx="0" cy="0"/>
-          <a:chOff x="0" y="0"/>
-          <a:chExt cx="0" cy="0"/>
-        </a:xfrm>
-      </p:grpSpPr>
-      <p:sp>
-        <p:nvSpPr>
-          <p:cNvPr id="12" name="Rectangle 2">
-            <a:extLst>
-              <a:ext uri="{FF2B5EF4-FFF2-40B4-BE49-F238E27FC236}">
-                <a16:creationId xmlns:a16="http://schemas.microsoft.com/office/drawing/2014/main" id="{68E745BD-0F00-D9F9-E40F-0D2E13781379}"/>
-              </a:ext>
-            </a:extLst>
-          </p:cNvPr>
-          <p:cNvSpPr>
-            <a:spLocks noChangeArrowheads="1"/>
-          </p:cNvSpPr>
-          <p:nvPr/>
-        </p:nvSpPr>
-        <p:spPr bwMode="auto">
-          <a:xfrm>
-            <a:off x="-6640" y="-4514"/>
-            <a:ext cx="10081913" cy="535533"/>
-          </a:xfrm>
-          <a:prstGeom prst="rect">
-            <a:avLst/>
-          </a:prstGeom>
-          <a:solidFill>
-            <a:srgbClr val="00B050">
-              <a:alpha val="79999"/>
-            </a:srgbClr>
-          </a:solidFill>
-          <a:ln w="9360">
-            <a:solidFill>
-              <a:srgbClr val="FFFFFF"/>
-            </a:solidFill>
-            <a:round/>
-            <a:headEnd/>
-            <a:tailEnd/>
-          </a:ln>
-          <a:effectLst/>
-        </p:spPr>
-        <p:txBody>
-          <a:bodyPr wrap="none" anchor="ctr"/>
-          <a:lstStyle/>
-          <a:p>
-            <a:pPr eaLnBrk="1">
-              <a:lnSpc>
-                <a:spcPct val="93000"/>
-              </a:lnSpc>
-              <a:buClr>
-                <a:srgbClr val="000000"/>
-              </a:buClr>
-              <a:buSzPct val="100000"/>
-              <a:buFont typeface="Times New Roman" panose="02020603050405020304" pitchFamily="18" charset="0"/>
-              <a:buNone/>
-            </a:pPr>
-            <a:endParaRPr lang="pt-BR" altLang="pt-BR"/>
-          </a:p>
-        </p:txBody>
-      </p:sp>
-      <p:sp>
-        <p:nvSpPr>
-          <p:cNvPr id="4" name="Rectangle 2">
-            <a:extLst>
-              <a:ext uri="{FF2B5EF4-FFF2-40B4-BE49-F238E27FC236}">
-                <a16:creationId xmlns:a16="http://schemas.microsoft.com/office/drawing/2014/main" id="{F4C0A26A-3F25-0085-76BC-3EF40A529538}"/>
-              </a:ext>
-            </a:extLst>
-          </p:cNvPr>
-          <p:cNvSpPr>
-            <a:spLocks noChangeArrowheads="1"/>
-          </p:cNvSpPr>
-          <p:nvPr/>
-        </p:nvSpPr>
-        <p:spPr bwMode="auto">
-          <a:xfrm>
-            <a:off x="818" y="963067"/>
-            <a:ext cx="10075274" cy="3528393"/>
-          </a:xfrm>
-          <a:prstGeom prst="rect">
-            <a:avLst/>
-          </a:prstGeom>
-          <a:solidFill>
-            <a:srgbClr val="FFFFFF">
-              <a:alpha val="79999"/>
-            </a:srgbClr>
-          </a:solidFill>
-          <a:ln w="9360">
-            <a:solidFill>
-              <a:srgbClr val="FFFFFF"/>
-            </a:solidFill>
-            <a:round/>
-            <a:headEnd/>
-            <a:tailEnd/>
-          </a:ln>
-          <a:effectLst/>
-          <a:extLst>
-            <a:ext uri="{AF507438-7753-43E0-B8FC-AC1667EBCBE1}">
-              <a14:hiddenEffects xmlns:a14="http://schemas.microsoft.com/office/drawing/2010/main">
-                <a:effectLst>
-                  <a:outerShdw dist="35921" dir="2700000" algn="ctr" rotWithShape="0">
-                    <a:srgbClr val="808080"/>
-                  </a:outerShdw>
-                </a:effectLst>
-              </a14:hiddenEffects>
-            </a:ext>
-          </a:extLst>
-        </p:spPr>
-        <p:txBody>
-          <a:bodyPr wrap="none" anchor="ctr"/>
-          <a:lstStyle/>
-          <a:p>
-            <a:pPr eaLnBrk="1">
-              <a:lnSpc>
-                <a:spcPct val="93000"/>
-              </a:lnSpc>
-              <a:buClr>
-                <a:srgbClr val="000000"/>
-              </a:buClr>
-              <a:buSzPct val="100000"/>
-              <a:buFont typeface="Times New Roman" panose="02020603050405020304" pitchFamily="18" charset="0"/>
-              <a:buNone/>
-            </a:pPr>
-            <a:endParaRPr lang="pt-BR" altLang="pt-BR"/>
-          </a:p>
-        </p:txBody>
-      </p:sp>
-      <p:sp>
-        <p:nvSpPr>
-          <p:cNvPr id="5" name="Text Box 3">
-            <a:extLst>
-              <a:ext uri="{FF2B5EF4-FFF2-40B4-BE49-F238E27FC236}">
-                <a16:creationId xmlns:a16="http://schemas.microsoft.com/office/drawing/2014/main" id="{C4F2571F-BD02-5F20-6F9A-80DCA0DA2837}"/>
-              </a:ext>
-            </a:extLst>
-          </p:cNvPr>
-          <p:cNvSpPr txBox="1">
-            <a:spLocks noChangeArrowheads="1"/>
-          </p:cNvSpPr>
-          <p:nvPr/>
-        </p:nvSpPr>
-        <p:spPr bwMode="auto">
-          <a:xfrm>
-            <a:off x="-57729" y="985565"/>
-            <a:ext cx="9869628" cy="1557214"/>
-          </a:xfrm>
-          <a:prstGeom prst="rect">
-            <a:avLst/>
-          </a:prstGeom>
-          <a:noFill/>
-          <a:ln>
-            <a:noFill/>
-          </a:ln>
-          <a:effectLst/>
-          <a:extLst>
-            <a:ext uri="{909E8E84-426E-40DD-AFC4-6F175D3DCCD1}">
-              <a14:hiddenFill xmlns:a14="http://schemas.microsoft.com/office/drawing/2010/main">
-                <a:solidFill>
-                  <a:srgbClr val="FFFFFF"/>
-                </a:solidFill>
-              </a14:hiddenFill>
-            </a:ext>
-            <a:ext uri="{91240B29-F687-4F45-9708-019B960494DF}">
-              <a14:hiddenLine xmlns:a14="http://schemas.microsoft.com/office/drawing/2010/main" w="9525">
-                <a:solidFill>
-                  <a:srgbClr val="3465A4"/>
-                </a:solidFill>
-                <a:round/>
-                <a:headEnd/>
-                <a:tailEnd/>
-              </a14:hiddenLine>
-            </a:ext>
-            <a:ext uri="{AF507438-7753-43E0-B8FC-AC1667EBCBE1}">
-              <a14:hiddenEffects xmlns:a14="http://schemas.microsoft.com/office/drawing/2010/main">
-                <a:effectLst>
-                  <a:outerShdw dist="35921" dir="2700000" algn="ctr" rotWithShape="0">
-                    <a:srgbClr val="808080"/>
-                  </a:outerShdw>
-                </a:effectLst>
-              </a14:hiddenEffects>
-            </a:ext>
-          </a:extLst>
-        </p:spPr>
-        <p:txBody>
-          <a:bodyPr lIns="90000" tIns="45000" rIns="90000" bIns="45000"/>
-          <a:lstStyle>
-            <a:lvl1pPr>
-              <a:lnSpc>
-                <a:spcPct val="93000"/>
-              </a:lnSpc>
-              <a:buClr>
-                <a:srgbClr val="000000"/>
-              </a:buClr>
-              <a:buSzPct val="100000"/>
-              <a:buFont typeface="Times New Roman" panose="02020603050405020304" pitchFamily="18" charset="0"/>
-              <a:tabLst>
-                <a:tab pos="0" algn="l"/>
-                <a:tab pos="447675" algn="l"/>
-                <a:tab pos="896938" algn="l"/>
-                <a:tab pos="1346200" algn="l"/>
-                <a:tab pos="1795463" algn="l"/>
-                <a:tab pos="2244725" algn="l"/>
-                <a:tab pos="2693988" algn="l"/>
-                <a:tab pos="3143250" algn="l"/>
-                <a:tab pos="3592513" algn="l"/>
-                <a:tab pos="4041775" algn="l"/>
-                <a:tab pos="4491038" algn="l"/>
-                <a:tab pos="4940300" algn="l"/>
-                <a:tab pos="5389563" algn="l"/>
-                <a:tab pos="5838825" algn="l"/>
-                <a:tab pos="6288088" algn="l"/>
-                <a:tab pos="6737350" algn="l"/>
-                <a:tab pos="7186613" algn="l"/>
-                <a:tab pos="7635875" algn="l"/>
-                <a:tab pos="8085138" algn="l"/>
-                <a:tab pos="8534400" algn="l"/>
-                <a:tab pos="8983663" algn="l"/>
-              </a:tabLst>
-              <a:defRPr>
-                <a:solidFill>
-                  <a:schemeClr val="bg1"/>
-                </a:solidFill>
-                <a:latin typeface="Arial" panose="020B0604020202020204" pitchFamily="34" charset="0"/>
-                <a:ea typeface="Microsoft YaHei" panose="020B0503020204020204" pitchFamily="34" charset="-122"/>
-              </a:defRPr>
-            </a:lvl1pPr>
-            <a:lvl2pPr>
-              <a:lnSpc>
-                <a:spcPct val="93000"/>
-              </a:lnSpc>
-              <a:buClr>
-                <a:srgbClr val="000000"/>
-              </a:buClr>
-              <a:buSzPct val="100000"/>
-              <a:buFont typeface="Times New Roman" panose="02020603050405020304" pitchFamily="18" charset="0"/>
-              <a:tabLst>
-                <a:tab pos="0" algn="l"/>
-                <a:tab pos="447675" algn="l"/>
-                <a:tab pos="896938" algn="l"/>
-                <a:tab pos="1346200" algn="l"/>
-                <a:tab pos="1795463" algn="l"/>
-                <a:tab pos="2244725" algn="l"/>
-                <a:tab pos="2693988" algn="l"/>
-                <a:tab pos="3143250" algn="l"/>
-                <a:tab pos="3592513" algn="l"/>
-                <a:tab pos="4041775" algn="l"/>
-                <a:tab pos="4491038" algn="l"/>
-                <a:tab pos="4940300" algn="l"/>
-                <a:tab pos="5389563" algn="l"/>
-                <a:tab pos="5838825" algn="l"/>
-                <a:tab pos="6288088" algn="l"/>
-                <a:tab pos="6737350" algn="l"/>
-                <a:tab pos="7186613" algn="l"/>
-                <a:tab pos="7635875" algn="l"/>
-                <a:tab pos="8085138" algn="l"/>
-                <a:tab pos="8534400" algn="l"/>
-                <a:tab pos="8983663" algn="l"/>
-              </a:tabLst>
-              <a:defRPr>
-                <a:solidFill>
-                  <a:schemeClr val="bg1"/>
-                </a:solidFill>
-                <a:latin typeface="Arial" panose="020B0604020202020204" pitchFamily="34" charset="0"/>
-                <a:ea typeface="Microsoft YaHei" panose="020B0503020204020204" pitchFamily="34" charset="-122"/>
-              </a:defRPr>
-            </a:lvl2pPr>
-            <a:lvl3pPr>
-              <a:lnSpc>
-                <a:spcPct val="93000"/>
-              </a:lnSpc>
-              <a:buClr>
-                <a:srgbClr val="000000"/>
-              </a:buClr>
-              <a:buSzPct val="100000"/>
-              <a:buFont typeface="Times New Roman" panose="02020603050405020304" pitchFamily="18" charset="0"/>
-              <a:tabLst>
-                <a:tab pos="0" algn="l"/>
-                <a:tab pos="447675" algn="l"/>
-                <a:tab pos="896938" algn="l"/>
-                <a:tab pos="1346200" algn="l"/>
-                <a:tab pos="1795463" algn="l"/>
-                <a:tab pos="2244725" algn="l"/>
-                <a:tab pos="2693988" algn="l"/>
-                <a:tab pos="3143250" algn="l"/>
-                <a:tab pos="3592513" algn="l"/>
-                <a:tab pos="4041775" algn="l"/>
-                <a:tab pos="4491038" algn="l"/>
-                <a:tab pos="4940300" algn="l"/>
-                <a:tab pos="5389563" algn="l"/>
-                <a:tab pos="5838825" algn="l"/>
-                <a:tab pos="6288088" algn="l"/>
-                <a:tab pos="6737350" algn="l"/>
-                <a:tab pos="7186613" algn="l"/>
-                <a:tab pos="7635875" algn="l"/>
-                <a:tab pos="8085138" algn="l"/>
-                <a:tab pos="8534400" algn="l"/>
-                <a:tab pos="8983663" algn="l"/>
-              </a:tabLst>
-              <a:defRPr>
-                <a:solidFill>
-                  <a:schemeClr val="bg1"/>
-                </a:solidFill>
-                <a:latin typeface="Arial" panose="020B0604020202020204" pitchFamily="34" charset="0"/>
-                <a:ea typeface="Microsoft YaHei" panose="020B0503020204020204" pitchFamily="34" charset="-122"/>
-              </a:defRPr>
-            </a:lvl3pPr>
-            <a:lvl4pPr>
-              <a:lnSpc>
-                <a:spcPct val="93000"/>
-              </a:lnSpc>
-              <a:buClr>
-                <a:srgbClr val="000000"/>
-              </a:buClr>
-              <a:buSzPct val="100000"/>
-              <a:buFont typeface="Times New Roman" panose="02020603050405020304" pitchFamily="18" charset="0"/>
-              <a:tabLst>
-                <a:tab pos="0" algn="l"/>
-                <a:tab pos="447675" algn="l"/>
-                <a:tab pos="896938" algn="l"/>
-                <a:tab pos="1346200" algn="l"/>
-                <a:tab pos="1795463" algn="l"/>
-                <a:tab pos="2244725" algn="l"/>
-                <a:tab pos="2693988" algn="l"/>
-                <a:tab pos="3143250" algn="l"/>
-                <a:tab pos="3592513" algn="l"/>
-                <a:tab pos="4041775" algn="l"/>
-                <a:tab pos="4491038" algn="l"/>
-                <a:tab pos="4940300" algn="l"/>
-                <a:tab pos="5389563" algn="l"/>
-                <a:tab pos="5838825" algn="l"/>
-                <a:tab pos="6288088" algn="l"/>
-                <a:tab pos="6737350" algn="l"/>
-                <a:tab pos="7186613" algn="l"/>
-                <a:tab pos="7635875" algn="l"/>
-                <a:tab pos="8085138" algn="l"/>
-                <a:tab pos="8534400" algn="l"/>
-                <a:tab pos="8983663" algn="l"/>
-              </a:tabLst>
-              <a:defRPr>
-                <a:solidFill>
-                  <a:schemeClr val="bg1"/>
-                </a:solidFill>
-                <a:latin typeface="Arial" panose="020B0604020202020204" pitchFamily="34" charset="0"/>
-                <a:ea typeface="Microsoft YaHei" panose="020B0503020204020204" pitchFamily="34" charset="-122"/>
-              </a:defRPr>
-            </a:lvl4pPr>
-            <a:lvl5pPr>
-              <a:lnSpc>
-                <a:spcPct val="93000"/>
-              </a:lnSpc>
-              <a:buClr>
-                <a:srgbClr val="000000"/>
-              </a:buClr>
-              <a:buSzPct val="100000"/>
-              <a:buFont typeface="Times New Roman" panose="02020603050405020304" pitchFamily="18" charset="0"/>
-              <a:tabLst>
-                <a:tab pos="0" algn="l"/>
-                <a:tab pos="447675" algn="l"/>
-                <a:tab pos="896938" algn="l"/>
-                <a:tab pos="1346200" algn="l"/>
-                <a:tab pos="1795463" algn="l"/>
-                <a:tab pos="2244725" algn="l"/>
-                <a:tab pos="2693988" algn="l"/>
-                <a:tab pos="3143250" algn="l"/>
-                <a:tab pos="3592513" algn="l"/>
-                <a:tab pos="4041775" algn="l"/>
-                <a:tab pos="4491038" algn="l"/>
-                <a:tab pos="4940300" algn="l"/>
-                <a:tab pos="5389563" algn="l"/>
-                <a:tab pos="5838825" algn="l"/>
-                <a:tab pos="6288088" algn="l"/>
-                <a:tab pos="6737350" algn="l"/>
-                <a:tab pos="7186613" algn="l"/>
-                <a:tab pos="7635875" algn="l"/>
-                <a:tab pos="8085138" algn="l"/>
-                <a:tab pos="8534400" algn="l"/>
-                <a:tab pos="8983663" algn="l"/>
-              </a:tabLst>
-              <a:defRPr>
-                <a:solidFill>
-                  <a:schemeClr val="bg1"/>
-                </a:solidFill>
-                <a:latin typeface="Arial" panose="020B0604020202020204" pitchFamily="34" charset="0"/>
-                <a:ea typeface="Microsoft YaHei" panose="020B0503020204020204" pitchFamily="34" charset="-122"/>
-              </a:defRPr>
-            </a:lvl5pPr>
-            <a:lvl6pPr marL="2514600" indent="-228600" defTabSz="449263" eaLnBrk="0" fontAlgn="base" hangingPunct="0">
-              <a:lnSpc>
-                <a:spcPct val="93000"/>
-              </a:lnSpc>
-              <a:spcBef>
-                <a:spcPct val="0"/>
-              </a:spcBef>
-              <a:spcAft>
-                <a:spcPct val="0"/>
-              </a:spcAft>
-              <a:buClr>
-                <a:srgbClr val="000000"/>
-              </a:buClr>
-              <a:buSzPct val="100000"/>
-              <a:buFont typeface="Times New Roman" panose="02020603050405020304" pitchFamily="18" charset="0"/>
-              <a:tabLst>
-                <a:tab pos="0" algn="l"/>
-                <a:tab pos="447675" algn="l"/>
-                <a:tab pos="896938" algn="l"/>
-                <a:tab pos="1346200" algn="l"/>
-                <a:tab pos="1795463" algn="l"/>
-                <a:tab pos="2244725" algn="l"/>
-                <a:tab pos="2693988" algn="l"/>
-                <a:tab pos="3143250" algn="l"/>
-                <a:tab pos="3592513" algn="l"/>
-                <a:tab pos="4041775" algn="l"/>
-                <a:tab pos="4491038" algn="l"/>
-                <a:tab pos="4940300" algn="l"/>
-                <a:tab pos="5389563" algn="l"/>
-                <a:tab pos="5838825" algn="l"/>
-                <a:tab pos="6288088" algn="l"/>
-                <a:tab pos="6737350" algn="l"/>
-                <a:tab pos="7186613" algn="l"/>
-                <a:tab pos="7635875" algn="l"/>
-                <a:tab pos="8085138" algn="l"/>
-                <a:tab pos="8534400" algn="l"/>
-                <a:tab pos="8983663" algn="l"/>
-              </a:tabLst>
-              <a:defRPr>
-                <a:solidFill>
-                  <a:schemeClr val="bg1"/>
-                </a:solidFill>
-                <a:latin typeface="Arial" panose="020B0604020202020204" pitchFamily="34" charset="0"/>
-                <a:ea typeface="Microsoft YaHei" panose="020B0503020204020204" pitchFamily="34" charset="-122"/>
-              </a:defRPr>
-            </a:lvl6pPr>
-            <a:lvl7pPr marL="2971800" indent="-228600" defTabSz="449263" eaLnBrk="0" fontAlgn="base" hangingPunct="0">
-              <a:lnSpc>
-                <a:spcPct val="93000"/>
-              </a:lnSpc>
-              <a:spcBef>
-                <a:spcPct val="0"/>
-              </a:spcBef>
-              <a:spcAft>
-                <a:spcPct val="0"/>
-              </a:spcAft>
-              <a:buClr>
-                <a:srgbClr val="000000"/>
-              </a:buClr>
-              <a:buSzPct val="100000"/>
-              <a:buFont typeface="Times New Roman" panose="02020603050405020304" pitchFamily="18" charset="0"/>
-              <a:tabLst>
-                <a:tab pos="0" algn="l"/>
-                <a:tab pos="447675" algn="l"/>
-                <a:tab pos="896938" algn="l"/>
-                <a:tab pos="1346200" algn="l"/>
-                <a:tab pos="1795463" algn="l"/>
-                <a:tab pos="2244725" algn="l"/>
-                <a:tab pos="2693988" algn="l"/>
-                <a:tab pos="3143250" algn="l"/>
-                <a:tab pos="3592513" algn="l"/>
-                <a:tab pos="4041775" algn="l"/>
-                <a:tab pos="4491038" algn="l"/>
-                <a:tab pos="4940300" algn="l"/>
-                <a:tab pos="5389563" algn="l"/>
-                <a:tab pos="5838825" algn="l"/>
-                <a:tab pos="6288088" algn="l"/>
-                <a:tab pos="6737350" algn="l"/>
-                <a:tab pos="7186613" algn="l"/>
-                <a:tab pos="7635875" algn="l"/>
-                <a:tab pos="8085138" algn="l"/>
-                <a:tab pos="8534400" algn="l"/>
-                <a:tab pos="8983663" algn="l"/>
-              </a:tabLst>
-              <a:defRPr>
-                <a:solidFill>
-                  <a:schemeClr val="bg1"/>
-                </a:solidFill>
-                <a:latin typeface="Arial" panose="020B0604020202020204" pitchFamily="34" charset="0"/>
-                <a:ea typeface="Microsoft YaHei" panose="020B0503020204020204" pitchFamily="34" charset="-122"/>
-              </a:defRPr>
-            </a:lvl7pPr>
-            <a:lvl8pPr marL="3429000" indent="-228600" defTabSz="449263" eaLnBrk="0" fontAlgn="base" hangingPunct="0">
-              <a:lnSpc>
-                <a:spcPct val="93000"/>
-              </a:lnSpc>
-              <a:spcBef>
-                <a:spcPct val="0"/>
-              </a:spcBef>
-              <a:spcAft>
-                <a:spcPct val="0"/>
-              </a:spcAft>
-              <a:buClr>
-                <a:srgbClr val="000000"/>
-              </a:buClr>
-              <a:buSzPct val="100000"/>
-              <a:buFont typeface="Times New Roman" panose="02020603050405020304" pitchFamily="18" charset="0"/>
-              <a:tabLst>
-                <a:tab pos="0" algn="l"/>
-                <a:tab pos="447675" algn="l"/>
-                <a:tab pos="896938" algn="l"/>
-                <a:tab pos="1346200" algn="l"/>
-                <a:tab pos="1795463" algn="l"/>
-                <a:tab pos="2244725" algn="l"/>
-                <a:tab pos="2693988" algn="l"/>
-                <a:tab pos="3143250" algn="l"/>
-                <a:tab pos="3592513" algn="l"/>
-                <a:tab pos="4041775" algn="l"/>
-                <a:tab pos="4491038" algn="l"/>
-                <a:tab pos="4940300" algn="l"/>
-                <a:tab pos="5389563" algn="l"/>
-                <a:tab pos="5838825" algn="l"/>
-                <a:tab pos="6288088" algn="l"/>
-                <a:tab pos="6737350" algn="l"/>
-                <a:tab pos="7186613" algn="l"/>
-                <a:tab pos="7635875" algn="l"/>
-                <a:tab pos="8085138" algn="l"/>
-                <a:tab pos="8534400" algn="l"/>
-                <a:tab pos="8983663" algn="l"/>
-              </a:tabLst>
-              <a:defRPr>
-                <a:solidFill>
-                  <a:schemeClr val="bg1"/>
-                </a:solidFill>
-                <a:latin typeface="Arial" panose="020B0604020202020204" pitchFamily="34" charset="0"/>
-                <a:ea typeface="Microsoft YaHei" panose="020B0503020204020204" pitchFamily="34" charset="-122"/>
-              </a:defRPr>
-            </a:lvl8pPr>
-            <a:lvl9pPr marL="3886200" indent="-228600" defTabSz="449263" eaLnBrk="0" fontAlgn="base" hangingPunct="0">
-              <a:lnSpc>
-                <a:spcPct val="93000"/>
-              </a:lnSpc>
-              <a:spcBef>
-                <a:spcPct val="0"/>
-              </a:spcBef>
-              <a:spcAft>
-                <a:spcPct val="0"/>
-              </a:spcAft>
-              <a:buClr>
-                <a:srgbClr val="000000"/>
-              </a:buClr>
-              <a:buSzPct val="100000"/>
-              <a:buFont typeface="Times New Roman" panose="02020603050405020304" pitchFamily="18" charset="0"/>
-              <a:tabLst>
-                <a:tab pos="0" algn="l"/>
-                <a:tab pos="447675" algn="l"/>
-                <a:tab pos="896938" algn="l"/>
-                <a:tab pos="1346200" algn="l"/>
-                <a:tab pos="1795463" algn="l"/>
-                <a:tab pos="2244725" algn="l"/>
-                <a:tab pos="2693988" algn="l"/>
-                <a:tab pos="3143250" algn="l"/>
-                <a:tab pos="3592513" algn="l"/>
-                <a:tab pos="4041775" algn="l"/>
-                <a:tab pos="4491038" algn="l"/>
-                <a:tab pos="4940300" algn="l"/>
-                <a:tab pos="5389563" algn="l"/>
-                <a:tab pos="5838825" algn="l"/>
-                <a:tab pos="6288088" algn="l"/>
-                <a:tab pos="6737350" algn="l"/>
-                <a:tab pos="7186613" algn="l"/>
-                <a:tab pos="7635875" algn="l"/>
-                <a:tab pos="8085138" algn="l"/>
-                <a:tab pos="8534400" algn="l"/>
-                <a:tab pos="8983663" algn="l"/>
-              </a:tabLst>
-              <a:defRPr>
-                <a:solidFill>
-                  <a:schemeClr val="bg1"/>
-                </a:solidFill>
-                <a:latin typeface="Arial" panose="020B0604020202020204" pitchFamily="34" charset="0"/>
-                <a:ea typeface="Microsoft YaHei" panose="020B0503020204020204" pitchFamily="34" charset="-122"/>
-              </a:defRPr>
-            </a:lvl9pPr>
-          </a:lstStyle>
-          <a:p>
-            <a:pPr algn="ctr" eaLnBrk="1">
-              <a:lnSpc>
-                <a:spcPct val="101000"/>
-              </a:lnSpc>
-              <a:buClrTx/>
-              <a:buFontTx/>
-              <a:buNone/>
-            </a:pPr>
-            <a:r>
-              <a:rPr lang="pt-BR" altLang="pt-BR" sz="3600" b="1" dirty="0">
-                <a:solidFill>
-                  <a:srgbClr val="007826"/>
-                </a:solidFill>
-                <a:latin typeface="Tahoma" panose="020B0604030504040204" pitchFamily="34" charset="0"/>
-              </a:rPr>
-              <a:t>Obrigado pela atenção</a:t>
-            </a:r>
-          </a:p>
-          <a:p>
-            <a:pPr algn="ctr" eaLnBrk="1">
-              <a:lnSpc>
-                <a:spcPct val="101000"/>
-              </a:lnSpc>
-              <a:buClrTx/>
-              <a:buFontTx/>
-              <a:buNone/>
-            </a:pPr>
-            <a:endParaRPr lang="pt-BR" altLang="pt-BR" sz="1400" b="1" dirty="0">
-              <a:solidFill>
-                <a:srgbClr val="007826"/>
-              </a:solidFill>
-              <a:latin typeface="Tahoma" panose="020B0604030504040204" pitchFamily="34" charset="0"/>
-            </a:endParaRPr>
-          </a:p>
-          <a:p>
-            <a:pPr algn="ctr" eaLnBrk="1">
-              <a:lnSpc>
-                <a:spcPct val="101000"/>
-              </a:lnSpc>
-              <a:buClrTx/>
-              <a:buFontTx/>
-              <a:buNone/>
-            </a:pPr>
-            <a:r>
-              <a:rPr lang="pt-BR" altLang="pt-BR" sz="2400" b="1" dirty="0">
-                <a:solidFill>
-                  <a:srgbClr val="007826"/>
-                </a:solidFill>
-                <a:latin typeface="Tahoma" panose="020B0604030504040204" pitchFamily="34" charset="0"/>
-              </a:rPr>
-              <a:t>Contatos:</a:t>
-            </a:r>
-            <a:br>
-              <a:rPr lang="pt-BR" altLang="pt-BR" sz="2400" b="1" dirty="0">
-                <a:solidFill>
-                  <a:srgbClr val="007826"/>
-                </a:solidFill>
-                <a:latin typeface="Tahoma" panose="020B0604030504040204" pitchFamily="34" charset="0"/>
-              </a:rPr>
-            </a:br>
-            <a:r>
-              <a:rPr lang="pt-BR" altLang="pt-BR" sz="2400" b="1" dirty="0">
-                <a:solidFill>
-                  <a:srgbClr val="007826"/>
-                </a:solidFill>
-                <a:latin typeface="Tahoma" panose="020B0604030504040204" pitchFamily="34" charset="0"/>
-              </a:rPr>
-              <a:t>domingos.paraiso@gmail.com</a:t>
-            </a:r>
-            <a:br>
-              <a:rPr lang="pt-BR" altLang="pt-BR" sz="2400" b="1" dirty="0">
-                <a:solidFill>
-                  <a:srgbClr val="007826"/>
-                </a:solidFill>
-                <a:latin typeface="Tahoma" panose="020B0604030504040204" pitchFamily="34" charset="0"/>
-              </a:rPr>
-            </a:br>
-            <a:r>
-              <a:rPr lang="pt-BR" altLang="pt-BR" sz="2400" b="1" dirty="0">
-                <a:solidFill>
-                  <a:srgbClr val="007826"/>
-                </a:solidFill>
-                <a:latin typeface="Tahoma" panose="020B0604030504040204" pitchFamily="34" charset="0"/>
-              </a:rPr>
-              <a:t>cristina.dominicini@ifes.edu.br</a:t>
-            </a:r>
-          </a:p>
-        </p:txBody>
-      </p:sp>
-      <p:sp>
-        <p:nvSpPr>
-          <p:cNvPr id="7" name="Text Box 5">
-            <a:extLst>
-              <a:ext uri="{FF2B5EF4-FFF2-40B4-BE49-F238E27FC236}">
-                <a16:creationId xmlns:a16="http://schemas.microsoft.com/office/drawing/2014/main" id="{45FC43F0-76B9-C3FF-1C9C-7079CE4455F9}"/>
-              </a:ext>
-            </a:extLst>
-          </p:cNvPr>
-          <p:cNvSpPr txBox="1">
-            <a:spLocks noChangeArrowheads="1"/>
-          </p:cNvSpPr>
-          <p:nvPr/>
-        </p:nvSpPr>
-        <p:spPr bwMode="auto">
-          <a:xfrm>
-            <a:off x="137376" y="2979291"/>
-            <a:ext cx="9943496" cy="1323132"/>
-          </a:xfrm>
-          <a:prstGeom prst="rect">
-            <a:avLst/>
-          </a:prstGeom>
-          <a:noFill/>
-          <a:ln>
-            <a:noFill/>
-          </a:ln>
-          <a:effectLst/>
-          <a:extLst>
-            <a:ext uri="{909E8E84-426E-40DD-AFC4-6F175D3DCCD1}">
-              <a14:hiddenFill xmlns:a14="http://schemas.microsoft.com/office/drawing/2010/main">
-                <a:solidFill>
-                  <a:srgbClr val="FFFFFF"/>
-                </a:solidFill>
-              </a14:hiddenFill>
-            </a:ext>
-            <a:ext uri="{91240B29-F687-4F45-9708-019B960494DF}">
-              <a14:hiddenLine xmlns:a14="http://schemas.microsoft.com/office/drawing/2010/main" w="9525">
-                <a:solidFill>
-                  <a:srgbClr val="3465A4"/>
-                </a:solidFill>
-                <a:round/>
-                <a:headEnd/>
-                <a:tailEnd/>
-              </a14:hiddenLine>
-            </a:ext>
-            <a:ext uri="{AF507438-7753-43E0-B8FC-AC1667EBCBE1}">
-              <a14:hiddenEffects xmlns:a14="http://schemas.microsoft.com/office/drawing/2010/main">
-                <a:effectLst>
-                  <a:outerShdw dist="35921" dir="2700000" algn="ctr" rotWithShape="0">
-                    <a:srgbClr val="808080"/>
-                  </a:outerShdw>
-                </a:effectLst>
-              </a14:hiddenEffects>
-            </a:ext>
-          </a:extLst>
-        </p:spPr>
-        <p:txBody>
-          <a:bodyPr lIns="90000" tIns="45000" rIns="90000" bIns="45000"/>
-          <a:lstStyle>
-            <a:lvl1pPr>
-              <a:lnSpc>
-                <a:spcPct val="93000"/>
-              </a:lnSpc>
-              <a:buClr>
-                <a:srgbClr val="000000"/>
-              </a:buClr>
-              <a:buSzPct val="100000"/>
-              <a:buFont typeface="Times New Roman" panose="02020603050405020304" pitchFamily="18" charset="0"/>
-              <a:tabLst>
-                <a:tab pos="0" algn="l"/>
-                <a:tab pos="447675" algn="l"/>
-                <a:tab pos="896938" algn="l"/>
-                <a:tab pos="1346200" algn="l"/>
-                <a:tab pos="1795463" algn="l"/>
-                <a:tab pos="2244725" algn="l"/>
-                <a:tab pos="2693988" algn="l"/>
-                <a:tab pos="3143250" algn="l"/>
-                <a:tab pos="3592513" algn="l"/>
-                <a:tab pos="4041775" algn="l"/>
-                <a:tab pos="4491038" algn="l"/>
-                <a:tab pos="4940300" algn="l"/>
-                <a:tab pos="5389563" algn="l"/>
-                <a:tab pos="5838825" algn="l"/>
-                <a:tab pos="6288088" algn="l"/>
-                <a:tab pos="6737350" algn="l"/>
-                <a:tab pos="7186613" algn="l"/>
-                <a:tab pos="7635875" algn="l"/>
-                <a:tab pos="8085138" algn="l"/>
-                <a:tab pos="8534400" algn="l"/>
-                <a:tab pos="8983663" algn="l"/>
-              </a:tabLst>
-              <a:defRPr>
-                <a:solidFill>
-                  <a:schemeClr val="bg1"/>
-                </a:solidFill>
-                <a:latin typeface="Arial" panose="020B0604020202020204" pitchFamily="34" charset="0"/>
-                <a:ea typeface="Microsoft YaHei" panose="020B0503020204020204" pitchFamily="34" charset="-122"/>
-              </a:defRPr>
-            </a:lvl1pPr>
-            <a:lvl2pPr>
-              <a:lnSpc>
-                <a:spcPct val="93000"/>
-              </a:lnSpc>
-              <a:buClr>
-                <a:srgbClr val="000000"/>
-              </a:buClr>
-              <a:buSzPct val="100000"/>
-              <a:buFont typeface="Times New Roman" panose="02020603050405020304" pitchFamily="18" charset="0"/>
-              <a:tabLst>
-                <a:tab pos="0" algn="l"/>
-                <a:tab pos="447675" algn="l"/>
-                <a:tab pos="896938" algn="l"/>
-                <a:tab pos="1346200" algn="l"/>
-                <a:tab pos="1795463" algn="l"/>
-                <a:tab pos="2244725" algn="l"/>
-                <a:tab pos="2693988" algn="l"/>
-                <a:tab pos="3143250" algn="l"/>
-                <a:tab pos="3592513" algn="l"/>
-                <a:tab pos="4041775" algn="l"/>
-                <a:tab pos="4491038" algn="l"/>
-                <a:tab pos="4940300" algn="l"/>
-                <a:tab pos="5389563" algn="l"/>
-                <a:tab pos="5838825" algn="l"/>
-                <a:tab pos="6288088" algn="l"/>
-                <a:tab pos="6737350" algn="l"/>
-                <a:tab pos="7186613" algn="l"/>
-                <a:tab pos="7635875" algn="l"/>
-                <a:tab pos="8085138" algn="l"/>
-                <a:tab pos="8534400" algn="l"/>
-                <a:tab pos="8983663" algn="l"/>
-              </a:tabLst>
-              <a:defRPr>
-                <a:solidFill>
-                  <a:schemeClr val="bg1"/>
-                </a:solidFill>
-                <a:latin typeface="Arial" panose="020B0604020202020204" pitchFamily="34" charset="0"/>
-                <a:ea typeface="Microsoft YaHei" panose="020B0503020204020204" pitchFamily="34" charset="-122"/>
-              </a:defRPr>
-            </a:lvl2pPr>
-            <a:lvl3pPr>
-              <a:lnSpc>
-                <a:spcPct val="93000"/>
-              </a:lnSpc>
-              <a:buClr>
-                <a:srgbClr val="000000"/>
-              </a:buClr>
-              <a:buSzPct val="100000"/>
-              <a:buFont typeface="Times New Roman" panose="02020603050405020304" pitchFamily="18" charset="0"/>
-              <a:tabLst>
-                <a:tab pos="0" algn="l"/>
-                <a:tab pos="447675" algn="l"/>
-                <a:tab pos="896938" algn="l"/>
-                <a:tab pos="1346200" algn="l"/>
-                <a:tab pos="1795463" algn="l"/>
-                <a:tab pos="2244725" algn="l"/>
-                <a:tab pos="2693988" algn="l"/>
-                <a:tab pos="3143250" algn="l"/>
-                <a:tab pos="3592513" algn="l"/>
-                <a:tab pos="4041775" algn="l"/>
-                <a:tab pos="4491038" algn="l"/>
-                <a:tab pos="4940300" algn="l"/>
-                <a:tab pos="5389563" algn="l"/>
-                <a:tab pos="5838825" algn="l"/>
-                <a:tab pos="6288088" algn="l"/>
-                <a:tab pos="6737350" algn="l"/>
-                <a:tab pos="7186613" algn="l"/>
-                <a:tab pos="7635875" algn="l"/>
-                <a:tab pos="8085138" algn="l"/>
-                <a:tab pos="8534400" algn="l"/>
-                <a:tab pos="8983663" algn="l"/>
-              </a:tabLst>
-              <a:defRPr>
-                <a:solidFill>
-                  <a:schemeClr val="bg1"/>
-                </a:solidFill>
-                <a:latin typeface="Arial" panose="020B0604020202020204" pitchFamily="34" charset="0"/>
-                <a:ea typeface="Microsoft YaHei" panose="020B0503020204020204" pitchFamily="34" charset="-122"/>
-              </a:defRPr>
-            </a:lvl3pPr>
-            <a:lvl4pPr>
-              <a:lnSpc>
-                <a:spcPct val="93000"/>
-              </a:lnSpc>
-              <a:buClr>
-                <a:srgbClr val="000000"/>
-              </a:buClr>
-              <a:buSzPct val="100000"/>
-              <a:buFont typeface="Times New Roman" panose="02020603050405020304" pitchFamily="18" charset="0"/>
-              <a:tabLst>
-                <a:tab pos="0" algn="l"/>
-                <a:tab pos="447675" algn="l"/>
-                <a:tab pos="896938" algn="l"/>
-                <a:tab pos="1346200" algn="l"/>
-                <a:tab pos="1795463" algn="l"/>
-                <a:tab pos="2244725" algn="l"/>
-                <a:tab pos="2693988" algn="l"/>
-                <a:tab pos="3143250" algn="l"/>
-                <a:tab pos="3592513" algn="l"/>
-                <a:tab pos="4041775" algn="l"/>
-                <a:tab pos="4491038" algn="l"/>
-                <a:tab pos="4940300" algn="l"/>
-                <a:tab pos="5389563" algn="l"/>
-                <a:tab pos="5838825" algn="l"/>
-                <a:tab pos="6288088" algn="l"/>
-                <a:tab pos="6737350" algn="l"/>
-                <a:tab pos="7186613" algn="l"/>
-                <a:tab pos="7635875" algn="l"/>
-                <a:tab pos="8085138" algn="l"/>
-                <a:tab pos="8534400" algn="l"/>
-                <a:tab pos="8983663" algn="l"/>
-              </a:tabLst>
-              <a:defRPr>
-                <a:solidFill>
-                  <a:schemeClr val="bg1"/>
-                </a:solidFill>
-                <a:latin typeface="Arial" panose="020B0604020202020204" pitchFamily="34" charset="0"/>
-                <a:ea typeface="Microsoft YaHei" panose="020B0503020204020204" pitchFamily="34" charset="-122"/>
-              </a:defRPr>
-            </a:lvl4pPr>
-            <a:lvl5pPr>
-              <a:lnSpc>
-                <a:spcPct val="93000"/>
-              </a:lnSpc>
-              <a:buClr>
-                <a:srgbClr val="000000"/>
-              </a:buClr>
-              <a:buSzPct val="100000"/>
-              <a:buFont typeface="Times New Roman" panose="02020603050405020304" pitchFamily="18" charset="0"/>
-              <a:tabLst>
-                <a:tab pos="0" algn="l"/>
-                <a:tab pos="447675" algn="l"/>
-                <a:tab pos="896938" algn="l"/>
-                <a:tab pos="1346200" algn="l"/>
-                <a:tab pos="1795463" algn="l"/>
-                <a:tab pos="2244725" algn="l"/>
-                <a:tab pos="2693988" algn="l"/>
-                <a:tab pos="3143250" algn="l"/>
-                <a:tab pos="3592513" algn="l"/>
-                <a:tab pos="4041775" algn="l"/>
-                <a:tab pos="4491038" algn="l"/>
-                <a:tab pos="4940300" algn="l"/>
-                <a:tab pos="5389563" algn="l"/>
-                <a:tab pos="5838825" algn="l"/>
-                <a:tab pos="6288088" algn="l"/>
-                <a:tab pos="6737350" algn="l"/>
-                <a:tab pos="7186613" algn="l"/>
-                <a:tab pos="7635875" algn="l"/>
-                <a:tab pos="8085138" algn="l"/>
-                <a:tab pos="8534400" algn="l"/>
-                <a:tab pos="8983663" algn="l"/>
-              </a:tabLst>
-              <a:defRPr>
-                <a:solidFill>
-                  <a:schemeClr val="bg1"/>
-                </a:solidFill>
-                <a:latin typeface="Arial" panose="020B0604020202020204" pitchFamily="34" charset="0"/>
-                <a:ea typeface="Microsoft YaHei" panose="020B0503020204020204" pitchFamily="34" charset="-122"/>
-              </a:defRPr>
-            </a:lvl5pPr>
-            <a:lvl6pPr marL="2514600" indent="-228600" defTabSz="449263" eaLnBrk="0" fontAlgn="base" hangingPunct="0">
-              <a:lnSpc>
-                <a:spcPct val="93000"/>
-              </a:lnSpc>
-              <a:spcBef>
-                <a:spcPct val="0"/>
-              </a:spcBef>
-              <a:spcAft>
-                <a:spcPct val="0"/>
-              </a:spcAft>
-              <a:buClr>
-                <a:srgbClr val="000000"/>
-              </a:buClr>
-              <a:buSzPct val="100000"/>
-              <a:buFont typeface="Times New Roman" panose="02020603050405020304" pitchFamily="18" charset="0"/>
-              <a:tabLst>
-                <a:tab pos="0" algn="l"/>
-                <a:tab pos="447675" algn="l"/>
-                <a:tab pos="896938" algn="l"/>
-                <a:tab pos="1346200" algn="l"/>
-                <a:tab pos="1795463" algn="l"/>
-                <a:tab pos="2244725" algn="l"/>
-                <a:tab pos="2693988" algn="l"/>
-                <a:tab pos="3143250" algn="l"/>
-                <a:tab pos="3592513" algn="l"/>
-                <a:tab pos="4041775" algn="l"/>
-                <a:tab pos="4491038" algn="l"/>
-                <a:tab pos="4940300" algn="l"/>
-                <a:tab pos="5389563" algn="l"/>
-                <a:tab pos="5838825" algn="l"/>
-                <a:tab pos="6288088" algn="l"/>
-                <a:tab pos="6737350" algn="l"/>
-                <a:tab pos="7186613" algn="l"/>
-                <a:tab pos="7635875" algn="l"/>
-                <a:tab pos="8085138" algn="l"/>
-                <a:tab pos="8534400" algn="l"/>
-                <a:tab pos="8983663" algn="l"/>
-              </a:tabLst>
-              <a:defRPr>
-                <a:solidFill>
-                  <a:schemeClr val="bg1"/>
-                </a:solidFill>
-                <a:latin typeface="Arial" panose="020B0604020202020204" pitchFamily="34" charset="0"/>
-                <a:ea typeface="Microsoft YaHei" panose="020B0503020204020204" pitchFamily="34" charset="-122"/>
-              </a:defRPr>
-            </a:lvl6pPr>
-            <a:lvl7pPr marL="2971800" indent="-228600" defTabSz="449263" eaLnBrk="0" fontAlgn="base" hangingPunct="0">
-              <a:lnSpc>
-                <a:spcPct val="93000"/>
-              </a:lnSpc>
-              <a:spcBef>
-                <a:spcPct val="0"/>
-              </a:spcBef>
-              <a:spcAft>
-                <a:spcPct val="0"/>
-              </a:spcAft>
-              <a:buClr>
-                <a:srgbClr val="000000"/>
-              </a:buClr>
-              <a:buSzPct val="100000"/>
-              <a:buFont typeface="Times New Roman" panose="02020603050405020304" pitchFamily="18" charset="0"/>
-              <a:tabLst>
-                <a:tab pos="0" algn="l"/>
-                <a:tab pos="447675" algn="l"/>
-                <a:tab pos="896938" algn="l"/>
-                <a:tab pos="1346200" algn="l"/>
-                <a:tab pos="1795463" algn="l"/>
-                <a:tab pos="2244725" algn="l"/>
-                <a:tab pos="2693988" algn="l"/>
-                <a:tab pos="3143250" algn="l"/>
-                <a:tab pos="3592513" algn="l"/>
-                <a:tab pos="4041775" algn="l"/>
-                <a:tab pos="4491038" algn="l"/>
-                <a:tab pos="4940300" algn="l"/>
-                <a:tab pos="5389563" algn="l"/>
-                <a:tab pos="5838825" algn="l"/>
-                <a:tab pos="6288088" algn="l"/>
-                <a:tab pos="6737350" algn="l"/>
-                <a:tab pos="7186613" algn="l"/>
-                <a:tab pos="7635875" algn="l"/>
-                <a:tab pos="8085138" algn="l"/>
-                <a:tab pos="8534400" algn="l"/>
-                <a:tab pos="8983663" algn="l"/>
-              </a:tabLst>
-              <a:defRPr>
-                <a:solidFill>
-                  <a:schemeClr val="bg1"/>
-                </a:solidFill>
-                <a:latin typeface="Arial" panose="020B0604020202020204" pitchFamily="34" charset="0"/>
-                <a:ea typeface="Microsoft YaHei" panose="020B0503020204020204" pitchFamily="34" charset="-122"/>
-              </a:defRPr>
-            </a:lvl7pPr>
-            <a:lvl8pPr marL="3429000" indent="-228600" defTabSz="449263" eaLnBrk="0" fontAlgn="base" hangingPunct="0">
-              <a:lnSpc>
-                <a:spcPct val="93000"/>
-              </a:lnSpc>
-              <a:spcBef>
-                <a:spcPct val="0"/>
-              </a:spcBef>
-              <a:spcAft>
-                <a:spcPct val="0"/>
-              </a:spcAft>
-              <a:buClr>
-                <a:srgbClr val="000000"/>
-              </a:buClr>
-              <a:buSzPct val="100000"/>
-              <a:buFont typeface="Times New Roman" panose="02020603050405020304" pitchFamily="18" charset="0"/>
-              <a:tabLst>
-                <a:tab pos="0" algn="l"/>
-                <a:tab pos="447675" algn="l"/>
-                <a:tab pos="896938" algn="l"/>
-                <a:tab pos="1346200" algn="l"/>
-                <a:tab pos="1795463" algn="l"/>
-                <a:tab pos="2244725" algn="l"/>
-                <a:tab pos="2693988" algn="l"/>
-                <a:tab pos="3143250" algn="l"/>
-                <a:tab pos="3592513" algn="l"/>
-                <a:tab pos="4041775" algn="l"/>
-                <a:tab pos="4491038" algn="l"/>
-                <a:tab pos="4940300" algn="l"/>
-                <a:tab pos="5389563" algn="l"/>
-                <a:tab pos="5838825" algn="l"/>
-                <a:tab pos="6288088" algn="l"/>
-                <a:tab pos="6737350" algn="l"/>
-                <a:tab pos="7186613" algn="l"/>
-                <a:tab pos="7635875" algn="l"/>
-                <a:tab pos="8085138" algn="l"/>
-                <a:tab pos="8534400" algn="l"/>
-                <a:tab pos="8983663" algn="l"/>
-              </a:tabLst>
-              <a:defRPr>
-                <a:solidFill>
-                  <a:schemeClr val="bg1"/>
-                </a:solidFill>
-                <a:latin typeface="Arial" panose="020B0604020202020204" pitchFamily="34" charset="0"/>
-                <a:ea typeface="Microsoft YaHei" panose="020B0503020204020204" pitchFamily="34" charset="-122"/>
-              </a:defRPr>
-            </a:lvl8pPr>
-            <a:lvl9pPr marL="3886200" indent="-228600" defTabSz="449263" eaLnBrk="0" fontAlgn="base" hangingPunct="0">
-              <a:lnSpc>
-                <a:spcPct val="93000"/>
-              </a:lnSpc>
-              <a:spcBef>
-                <a:spcPct val="0"/>
-              </a:spcBef>
-              <a:spcAft>
-                <a:spcPct val="0"/>
-              </a:spcAft>
-              <a:buClr>
-                <a:srgbClr val="000000"/>
-              </a:buClr>
-              <a:buSzPct val="100000"/>
-              <a:buFont typeface="Times New Roman" panose="02020603050405020304" pitchFamily="18" charset="0"/>
-              <a:tabLst>
-                <a:tab pos="0" algn="l"/>
-                <a:tab pos="447675" algn="l"/>
-                <a:tab pos="896938" algn="l"/>
-                <a:tab pos="1346200" algn="l"/>
-                <a:tab pos="1795463" algn="l"/>
-                <a:tab pos="2244725" algn="l"/>
-                <a:tab pos="2693988" algn="l"/>
-                <a:tab pos="3143250" algn="l"/>
-                <a:tab pos="3592513" algn="l"/>
-                <a:tab pos="4041775" algn="l"/>
-                <a:tab pos="4491038" algn="l"/>
-                <a:tab pos="4940300" algn="l"/>
-                <a:tab pos="5389563" algn="l"/>
-                <a:tab pos="5838825" algn="l"/>
-                <a:tab pos="6288088" algn="l"/>
-                <a:tab pos="6737350" algn="l"/>
-                <a:tab pos="7186613" algn="l"/>
-                <a:tab pos="7635875" algn="l"/>
-                <a:tab pos="8085138" algn="l"/>
-                <a:tab pos="8534400" algn="l"/>
-                <a:tab pos="8983663" algn="l"/>
-              </a:tabLst>
-              <a:defRPr>
-                <a:solidFill>
-                  <a:schemeClr val="bg1"/>
-                </a:solidFill>
-                <a:latin typeface="Arial" panose="020B0604020202020204" pitchFamily="34" charset="0"/>
-                <a:ea typeface="Microsoft YaHei" panose="020B0503020204020204" pitchFamily="34" charset="-122"/>
-              </a:defRPr>
-            </a:lvl9pPr>
-          </a:lstStyle>
-          <a:p>
-            <a:pPr eaLnBrk="1">
-              <a:lnSpc>
-                <a:spcPct val="101000"/>
-              </a:lnSpc>
-              <a:buClrTx/>
-              <a:buFontTx/>
-              <a:buNone/>
-            </a:pPr>
-            <a:r>
-              <a:rPr lang="pt-BR" altLang="pt-BR" i="1" dirty="0">
-                <a:solidFill>
-                  <a:srgbClr val="007826"/>
-                </a:solidFill>
-                <a:latin typeface="Tahoma" panose="020B0604030504040204" pitchFamily="34" charset="0"/>
-              </a:rPr>
-              <a:t>Agradecemos a FAPES e a CAPES (processo 2021-2S6CD, FAPES 132/2021) por meio do PDPG (Programa de Desenvolvimento da Pós-Graduação, Parcerias Estratégicas nos Estados) e as agencias: FAPESP/MCTI/CGI.br (PORVIR-5G 20/05182-3, SAWI 20/05174-0) e FAPES (94/2017, 281/2019, 515/2021, 284/2021, 06/2022, 1026/2022, 941/2022). Este trabalho recebeu apoio do 2021 Google </a:t>
-            </a:r>
-            <a:r>
-              <a:rPr lang="pt-BR" altLang="pt-BR" i="1" dirty="0" err="1">
-                <a:solidFill>
-                  <a:srgbClr val="007826"/>
-                </a:solidFill>
-                <a:latin typeface="Tahoma" panose="020B0604030504040204" pitchFamily="34" charset="0"/>
-              </a:rPr>
-              <a:t>Research</a:t>
-            </a:r>
-            <a:r>
-              <a:rPr lang="pt-BR" altLang="pt-BR" i="1" dirty="0">
-                <a:solidFill>
-                  <a:srgbClr val="007826"/>
-                </a:solidFill>
-                <a:latin typeface="Tahoma" panose="020B0604030504040204" pitchFamily="34" charset="0"/>
-              </a:rPr>
-              <a:t> Scholar </a:t>
-            </a:r>
-            <a:r>
-              <a:rPr lang="pt-BR" altLang="pt-BR" i="1" dirty="0" err="1">
-                <a:solidFill>
-                  <a:srgbClr val="007826"/>
-                </a:solidFill>
-                <a:latin typeface="Tahoma" panose="020B0604030504040204" pitchFamily="34" charset="0"/>
-              </a:rPr>
-              <a:t>Award</a:t>
-            </a:r>
-            <a:r>
-              <a:rPr lang="pt-BR" altLang="pt-BR" i="1" dirty="0">
-                <a:solidFill>
-                  <a:srgbClr val="007826"/>
-                </a:solidFill>
-                <a:latin typeface="Tahoma" panose="020B0604030504040204" pitchFamily="34" charset="0"/>
-              </a:rPr>
-              <a:t>.</a:t>
-            </a:r>
-          </a:p>
-        </p:txBody>
-      </p:sp>
-      <p:sp>
-        <p:nvSpPr>
-          <p:cNvPr id="11" name="CaixaDeTexto 10">
-            <a:extLst>
-              <a:ext uri="{FF2B5EF4-FFF2-40B4-BE49-F238E27FC236}">
-                <a16:creationId xmlns:a16="http://schemas.microsoft.com/office/drawing/2014/main" id="{983C9F22-4503-6B2D-5B4A-62B48E22AC86}"/>
-              </a:ext>
-            </a:extLst>
-          </p:cNvPr>
-          <p:cNvSpPr txBox="1"/>
-          <p:nvPr/>
-        </p:nvSpPr>
-        <p:spPr>
-          <a:xfrm>
-            <a:off x="-6639" y="89679"/>
-            <a:ext cx="10081912" cy="369332"/>
-          </a:xfrm>
-          <a:prstGeom prst="rect">
-            <a:avLst/>
-          </a:prstGeom>
-          <a:noFill/>
-        </p:spPr>
-        <p:txBody>
-          <a:bodyPr wrap="square">
-            <a:spAutoFit/>
-          </a:bodyPr>
-          <a:lstStyle/>
-          <a:p>
-            <a:pPr algn="ctr">
-              <a:spcAft>
-                <a:spcPts val="0"/>
-              </a:spcAft>
-            </a:pPr>
-            <a:r>
-              <a:rPr lang="pt-BR" b="1" dirty="0">
-                <a:effectLst/>
-              </a:rPr>
-              <a:t>WPEIF – XIV Workshop de Pesquisa Experimental da Internet do Futuro – Maio 2023</a:t>
-            </a:r>
-          </a:p>
-        </p:txBody>
-      </p:sp>
-    </p:spTree>
-    <p:extLst>
-      <p:ext uri="{BB962C8B-B14F-4D97-AF65-F5344CB8AC3E}">
-        <p14:creationId xmlns:p14="http://schemas.microsoft.com/office/powerpoint/2010/main" val="303988907"/>
-      </p:ext>
-    </p:extLst>
-  </p:cSld>
-  <p:clrMapOvr>
-    <a:masterClrMapping/>
-  </p:clrMapOvr>
 </p:sld>
 </file>
 
